--- a/doc/présentation/Présentation.pptx
+++ b/doc/présentation/Présentation.pptx
@@ -27,7 +27,7 @@
     <p:sldId id="274" r:id="rId22"/>
   </p:sldIdLst>
   <p:sldSz cx="9144000" cy="5143500"/>
-  <p:notesSz cx="6858000" cy="9144000"/>
+  <p:notesSz cx="7559675" cy="10691812"/>
 </p:presentation>
 </file>
 
@@ -119,8 +119,7 @@
 4)La précision des mesures 
 Coté Sécurité est :
 De Sécuriser l’accès au système.
-Et Crypter les informations envoyées.
-</p:text>
+Et Crypter les informations envoyées.</p:text>
   </p:cm>
 </p:cmLst>
 </file>
@@ -286,7 +285,7 @@
       </p:grpSpPr>
       <p:sp>
         <p:nvSpPr>
-          <p:cNvPr id="28" name="PlaceHolder 1"/>
+          <p:cNvPr id="27" name="PlaceHolder 1"/>
           <p:cNvSpPr>
             <a:spLocks noGrp="1"/>
           </p:cNvSpPr>
@@ -296,8 +295,8 @@
         </p:nvSpPr>
         <p:spPr>
           <a:xfrm>
-            <a:off x="729360" y="1318680"/>
-            <a:ext cx="7688520" cy="534960"/>
+            <a:off x="729360" y="1273320"/>
+            <a:ext cx="7688160" cy="625320"/>
           </a:xfrm>
           <a:prstGeom prst="rect">
             <a:avLst/>
@@ -306,18 +305,16 @@
         <p:txBody>
           <a:bodyPr lIns="0" rIns="0" tIns="0" bIns="0" anchor="ctr"/>
           <a:p>
-            <a:endParaRPr b="0" lang="fr-FR" sz="1400" spc="-1" strike="noStrike">
-              <a:solidFill>
-                <a:srgbClr val="000000"/>
-              </a:solidFill>
-              <a:latin typeface="Arial"/>
-            </a:endParaRPr>
-          </a:p>
-        </p:txBody>
-      </p:sp>
-      <p:sp>
-        <p:nvSpPr>
-          <p:cNvPr id="29" name="PlaceHolder 2"/>
+            <a:pPr algn="ctr"/>
+            <a:endParaRPr b="0" lang="fr-FR" sz="4400" spc="-1" strike="noStrike">
+              <a:latin typeface="Arial"/>
+            </a:endParaRPr>
+          </a:p>
+        </p:txBody>
+      </p:sp>
+      <p:sp>
+        <p:nvSpPr>
+          <p:cNvPr id="28" name="PlaceHolder 2"/>
           <p:cNvSpPr>
             <a:spLocks noGrp="1"/>
           </p:cNvSpPr>
@@ -328,7 +325,7 @@
         <p:spPr>
           <a:xfrm>
             <a:off x="729360" y="2079000"/>
-            <a:ext cx="7688520" cy="1078200"/>
+            <a:ext cx="7688160" cy="1078200"/>
           </a:xfrm>
           <a:prstGeom prst="rect">
             <a:avLst/>
@@ -339,18 +336,15 @@
             <a:normAutofit/>
           </a:bodyPr>
           <a:p>
-            <a:endParaRPr b="0" lang="fr-FR" sz="1400" spc="-1" strike="noStrike">
-              <a:solidFill>
-                <a:srgbClr val="000000"/>
-              </a:solidFill>
-              <a:latin typeface="Arial"/>
-            </a:endParaRPr>
-          </a:p>
-        </p:txBody>
-      </p:sp>
-      <p:sp>
-        <p:nvSpPr>
-          <p:cNvPr id="30" name="PlaceHolder 3"/>
+            <a:endParaRPr b="0" lang="fr-FR" sz="3200" spc="-1" strike="noStrike">
+              <a:latin typeface="Arial"/>
+            </a:endParaRPr>
+          </a:p>
+        </p:txBody>
+      </p:sp>
+      <p:sp>
+        <p:nvSpPr>
+          <p:cNvPr id="29" name="PlaceHolder 3"/>
           <p:cNvSpPr>
             <a:spLocks noGrp="1"/>
           </p:cNvSpPr>
@@ -361,7 +355,7 @@
         <p:spPr>
           <a:xfrm>
             <a:off x="729360" y="3260160"/>
-            <a:ext cx="7688520" cy="1078200"/>
+            <a:ext cx="7688160" cy="1078200"/>
           </a:xfrm>
           <a:prstGeom prst="rect">
             <a:avLst/>
@@ -372,10 +366,7 @@
             <a:normAutofit/>
           </a:bodyPr>
           <a:p>
-            <a:endParaRPr b="0" lang="fr-FR" sz="1400" spc="-1" strike="noStrike">
-              <a:solidFill>
-                <a:srgbClr val="000000"/>
-              </a:solidFill>
+            <a:endParaRPr b="0" lang="fr-FR" sz="3200" spc="-1" strike="noStrike">
               <a:latin typeface="Arial"/>
             </a:endParaRPr>
           </a:p>
@@ -405,7 +396,7 @@
       </p:grpSpPr>
       <p:sp>
         <p:nvSpPr>
-          <p:cNvPr id="31" name="PlaceHolder 1"/>
+          <p:cNvPr id="30" name="PlaceHolder 1"/>
           <p:cNvSpPr>
             <a:spLocks noGrp="1"/>
           </p:cNvSpPr>
@@ -415,8 +406,8 @@
         </p:nvSpPr>
         <p:spPr>
           <a:xfrm>
-            <a:off x="729360" y="1318680"/>
-            <a:ext cx="7688520" cy="534960"/>
+            <a:off x="729360" y="1273320"/>
+            <a:ext cx="7688160" cy="625320"/>
           </a:xfrm>
           <a:prstGeom prst="rect">
             <a:avLst/>
@@ -425,18 +416,16 @@
         <p:txBody>
           <a:bodyPr lIns="0" rIns="0" tIns="0" bIns="0" anchor="ctr"/>
           <a:p>
-            <a:endParaRPr b="0" lang="fr-FR" sz="1400" spc="-1" strike="noStrike">
-              <a:solidFill>
-                <a:srgbClr val="000000"/>
-              </a:solidFill>
-              <a:latin typeface="Arial"/>
-            </a:endParaRPr>
-          </a:p>
-        </p:txBody>
-      </p:sp>
-      <p:sp>
-        <p:nvSpPr>
-          <p:cNvPr id="32" name="PlaceHolder 2"/>
+            <a:pPr algn="ctr"/>
+            <a:endParaRPr b="0" lang="fr-FR" sz="4400" spc="-1" strike="noStrike">
+              <a:latin typeface="Arial"/>
+            </a:endParaRPr>
+          </a:p>
+        </p:txBody>
+      </p:sp>
+      <p:sp>
+        <p:nvSpPr>
+          <p:cNvPr id="31" name="PlaceHolder 2"/>
           <p:cNvSpPr>
             <a:spLocks noGrp="1"/>
           </p:cNvSpPr>
@@ -447,7 +436,7 @@
         <p:spPr>
           <a:xfrm>
             <a:off x="729360" y="2079000"/>
-            <a:ext cx="3751920" cy="1078200"/>
+            <a:ext cx="3751560" cy="1078200"/>
           </a:xfrm>
           <a:prstGeom prst="rect">
             <a:avLst/>
@@ -458,18 +447,15 @@
             <a:normAutofit/>
           </a:bodyPr>
           <a:p>
-            <a:endParaRPr b="0" lang="fr-FR" sz="1400" spc="-1" strike="noStrike">
-              <a:solidFill>
-                <a:srgbClr val="000000"/>
-              </a:solidFill>
-              <a:latin typeface="Arial"/>
-            </a:endParaRPr>
-          </a:p>
-        </p:txBody>
-      </p:sp>
-      <p:sp>
-        <p:nvSpPr>
-          <p:cNvPr id="33" name="PlaceHolder 3"/>
+            <a:endParaRPr b="0" lang="fr-FR" sz="3200" spc="-1" strike="noStrike">
+              <a:latin typeface="Arial"/>
+            </a:endParaRPr>
+          </a:p>
+        </p:txBody>
+      </p:sp>
+      <p:sp>
+        <p:nvSpPr>
+          <p:cNvPr id="32" name="PlaceHolder 3"/>
           <p:cNvSpPr>
             <a:spLocks noGrp="1"/>
           </p:cNvSpPr>
@@ -479,8 +465,8 @@
         </p:nvSpPr>
         <p:spPr>
           <a:xfrm>
-            <a:off x="4669200" y="2079000"/>
-            <a:ext cx="3751920" cy="1078200"/>
+            <a:off x="4668840" y="2079000"/>
+            <a:ext cx="3751560" cy="1078200"/>
           </a:xfrm>
           <a:prstGeom prst="rect">
             <a:avLst/>
@@ -491,18 +477,15 @@
             <a:normAutofit/>
           </a:bodyPr>
           <a:p>
-            <a:endParaRPr b="0" lang="fr-FR" sz="1400" spc="-1" strike="noStrike">
-              <a:solidFill>
-                <a:srgbClr val="000000"/>
-              </a:solidFill>
-              <a:latin typeface="Arial"/>
-            </a:endParaRPr>
-          </a:p>
-        </p:txBody>
-      </p:sp>
-      <p:sp>
-        <p:nvSpPr>
-          <p:cNvPr id="34" name="PlaceHolder 4"/>
+            <a:endParaRPr b="0" lang="fr-FR" sz="3200" spc="-1" strike="noStrike">
+              <a:latin typeface="Arial"/>
+            </a:endParaRPr>
+          </a:p>
+        </p:txBody>
+      </p:sp>
+      <p:sp>
+        <p:nvSpPr>
+          <p:cNvPr id="33" name="PlaceHolder 4"/>
           <p:cNvSpPr>
             <a:spLocks noGrp="1"/>
           </p:cNvSpPr>
@@ -513,7 +496,7 @@
         <p:spPr>
           <a:xfrm>
             <a:off x="729360" y="3260160"/>
-            <a:ext cx="3751920" cy="1078200"/>
+            <a:ext cx="3751560" cy="1078200"/>
           </a:xfrm>
           <a:prstGeom prst="rect">
             <a:avLst/>
@@ -524,18 +507,15 @@
             <a:normAutofit/>
           </a:bodyPr>
           <a:p>
-            <a:endParaRPr b="0" lang="fr-FR" sz="1400" spc="-1" strike="noStrike">
-              <a:solidFill>
-                <a:srgbClr val="000000"/>
-              </a:solidFill>
-              <a:latin typeface="Arial"/>
-            </a:endParaRPr>
-          </a:p>
-        </p:txBody>
-      </p:sp>
-      <p:sp>
-        <p:nvSpPr>
-          <p:cNvPr id="35" name="PlaceHolder 5"/>
+            <a:endParaRPr b="0" lang="fr-FR" sz="3200" spc="-1" strike="noStrike">
+              <a:latin typeface="Arial"/>
+            </a:endParaRPr>
+          </a:p>
+        </p:txBody>
+      </p:sp>
+      <p:sp>
+        <p:nvSpPr>
+          <p:cNvPr id="34" name="PlaceHolder 5"/>
           <p:cNvSpPr>
             <a:spLocks noGrp="1"/>
           </p:cNvSpPr>
@@ -545,8 +525,8 @@
         </p:nvSpPr>
         <p:spPr>
           <a:xfrm>
-            <a:off x="4669200" y="3260160"/>
-            <a:ext cx="3751920" cy="1078200"/>
+            <a:off x="4668840" y="3260160"/>
+            <a:ext cx="3751560" cy="1078200"/>
           </a:xfrm>
           <a:prstGeom prst="rect">
             <a:avLst/>
@@ -557,10 +537,7 @@
             <a:normAutofit/>
           </a:bodyPr>
           <a:p>
-            <a:endParaRPr b="0" lang="fr-FR" sz="1400" spc="-1" strike="noStrike">
-              <a:solidFill>
-                <a:srgbClr val="000000"/>
-              </a:solidFill>
+            <a:endParaRPr b="0" lang="fr-FR" sz="3200" spc="-1" strike="noStrike">
               <a:latin typeface="Arial"/>
             </a:endParaRPr>
           </a:p>
@@ -590,7 +567,7 @@
       </p:grpSpPr>
       <p:sp>
         <p:nvSpPr>
-          <p:cNvPr id="36" name="PlaceHolder 1"/>
+          <p:cNvPr id="35" name="PlaceHolder 1"/>
           <p:cNvSpPr>
             <a:spLocks noGrp="1"/>
           </p:cNvSpPr>
@@ -600,8 +577,8 @@
         </p:nvSpPr>
         <p:spPr>
           <a:xfrm>
-            <a:off x="729360" y="1318680"/>
-            <a:ext cx="7688520" cy="534960"/>
+            <a:off x="729360" y="1273320"/>
+            <a:ext cx="7688160" cy="625320"/>
           </a:xfrm>
           <a:prstGeom prst="rect">
             <a:avLst/>
@@ -610,18 +587,16 @@
         <p:txBody>
           <a:bodyPr lIns="0" rIns="0" tIns="0" bIns="0" anchor="ctr"/>
           <a:p>
-            <a:endParaRPr b="0" lang="fr-FR" sz="1400" spc="-1" strike="noStrike">
-              <a:solidFill>
-                <a:srgbClr val="000000"/>
-              </a:solidFill>
-              <a:latin typeface="Arial"/>
-            </a:endParaRPr>
-          </a:p>
-        </p:txBody>
-      </p:sp>
-      <p:sp>
-        <p:nvSpPr>
-          <p:cNvPr id="37" name="PlaceHolder 2"/>
+            <a:pPr algn="ctr"/>
+            <a:endParaRPr b="0" lang="fr-FR" sz="4400" spc="-1" strike="noStrike">
+              <a:latin typeface="Arial"/>
+            </a:endParaRPr>
+          </a:p>
+        </p:txBody>
+      </p:sp>
+      <p:sp>
+        <p:nvSpPr>
+          <p:cNvPr id="36" name="PlaceHolder 2"/>
           <p:cNvSpPr>
             <a:spLocks noGrp="1"/>
           </p:cNvSpPr>
@@ -643,18 +618,15 @@
             <a:normAutofit/>
           </a:bodyPr>
           <a:p>
-            <a:endParaRPr b="0" lang="fr-FR" sz="1400" spc="-1" strike="noStrike">
-              <a:solidFill>
-                <a:srgbClr val="000000"/>
-              </a:solidFill>
-              <a:latin typeface="Arial"/>
-            </a:endParaRPr>
-          </a:p>
-        </p:txBody>
-      </p:sp>
-      <p:sp>
-        <p:nvSpPr>
-          <p:cNvPr id="38" name="PlaceHolder 3"/>
+            <a:endParaRPr b="0" lang="fr-FR" sz="3200" spc="-1" strike="noStrike">
+              <a:latin typeface="Arial"/>
+            </a:endParaRPr>
+          </a:p>
+        </p:txBody>
+      </p:sp>
+      <p:sp>
+        <p:nvSpPr>
+          <p:cNvPr id="37" name="PlaceHolder 3"/>
           <p:cNvSpPr>
             <a:spLocks noGrp="1"/>
           </p:cNvSpPr>
@@ -676,18 +648,15 @@
             <a:normAutofit/>
           </a:bodyPr>
           <a:p>
-            <a:endParaRPr b="0" lang="fr-FR" sz="1400" spc="-1" strike="noStrike">
-              <a:solidFill>
-                <a:srgbClr val="000000"/>
-              </a:solidFill>
-              <a:latin typeface="Arial"/>
-            </a:endParaRPr>
-          </a:p>
-        </p:txBody>
-      </p:sp>
-      <p:sp>
-        <p:nvSpPr>
-          <p:cNvPr id="39" name="PlaceHolder 4"/>
+            <a:endParaRPr b="0" lang="fr-FR" sz="3200" spc="-1" strike="noStrike">
+              <a:latin typeface="Arial"/>
+            </a:endParaRPr>
+          </a:p>
+        </p:txBody>
+      </p:sp>
+      <p:sp>
+        <p:nvSpPr>
+          <p:cNvPr id="38" name="PlaceHolder 4"/>
           <p:cNvSpPr>
             <a:spLocks noGrp="1"/>
           </p:cNvSpPr>
@@ -709,18 +678,15 @@
             <a:normAutofit/>
           </a:bodyPr>
           <a:p>
-            <a:endParaRPr b="0" lang="fr-FR" sz="1400" spc="-1" strike="noStrike">
-              <a:solidFill>
-                <a:srgbClr val="000000"/>
-              </a:solidFill>
-              <a:latin typeface="Arial"/>
-            </a:endParaRPr>
-          </a:p>
-        </p:txBody>
-      </p:sp>
-      <p:sp>
-        <p:nvSpPr>
-          <p:cNvPr id="40" name="PlaceHolder 5"/>
+            <a:endParaRPr b="0" lang="fr-FR" sz="3200" spc="-1" strike="noStrike">
+              <a:latin typeface="Arial"/>
+            </a:endParaRPr>
+          </a:p>
+        </p:txBody>
+      </p:sp>
+      <p:sp>
+        <p:nvSpPr>
+          <p:cNvPr id="39" name="PlaceHolder 5"/>
           <p:cNvSpPr>
             <a:spLocks noGrp="1"/>
           </p:cNvSpPr>
@@ -742,18 +708,15 @@
             <a:normAutofit/>
           </a:bodyPr>
           <a:p>
-            <a:endParaRPr b="0" lang="fr-FR" sz="1400" spc="-1" strike="noStrike">
-              <a:solidFill>
-                <a:srgbClr val="000000"/>
-              </a:solidFill>
-              <a:latin typeface="Arial"/>
-            </a:endParaRPr>
-          </a:p>
-        </p:txBody>
-      </p:sp>
-      <p:sp>
-        <p:nvSpPr>
-          <p:cNvPr id="41" name="PlaceHolder 6"/>
+            <a:endParaRPr b="0" lang="fr-FR" sz="3200" spc="-1" strike="noStrike">
+              <a:latin typeface="Arial"/>
+            </a:endParaRPr>
+          </a:p>
+        </p:txBody>
+      </p:sp>
+      <p:sp>
+        <p:nvSpPr>
+          <p:cNvPr id="40" name="PlaceHolder 6"/>
           <p:cNvSpPr>
             <a:spLocks noGrp="1"/>
           </p:cNvSpPr>
@@ -775,18 +738,15 @@
             <a:normAutofit/>
           </a:bodyPr>
           <a:p>
-            <a:endParaRPr b="0" lang="fr-FR" sz="1400" spc="-1" strike="noStrike">
-              <a:solidFill>
-                <a:srgbClr val="000000"/>
-              </a:solidFill>
-              <a:latin typeface="Arial"/>
-            </a:endParaRPr>
-          </a:p>
-        </p:txBody>
-      </p:sp>
-      <p:sp>
-        <p:nvSpPr>
-          <p:cNvPr id="42" name="PlaceHolder 7"/>
+            <a:endParaRPr b="0" lang="fr-FR" sz="3200" spc="-1" strike="noStrike">
+              <a:latin typeface="Arial"/>
+            </a:endParaRPr>
+          </a:p>
+        </p:txBody>
+      </p:sp>
+      <p:sp>
+        <p:nvSpPr>
+          <p:cNvPr id="41" name="PlaceHolder 7"/>
           <p:cNvSpPr>
             <a:spLocks noGrp="1"/>
           </p:cNvSpPr>
@@ -808,10 +768,7 @@
             <a:normAutofit/>
           </a:bodyPr>
           <a:p>
-            <a:endParaRPr b="0" lang="fr-FR" sz="1400" spc="-1" strike="noStrike">
-              <a:solidFill>
-                <a:srgbClr val="000000"/>
-              </a:solidFill>
+            <a:endParaRPr b="0" lang="fr-FR" sz="3200" spc="-1" strike="noStrike">
               <a:latin typeface="Arial"/>
             </a:endParaRPr>
           </a:p>
@@ -863,7 +820,7 @@
       </p:grpSpPr>
       <p:sp>
         <p:nvSpPr>
-          <p:cNvPr id="50" name="PlaceHolder 1"/>
+          <p:cNvPr id="48" name="PlaceHolder 1"/>
           <p:cNvSpPr>
             <a:spLocks noGrp="1"/>
           </p:cNvSpPr>
@@ -873,8 +830,8 @@
         </p:nvSpPr>
         <p:spPr>
           <a:xfrm>
-            <a:off x="729360" y="1318680"/>
-            <a:ext cx="7688520" cy="534960"/>
+            <a:off x="729360" y="1273320"/>
+            <a:ext cx="7688160" cy="625320"/>
           </a:xfrm>
           <a:prstGeom prst="rect">
             <a:avLst/>
@@ -883,18 +840,16 @@
         <p:txBody>
           <a:bodyPr lIns="0" rIns="0" tIns="0" bIns="0" anchor="ctr"/>
           <a:p>
-            <a:endParaRPr b="0" lang="fr-FR" sz="1400" spc="-1" strike="noStrike">
-              <a:solidFill>
-                <a:srgbClr val="000000"/>
-              </a:solidFill>
-              <a:latin typeface="Arial"/>
-            </a:endParaRPr>
-          </a:p>
-        </p:txBody>
-      </p:sp>
-      <p:sp>
-        <p:nvSpPr>
-          <p:cNvPr id="51" name="PlaceHolder 2"/>
+            <a:pPr algn="ctr"/>
+            <a:endParaRPr b="0" lang="fr-FR" sz="4400" spc="-1" strike="noStrike">
+              <a:latin typeface="Arial"/>
+            </a:endParaRPr>
+          </a:p>
+        </p:txBody>
+      </p:sp>
+      <p:sp>
+        <p:nvSpPr>
+          <p:cNvPr id="49" name="PlaceHolder 2"/>
           <p:cNvSpPr>
             <a:spLocks noGrp="1"/>
           </p:cNvSpPr>
@@ -905,7 +860,7 @@
         <p:spPr>
           <a:xfrm>
             <a:off x="729360" y="2079000"/>
-            <a:ext cx="7688520" cy="2260800"/>
+            <a:ext cx="7688160" cy="2260440"/>
           </a:xfrm>
           <a:prstGeom prst="rect">
             <a:avLst/>
@@ -945,7 +900,7 @@
       </p:grpSpPr>
       <p:sp>
         <p:nvSpPr>
-          <p:cNvPr id="52" name="PlaceHolder 1"/>
+          <p:cNvPr id="50" name="PlaceHolder 1"/>
           <p:cNvSpPr>
             <a:spLocks noGrp="1"/>
           </p:cNvSpPr>
@@ -955,8 +910,8 @@
         </p:nvSpPr>
         <p:spPr>
           <a:xfrm>
-            <a:off x="729360" y="1318680"/>
-            <a:ext cx="7688520" cy="534960"/>
+            <a:off x="729360" y="1273320"/>
+            <a:ext cx="7688160" cy="625320"/>
           </a:xfrm>
           <a:prstGeom prst="rect">
             <a:avLst/>
@@ -965,18 +920,16 @@
         <p:txBody>
           <a:bodyPr lIns="0" rIns="0" tIns="0" bIns="0" anchor="ctr"/>
           <a:p>
-            <a:endParaRPr b="0" lang="fr-FR" sz="1400" spc="-1" strike="noStrike">
-              <a:solidFill>
-                <a:srgbClr val="000000"/>
-              </a:solidFill>
-              <a:latin typeface="Arial"/>
-            </a:endParaRPr>
-          </a:p>
-        </p:txBody>
-      </p:sp>
-      <p:sp>
-        <p:nvSpPr>
-          <p:cNvPr id="53" name="PlaceHolder 2"/>
+            <a:pPr algn="ctr"/>
+            <a:endParaRPr b="0" lang="fr-FR" sz="4400" spc="-1" strike="noStrike">
+              <a:latin typeface="Arial"/>
+            </a:endParaRPr>
+          </a:p>
+        </p:txBody>
+      </p:sp>
+      <p:sp>
+        <p:nvSpPr>
+          <p:cNvPr id="51" name="PlaceHolder 2"/>
           <p:cNvSpPr>
             <a:spLocks noGrp="1"/>
           </p:cNvSpPr>
@@ -987,7 +940,7 @@
         <p:spPr>
           <a:xfrm>
             <a:off x="729360" y="2079000"/>
-            <a:ext cx="7688520" cy="2260800"/>
+            <a:ext cx="7688160" cy="2260440"/>
           </a:xfrm>
           <a:prstGeom prst="rect">
             <a:avLst/>
@@ -998,10 +951,7 @@
             <a:normAutofit/>
           </a:bodyPr>
           <a:p>
-            <a:endParaRPr b="0" lang="fr-FR" sz="1400" spc="-1" strike="noStrike">
-              <a:solidFill>
-                <a:srgbClr val="000000"/>
-              </a:solidFill>
+            <a:endParaRPr b="0" lang="fr-FR" sz="3200" spc="-1" strike="noStrike">
               <a:latin typeface="Arial"/>
             </a:endParaRPr>
           </a:p>
@@ -1031,7 +981,7 @@
       </p:grpSpPr>
       <p:sp>
         <p:nvSpPr>
-          <p:cNvPr id="54" name="PlaceHolder 1"/>
+          <p:cNvPr id="52" name="PlaceHolder 1"/>
           <p:cNvSpPr>
             <a:spLocks noGrp="1"/>
           </p:cNvSpPr>
@@ -1041,8 +991,8 @@
         </p:nvSpPr>
         <p:spPr>
           <a:xfrm>
-            <a:off x="729360" y="1318680"/>
-            <a:ext cx="7688520" cy="534960"/>
+            <a:off x="729360" y="1273320"/>
+            <a:ext cx="7688160" cy="625320"/>
           </a:xfrm>
           <a:prstGeom prst="rect">
             <a:avLst/>
@@ -1051,18 +1001,16 @@
         <p:txBody>
           <a:bodyPr lIns="0" rIns="0" tIns="0" bIns="0" anchor="ctr"/>
           <a:p>
-            <a:endParaRPr b="0" lang="fr-FR" sz="1400" spc="-1" strike="noStrike">
-              <a:solidFill>
-                <a:srgbClr val="000000"/>
-              </a:solidFill>
-              <a:latin typeface="Arial"/>
-            </a:endParaRPr>
-          </a:p>
-        </p:txBody>
-      </p:sp>
-      <p:sp>
-        <p:nvSpPr>
-          <p:cNvPr id="55" name="PlaceHolder 2"/>
+            <a:pPr algn="ctr"/>
+            <a:endParaRPr b="0" lang="fr-FR" sz="4400" spc="-1" strike="noStrike">
+              <a:latin typeface="Arial"/>
+            </a:endParaRPr>
+          </a:p>
+        </p:txBody>
+      </p:sp>
+      <p:sp>
+        <p:nvSpPr>
+          <p:cNvPr id="53" name="PlaceHolder 2"/>
           <p:cNvSpPr>
             <a:spLocks noGrp="1"/>
           </p:cNvSpPr>
@@ -1073,7 +1021,7 @@
         <p:spPr>
           <a:xfrm>
             <a:off x="729360" y="2079000"/>
-            <a:ext cx="3751920" cy="2260800"/>
+            <a:ext cx="3751560" cy="2260440"/>
           </a:xfrm>
           <a:prstGeom prst="rect">
             <a:avLst/>
@@ -1084,18 +1032,15 @@
             <a:normAutofit/>
           </a:bodyPr>
           <a:p>
-            <a:endParaRPr b="0" lang="fr-FR" sz="1400" spc="-1" strike="noStrike">
-              <a:solidFill>
-                <a:srgbClr val="000000"/>
-              </a:solidFill>
-              <a:latin typeface="Arial"/>
-            </a:endParaRPr>
-          </a:p>
-        </p:txBody>
-      </p:sp>
-      <p:sp>
-        <p:nvSpPr>
-          <p:cNvPr id="56" name="PlaceHolder 3"/>
+            <a:endParaRPr b="0" lang="fr-FR" sz="3200" spc="-1" strike="noStrike">
+              <a:latin typeface="Arial"/>
+            </a:endParaRPr>
+          </a:p>
+        </p:txBody>
+      </p:sp>
+      <p:sp>
+        <p:nvSpPr>
+          <p:cNvPr id="54" name="PlaceHolder 3"/>
           <p:cNvSpPr>
             <a:spLocks noGrp="1"/>
           </p:cNvSpPr>
@@ -1105,8 +1050,8 @@
         </p:nvSpPr>
         <p:spPr>
           <a:xfrm>
-            <a:off x="4669200" y="2079000"/>
-            <a:ext cx="3751920" cy="2260800"/>
+            <a:off x="4668840" y="2079000"/>
+            <a:ext cx="3751560" cy="2260440"/>
           </a:xfrm>
           <a:prstGeom prst="rect">
             <a:avLst/>
@@ -1117,10 +1062,7 @@
             <a:normAutofit/>
           </a:bodyPr>
           <a:p>
-            <a:endParaRPr b="0" lang="fr-FR" sz="1400" spc="-1" strike="noStrike">
-              <a:solidFill>
-                <a:srgbClr val="000000"/>
-              </a:solidFill>
+            <a:endParaRPr b="0" lang="fr-FR" sz="3200" spc="-1" strike="noStrike">
               <a:latin typeface="Arial"/>
             </a:endParaRPr>
           </a:p>
@@ -1150,7 +1092,7 @@
       </p:grpSpPr>
       <p:sp>
         <p:nvSpPr>
-          <p:cNvPr id="57" name="PlaceHolder 1"/>
+          <p:cNvPr id="55" name="PlaceHolder 1"/>
           <p:cNvSpPr>
             <a:spLocks noGrp="1"/>
           </p:cNvSpPr>
@@ -1160,8 +1102,8 @@
         </p:nvSpPr>
         <p:spPr>
           <a:xfrm>
-            <a:off x="729360" y="1318680"/>
-            <a:ext cx="7688520" cy="534960"/>
+            <a:off x="729360" y="1273320"/>
+            <a:ext cx="7688160" cy="625320"/>
           </a:xfrm>
           <a:prstGeom prst="rect">
             <a:avLst/>
@@ -1170,10 +1112,8 @@
         <p:txBody>
           <a:bodyPr lIns="0" rIns="0" tIns="0" bIns="0" anchor="ctr"/>
           <a:p>
-            <a:endParaRPr b="0" lang="fr-FR" sz="1400" spc="-1" strike="noStrike">
-              <a:solidFill>
-                <a:srgbClr val="000000"/>
-              </a:solidFill>
+            <a:pPr algn="ctr"/>
+            <a:endParaRPr b="0" lang="fr-FR" sz="4400" spc="-1" strike="noStrike">
               <a:latin typeface="Arial"/>
             </a:endParaRPr>
           </a:p>
@@ -1203,7 +1143,7 @@
       </p:grpSpPr>
       <p:sp>
         <p:nvSpPr>
-          <p:cNvPr id="58" name="PlaceHolder 1"/>
+          <p:cNvPr id="56" name="PlaceHolder 1"/>
           <p:cNvSpPr>
             <a:spLocks noGrp="1"/>
           </p:cNvSpPr>
@@ -1214,7 +1154,7 @@
         <p:spPr>
           <a:xfrm>
             <a:off x="729360" y="1318680"/>
-            <a:ext cx="7688520" cy="2481120"/>
+            <a:ext cx="7688160" cy="2479320"/>
           </a:xfrm>
           <a:prstGeom prst="rect">
             <a:avLst/>
@@ -1254,7 +1194,7 @@
       </p:grpSpPr>
       <p:sp>
         <p:nvSpPr>
-          <p:cNvPr id="59" name="PlaceHolder 1"/>
+          <p:cNvPr id="57" name="PlaceHolder 1"/>
           <p:cNvSpPr>
             <a:spLocks noGrp="1"/>
           </p:cNvSpPr>
@@ -1264,8 +1204,8 @@
         </p:nvSpPr>
         <p:spPr>
           <a:xfrm>
-            <a:off x="729360" y="1318680"/>
-            <a:ext cx="7688520" cy="534960"/>
+            <a:off x="729360" y="1273320"/>
+            <a:ext cx="7688160" cy="625320"/>
           </a:xfrm>
           <a:prstGeom prst="rect">
             <a:avLst/>
@@ -1274,18 +1214,16 @@
         <p:txBody>
           <a:bodyPr lIns="0" rIns="0" tIns="0" bIns="0" anchor="ctr"/>
           <a:p>
-            <a:endParaRPr b="0" lang="fr-FR" sz="1400" spc="-1" strike="noStrike">
-              <a:solidFill>
-                <a:srgbClr val="000000"/>
-              </a:solidFill>
-              <a:latin typeface="Arial"/>
-            </a:endParaRPr>
-          </a:p>
-        </p:txBody>
-      </p:sp>
-      <p:sp>
-        <p:nvSpPr>
-          <p:cNvPr id="60" name="PlaceHolder 2"/>
+            <a:pPr algn="ctr"/>
+            <a:endParaRPr b="0" lang="fr-FR" sz="4400" spc="-1" strike="noStrike">
+              <a:latin typeface="Arial"/>
+            </a:endParaRPr>
+          </a:p>
+        </p:txBody>
+      </p:sp>
+      <p:sp>
+        <p:nvSpPr>
+          <p:cNvPr id="58" name="PlaceHolder 2"/>
           <p:cNvSpPr>
             <a:spLocks noGrp="1"/>
           </p:cNvSpPr>
@@ -1296,7 +1234,7 @@
         <p:spPr>
           <a:xfrm>
             <a:off x="729360" y="2079000"/>
-            <a:ext cx="3751920" cy="1078200"/>
+            <a:ext cx="3751560" cy="1078200"/>
           </a:xfrm>
           <a:prstGeom prst="rect">
             <a:avLst/>
@@ -1307,18 +1245,15 @@
             <a:normAutofit/>
           </a:bodyPr>
           <a:p>
-            <a:endParaRPr b="0" lang="fr-FR" sz="1400" spc="-1" strike="noStrike">
-              <a:solidFill>
-                <a:srgbClr val="000000"/>
-              </a:solidFill>
-              <a:latin typeface="Arial"/>
-            </a:endParaRPr>
-          </a:p>
-        </p:txBody>
-      </p:sp>
-      <p:sp>
-        <p:nvSpPr>
-          <p:cNvPr id="61" name="PlaceHolder 3"/>
+            <a:endParaRPr b="0" lang="fr-FR" sz="3200" spc="-1" strike="noStrike">
+              <a:latin typeface="Arial"/>
+            </a:endParaRPr>
+          </a:p>
+        </p:txBody>
+      </p:sp>
+      <p:sp>
+        <p:nvSpPr>
+          <p:cNvPr id="59" name="PlaceHolder 3"/>
           <p:cNvSpPr>
             <a:spLocks noGrp="1"/>
           </p:cNvSpPr>
@@ -1328,8 +1263,8 @@
         </p:nvSpPr>
         <p:spPr>
           <a:xfrm>
-            <a:off x="4669200" y="2079000"/>
-            <a:ext cx="3751920" cy="2260800"/>
+            <a:off x="4668840" y="2079000"/>
+            <a:ext cx="3751560" cy="2260440"/>
           </a:xfrm>
           <a:prstGeom prst="rect">
             <a:avLst/>
@@ -1340,18 +1275,15 @@
             <a:normAutofit/>
           </a:bodyPr>
           <a:p>
-            <a:endParaRPr b="0" lang="fr-FR" sz="1400" spc="-1" strike="noStrike">
-              <a:solidFill>
-                <a:srgbClr val="000000"/>
-              </a:solidFill>
-              <a:latin typeface="Arial"/>
-            </a:endParaRPr>
-          </a:p>
-        </p:txBody>
-      </p:sp>
-      <p:sp>
-        <p:nvSpPr>
-          <p:cNvPr id="62" name="PlaceHolder 4"/>
+            <a:endParaRPr b="0" lang="fr-FR" sz="3200" spc="-1" strike="noStrike">
+              <a:latin typeface="Arial"/>
+            </a:endParaRPr>
+          </a:p>
+        </p:txBody>
+      </p:sp>
+      <p:sp>
+        <p:nvSpPr>
+          <p:cNvPr id="60" name="PlaceHolder 4"/>
           <p:cNvSpPr>
             <a:spLocks noGrp="1"/>
           </p:cNvSpPr>
@@ -1362,7 +1294,7 @@
         <p:spPr>
           <a:xfrm>
             <a:off x="729360" y="3260160"/>
-            <a:ext cx="3751920" cy="1078200"/>
+            <a:ext cx="3751560" cy="1078200"/>
           </a:xfrm>
           <a:prstGeom prst="rect">
             <a:avLst/>
@@ -1373,10 +1305,7 @@
             <a:normAutofit/>
           </a:bodyPr>
           <a:p>
-            <a:endParaRPr b="0" lang="fr-FR" sz="1400" spc="-1" strike="noStrike">
-              <a:solidFill>
-                <a:srgbClr val="000000"/>
-              </a:solidFill>
+            <a:endParaRPr b="0" lang="fr-FR" sz="3200" spc="-1" strike="noStrike">
               <a:latin typeface="Arial"/>
             </a:endParaRPr>
           </a:p>
@@ -1406,7 +1335,7 @@
       </p:grpSpPr>
       <p:sp>
         <p:nvSpPr>
-          <p:cNvPr id="7" name="PlaceHolder 1"/>
+          <p:cNvPr id="6" name="PlaceHolder 1"/>
           <p:cNvSpPr>
             <a:spLocks noGrp="1"/>
           </p:cNvSpPr>
@@ -1416,8 +1345,8 @@
         </p:nvSpPr>
         <p:spPr>
           <a:xfrm>
-            <a:off x="729360" y="1318680"/>
-            <a:ext cx="7688520" cy="534960"/>
+            <a:off x="729360" y="1273320"/>
+            <a:ext cx="7688160" cy="625320"/>
           </a:xfrm>
           <a:prstGeom prst="rect">
             <a:avLst/>
@@ -1426,18 +1355,16 @@
         <p:txBody>
           <a:bodyPr lIns="0" rIns="0" tIns="0" bIns="0" anchor="ctr"/>
           <a:p>
-            <a:endParaRPr b="0" lang="fr-FR" sz="1400" spc="-1" strike="noStrike">
-              <a:solidFill>
-                <a:srgbClr val="000000"/>
-              </a:solidFill>
-              <a:latin typeface="Arial"/>
-            </a:endParaRPr>
-          </a:p>
-        </p:txBody>
-      </p:sp>
-      <p:sp>
-        <p:nvSpPr>
-          <p:cNvPr id="8" name="PlaceHolder 2"/>
+            <a:pPr algn="ctr"/>
+            <a:endParaRPr b="0" lang="fr-FR" sz="4400" spc="-1" strike="noStrike">
+              <a:latin typeface="Arial"/>
+            </a:endParaRPr>
+          </a:p>
+        </p:txBody>
+      </p:sp>
+      <p:sp>
+        <p:nvSpPr>
+          <p:cNvPr id="7" name="PlaceHolder 2"/>
           <p:cNvSpPr>
             <a:spLocks noGrp="1"/>
           </p:cNvSpPr>
@@ -1448,7 +1375,7 @@
         <p:spPr>
           <a:xfrm>
             <a:off x="729360" y="2079000"/>
-            <a:ext cx="7688520" cy="2260800"/>
+            <a:ext cx="7688160" cy="2260440"/>
           </a:xfrm>
           <a:prstGeom prst="rect">
             <a:avLst/>
@@ -1488,7 +1415,7 @@
       </p:grpSpPr>
       <p:sp>
         <p:nvSpPr>
-          <p:cNvPr id="63" name="PlaceHolder 1"/>
+          <p:cNvPr id="61" name="PlaceHolder 1"/>
           <p:cNvSpPr>
             <a:spLocks noGrp="1"/>
           </p:cNvSpPr>
@@ -1498,8 +1425,8 @@
         </p:nvSpPr>
         <p:spPr>
           <a:xfrm>
-            <a:off x="729360" y="1318680"/>
-            <a:ext cx="7688520" cy="534960"/>
+            <a:off x="729360" y="1273320"/>
+            <a:ext cx="7688160" cy="625320"/>
           </a:xfrm>
           <a:prstGeom prst="rect">
             <a:avLst/>
@@ -1508,18 +1435,16 @@
         <p:txBody>
           <a:bodyPr lIns="0" rIns="0" tIns="0" bIns="0" anchor="ctr"/>
           <a:p>
-            <a:endParaRPr b="0" lang="fr-FR" sz="1400" spc="-1" strike="noStrike">
-              <a:solidFill>
-                <a:srgbClr val="000000"/>
-              </a:solidFill>
-              <a:latin typeface="Arial"/>
-            </a:endParaRPr>
-          </a:p>
-        </p:txBody>
-      </p:sp>
-      <p:sp>
-        <p:nvSpPr>
-          <p:cNvPr id="64" name="PlaceHolder 2"/>
+            <a:pPr algn="ctr"/>
+            <a:endParaRPr b="0" lang="fr-FR" sz="4400" spc="-1" strike="noStrike">
+              <a:latin typeface="Arial"/>
+            </a:endParaRPr>
+          </a:p>
+        </p:txBody>
+      </p:sp>
+      <p:sp>
+        <p:nvSpPr>
+          <p:cNvPr id="62" name="PlaceHolder 2"/>
           <p:cNvSpPr>
             <a:spLocks noGrp="1"/>
           </p:cNvSpPr>
@@ -1530,7 +1455,7 @@
         <p:spPr>
           <a:xfrm>
             <a:off x="729360" y="2079000"/>
-            <a:ext cx="3751920" cy="2260800"/>
+            <a:ext cx="3751560" cy="2260440"/>
           </a:xfrm>
           <a:prstGeom prst="rect">
             <a:avLst/>
@@ -1541,18 +1466,15 @@
             <a:normAutofit/>
           </a:bodyPr>
           <a:p>
-            <a:endParaRPr b="0" lang="fr-FR" sz="1400" spc="-1" strike="noStrike">
-              <a:solidFill>
-                <a:srgbClr val="000000"/>
-              </a:solidFill>
-              <a:latin typeface="Arial"/>
-            </a:endParaRPr>
-          </a:p>
-        </p:txBody>
-      </p:sp>
-      <p:sp>
-        <p:nvSpPr>
-          <p:cNvPr id="65" name="PlaceHolder 3"/>
+            <a:endParaRPr b="0" lang="fr-FR" sz="3200" spc="-1" strike="noStrike">
+              <a:latin typeface="Arial"/>
+            </a:endParaRPr>
+          </a:p>
+        </p:txBody>
+      </p:sp>
+      <p:sp>
+        <p:nvSpPr>
+          <p:cNvPr id="63" name="PlaceHolder 3"/>
           <p:cNvSpPr>
             <a:spLocks noGrp="1"/>
           </p:cNvSpPr>
@@ -1562,8 +1484,8 @@
         </p:nvSpPr>
         <p:spPr>
           <a:xfrm>
-            <a:off x="4669200" y="2079000"/>
-            <a:ext cx="3751920" cy="1078200"/>
+            <a:off x="4668840" y="2079000"/>
+            <a:ext cx="3751560" cy="1078200"/>
           </a:xfrm>
           <a:prstGeom prst="rect">
             <a:avLst/>
@@ -1574,18 +1496,15 @@
             <a:normAutofit/>
           </a:bodyPr>
           <a:p>
-            <a:endParaRPr b="0" lang="fr-FR" sz="1400" spc="-1" strike="noStrike">
-              <a:solidFill>
-                <a:srgbClr val="000000"/>
-              </a:solidFill>
-              <a:latin typeface="Arial"/>
-            </a:endParaRPr>
-          </a:p>
-        </p:txBody>
-      </p:sp>
-      <p:sp>
-        <p:nvSpPr>
-          <p:cNvPr id="66" name="PlaceHolder 4"/>
+            <a:endParaRPr b="0" lang="fr-FR" sz="3200" spc="-1" strike="noStrike">
+              <a:latin typeface="Arial"/>
+            </a:endParaRPr>
+          </a:p>
+        </p:txBody>
+      </p:sp>
+      <p:sp>
+        <p:nvSpPr>
+          <p:cNvPr id="64" name="PlaceHolder 4"/>
           <p:cNvSpPr>
             <a:spLocks noGrp="1"/>
           </p:cNvSpPr>
@@ -1595,8 +1514,8 @@
         </p:nvSpPr>
         <p:spPr>
           <a:xfrm>
-            <a:off x="4669200" y="3260160"/>
-            <a:ext cx="3751920" cy="1078200"/>
+            <a:off x="4668840" y="3260160"/>
+            <a:ext cx="3751560" cy="1078200"/>
           </a:xfrm>
           <a:prstGeom prst="rect">
             <a:avLst/>
@@ -1607,10 +1526,7 @@
             <a:normAutofit/>
           </a:bodyPr>
           <a:p>
-            <a:endParaRPr b="0" lang="fr-FR" sz="1400" spc="-1" strike="noStrike">
-              <a:solidFill>
-                <a:srgbClr val="000000"/>
-              </a:solidFill>
+            <a:endParaRPr b="0" lang="fr-FR" sz="3200" spc="-1" strike="noStrike">
               <a:latin typeface="Arial"/>
             </a:endParaRPr>
           </a:p>
@@ -1640,7 +1556,7 @@
       </p:grpSpPr>
       <p:sp>
         <p:nvSpPr>
-          <p:cNvPr id="67" name="PlaceHolder 1"/>
+          <p:cNvPr id="65" name="PlaceHolder 1"/>
           <p:cNvSpPr>
             <a:spLocks noGrp="1"/>
           </p:cNvSpPr>
@@ -1650,8 +1566,8 @@
         </p:nvSpPr>
         <p:spPr>
           <a:xfrm>
-            <a:off x="729360" y="1318680"/>
-            <a:ext cx="7688520" cy="534960"/>
+            <a:off x="729360" y="1273320"/>
+            <a:ext cx="7688160" cy="625320"/>
           </a:xfrm>
           <a:prstGeom prst="rect">
             <a:avLst/>
@@ -1660,18 +1576,16 @@
         <p:txBody>
           <a:bodyPr lIns="0" rIns="0" tIns="0" bIns="0" anchor="ctr"/>
           <a:p>
-            <a:endParaRPr b="0" lang="fr-FR" sz="1400" spc="-1" strike="noStrike">
-              <a:solidFill>
-                <a:srgbClr val="000000"/>
-              </a:solidFill>
-              <a:latin typeface="Arial"/>
-            </a:endParaRPr>
-          </a:p>
-        </p:txBody>
-      </p:sp>
-      <p:sp>
-        <p:nvSpPr>
-          <p:cNvPr id="68" name="PlaceHolder 2"/>
+            <a:pPr algn="ctr"/>
+            <a:endParaRPr b="0" lang="fr-FR" sz="4400" spc="-1" strike="noStrike">
+              <a:latin typeface="Arial"/>
+            </a:endParaRPr>
+          </a:p>
+        </p:txBody>
+      </p:sp>
+      <p:sp>
+        <p:nvSpPr>
+          <p:cNvPr id="66" name="PlaceHolder 2"/>
           <p:cNvSpPr>
             <a:spLocks noGrp="1"/>
           </p:cNvSpPr>
@@ -1682,7 +1596,7 @@
         <p:spPr>
           <a:xfrm>
             <a:off x="729360" y="2079000"/>
-            <a:ext cx="3751920" cy="1078200"/>
+            <a:ext cx="3751560" cy="1078200"/>
           </a:xfrm>
           <a:prstGeom prst="rect">
             <a:avLst/>
@@ -1693,18 +1607,15 @@
             <a:normAutofit/>
           </a:bodyPr>
           <a:p>
-            <a:endParaRPr b="0" lang="fr-FR" sz="1400" spc="-1" strike="noStrike">
-              <a:solidFill>
-                <a:srgbClr val="000000"/>
-              </a:solidFill>
-              <a:latin typeface="Arial"/>
-            </a:endParaRPr>
-          </a:p>
-        </p:txBody>
-      </p:sp>
-      <p:sp>
-        <p:nvSpPr>
-          <p:cNvPr id="69" name="PlaceHolder 3"/>
+            <a:endParaRPr b="0" lang="fr-FR" sz="3200" spc="-1" strike="noStrike">
+              <a:latin typeface="Arial"/>
+            </a:endParaRPr>
+          </a:p>
+        </p:txBody>
+      </p:sp>
+      <p:sp>
+        <p:nvSpPr>
+          <p:cNvPr id="67" name="PlaceHolder 3"/>
           <p:cNvSpPr>
             <a:spLocks noGrp="1"/>
           </p:cNvSpPr>
@@ -1714,8 +1625,8 @@
         </p:nvSpPr>
         <p:spPr>
           <a:xfrm>
-            <a:off x="4669200" y="2079000"/>
-            <a:ext cx="3751920" cy="1078200"/>
+            <a:off x="4668840" y="2079000"/>
+            <a:ext cx="3751560" cy="1078200"/>
           </a:xfrm>
           <a:prstGeom prst="rect">
             <a:avLst/>
@@ -1726,18 +1637,15 @@
             <a:normAutofit/>
           </a:bodyPr>
           <a:p>
-            <a:endParaRPr b="0" lang="fr-FR" sz="1400" spc="-1" strike="noStrike">
-              <a:solidFill>
-                <a:srgbClr val="000000"/>
-              </a:solidFill>
-              <a:latin typeface="Arial"/>
-            </a:endParaRPr>
-          </a:p>
-        </p:txBody>
-      </p:sp>
-      <p:sp>
-        <p:nvSpPr>
-          <p:cNvPr id="70" name="PlaceHolder 4"/>
+            <a:endParaRPr b="0" lang="fr-FR" sz="3200" spc="-1" strike="noStrike">
+              <a:latin typeface="Arial"/>
+            </a:endParaRPr>
+          </a:p>
+        </p:txBody>
+      </p:sp>
+      <p:sp>
+        <p:nvSpPr>
+          <p:cNvPr id="68" name="PlaceHolder 4"/>
           <p:cNvSpPr>
             <a:spLocks noGrp="1"/>
           </p:cNvSpPr>
@@ -1748,7 +1656,7 @@
         <p:spPr>
           <a:xfrm>
             <a:off x="729360" y="3260160"/>
-            <a:ext cx="7688520" cy="1078200"/>
+            <a:ext cx="7688160" cy="1078200"/>
           </a:xfrm>
           <a:prstGeom prst="rect">
             <a:avLst/>
@@ -1759,10 +1667,7 @@
             <a:normAutofit/>
           </a:bodyPr>
           <a:p>
-            <a:endParaRPr b="0" lang="fr-FR" sz="1400" spc="-1" strike="noStrike">
-              <a:solidFill>
-                <a:srgbClr val="000000"/>
-              </a:solidFill>
+            <a:endParaRPr b="0" lang="fr-FR" sz="3200" spc="-1" strike="noStrike">
               <a:latin typeface="Arial"/>
             </a:endParaRPr>
           </a:p>
@@ -1792,7 +1697,7 @@
       </p:grpSpPr>
       <p:sp>
         <p:nvSpPr>
-          <p:cNvPr id="71" name="PlaceHolder 1"/>
+          <p:cNvPr id="69" name="PlaceHolder 1"/>
           <p:cNvSpPr>
             <a:spLocks noGrp="1"/>
           </p:cNvSpPr>
@@ -1802,8 +1707,8 @@
         </p:nvSpPr>
         <p:spPr>
           <a:xfrm>
-            <a:off x="729360" y="1318680"/>
-            <a:ext cx="7688520" cy="534960"/>
+            <a:off x="729360" y="1273320"/>
+            <a:ext cx="7688160" cy="625320"/>
           </a:xfrm>
           <a:prstGeom prst="rect">
             <a:avLst/>
@@ -1812,18 +1717,16 @@
         <p:txBody>
           <a:bodyPr lIns="0" rIns="0" tIns="0" bIns="0" anchor="ctr"/>
           <a:p>
-            <a:endParaRPr b="0" lang="fr-FR" sz="1400" spc="-1" strike="noStrike">
-              <a:solidFill>
-                <a:srgbClr val="000000"/>
-              </a:solidFill>
-              <a:latin typeface="Arial"/>
-            </a:endParaRPr>
-          </a:p>
-        </p:txBody>
-      </p:sp>
-      <p:sp>
-        <p:nvSpPr>
-          <p:cNvPr id="72" name="PlaceHolder 2"/>
+            <a:pPr algn="ctr"/>
+            <a:endParaRPr b="0" lang="fr-FR" sz="4400" spc="-1" strike="noStrike">
+              <a:latin typeface="Arial"/>
+            </a:endParaRPr>
+          </a:p>
+        </p:txBody>
+      </p:sp>
+      <p:sp>
+        <p:nvSpPr>
+          <p:cNvPr id="70" name="PlaceHolder 2"/>
           <p:cNvSpPr>
             <a:spLocks noGrp="1"/>
           </p:cNvSpPr>
@@ -1834,7 +1737,7 @@
         <p:spPr>
           <a:xfrm>
             <a:off x="729360" y="2079000"/>
-            <a:ext cx="7688520" cy="1078200"/>
+            <a:ext cx="7688160" cy="1078200"/>
           </a:xfrm>
           <a:prstGeom prst="rect">
             <a:avLst/>
@@ -1845,18 +1748,15 @@
             <a:normAutofit/>
           </a:bodyPr>
           <a:p>
-            <a:endParaRPr b="0" lang="fr-FR" sz="1400" spc="-1" strike="noStrike">
-              <a:solidFill>
-                <a:srgbClr val="000000"/>
-              </a:solidFill>
-              <a:latin typeface="Arial"/>
-            </a:endParaRPr>
-          </a:p>
-        </p:txBody>
-      </p:sp>
-      <p:sp>
-        <p:nvSpPr>
-          <p:cNvPr id="73" name="PlaceHolder 3"/>
+            <a:endParaRPr b="0" lang="fr-FR" sz="3200" spc="-1" strike="noStrike">
+              <a:latin typeface="Arial"/>
+            </a:endParaRPr>
+          </a:p>
+        </p:txBody>
+      </p:sp>
+      <p:sp>
+        <p:nvSpPr>
+          <p:cNvPr id="71" name="PlaceHolder 3"/>
           <p:cNvSpPr>
             <a:spLocks noGrp="1"/>
           </p:cNvSpPr>
@@ -1867,7 +1767,7 @@
         <p:spPr>
           <a:xfrm>
             <a:off x="729360" y="3260160"/>
-            <a:ext cx="7688520" cy="1078200"/>
+            <a:ext cx="7688160" cy="1078200"/>
           </a:xfrm>
           <a:prstGeom prst="rect">
             <a:avLst/>
@@ -1878,10 +1778,7 @@
             <a:normAutofit/>
           </a:bodyPr>
           <a:p>
-            <a:endParaRPr b="0" lang="fr-FR" sz="1400" spc="-1" strike="noStrike">
-              <a:solidFill>
-                <a:srgbClr val="000000"/>
-              </a:solidFill>
+            <a:endParaRPr b="0" lang="fr-FR" sz="3200" spc="-1" strike="noStrike">
               <a:latin typeface="Arial"/>
             </a:endParaRPr>
           </a:p>
@@ -1911,7 +1808,7 @@
       </p:grpSpPr>
       <p:sp>
         <p:nvSpPr>
-          <p:cNvPr id="74" name="PlaceHolder 1"/>
+          <p:cNvPr id="72" name="PlaceHolder 1"/>
           <p:cNvSpPr>
             <a:spLocks noGrp="1"/>
           </p:cNvSpPr>
@@ -1921,8 +1818,8 @@
         </p:nvSpPr>
         <p:spPr>
           <a:xfrm>
-            <a:off x="729360" y="1318680"/>
-            <a:ext cx="7688520" cy="534960"/>
+            <a:off x="729360" y="1273320"/>
+            <a:ext cx="7688160" cy="625320"/>
           </a:xfrm>
           <a:prstGeom prst="rect">
             <a:avLst/>
@@ -1931,18 +1828,16 @@
         <p:txBody>
           <a:bodyPr lIns="0" rIns="0" tIns="0" bIns="0" anchor="ctr"/>
           <a:p>
-            <a:endParaRPr b="0" lang="fr-FR" sz="1400" spc="-1" strike="noStrike">
-              <a:solidFill>
-                <a:srgbClr val="000000"/>
-              </a:solidFill>
-              <a:latin typeface="Arial"/>
-            </a:endParaRPr>
-          </a:p>
-        </p:txBody>
-      </p:sp>
-      <p:sp>
-        <p:nvSpPr>
-          <p:cNvPr id="75" name="PlaceHolder 2"/>
+            <a:pPr algn="ctr"/>
+            <a:endParaRPr b="0" lang="fr-FR" sz="4400" spc="-1" strike="noStrike">
+              <a:latin typeface="Arial"/>
+            </a:endParaRPr>
+          </a:p>
+        </p:txBody>
+      </p:sp>
+      <p:sp>
+        <p:nvSpPr>
+          <p:cNvPr id="73" name="PlaceHolder 2"/>
           <p:cNvSpPr>
             <a:spLocks noGrp="1"/>
           </p:cNvSpPr>
@@ -1953,7 +1848,7 @@
         <p:spPr>
           <a:xfrm>
             <a:off x="729360" y="2079000"/>
-            <a:ext cx="3751920" cy="1078200"/>
+            <a:ext cx="3751560" cy="1078200"/>
           </a:xfrm>
           <a:prstGeom prst="rect">
             <a:avLst/>
@@ -1964,18 +1859,15 @@
             <a:normAutofit/>
           </a:bodyPr>
           <a:p>
-            <a:endParaRPr b="0" lang="fr-FR" sz="1400" spc="-1" strike="noStrike">
-              <a:solidFill>
-                <a:srgbClr val="000000"/>
-              </a:solidFill>
-              <a:latin typeface="Arial"/>
-            </a:endParaRPr>
-          </a:p>
-        </p:txBody>
-      </p:sp>
-      <p:sp>
-        <p:nvSpPr>
-          <p:cNvPr id="76" name="PlaceHolder 3"/>
+            <a:endParaRPr b="0" lang="fr-FR" sz="3200" spc="-1" strike="noStrike">
+              <a:latin typeface="Arial"/>
+            </a:endParaRPr>
+          </a:p>
+        </p:txBody>
+      </p:sp>
+      <p:sp>
+        <p:nvSpPr>
+          <p:cNvPr id="74" name="PlaceHolder 3"/>
           <p:cNvSpPr>
             <a:spLocks noGrp="1"/>
           </p:cNvSpPr>
@@ -1985,8 +1877,8 @@
         </p:nvSpPr>
         <p:spPr>
           <a:xfrm>
-            <a:off x="4669200" y="2079000"/>
-            <a:ext cx="3751920" cy="1078200"/>
+            <a:off x="4668840" y="2079000"/>
+            <a:ext cx="3751560" cy="1078200"/>
           </a:xfrm>
           <a:prstGeom prst="rect">
             <a:avLst/>
@@ -1997,18 +1889,15 @@
             <a:normAutofit/>
           </a:bodyPr>
           <a:p>
-            <a:endParaRPr b="0" lang="fr-FR" sz="1400" spc="-1" strike="noStrike">
-              <a:solidFill>
-                <a:srgbClr val="000000"/>
-              </a:solidFill>
-              <a:latin typeface="Arial"/>
-            </a:endParaRPr>
-          </a:p>
-        </p:txBody>
-      </p:sp>
-      <p:sp>
-        <p:nvSpPr>
-          <p:cNvPr id="77" name="PlaceHolder 4"/>
+            <a:endParaRPr b="0" lang="fr-FR" sz="3200" spc="-1" strike="noStrike">
+              <a:latin typeface="Arial"/>
+            </a:endParaRPr>
+          </a:p>
+        </p:txBody>
+      </p:sp>
+      <p:sp>
+        <p:nvSpPr>
+          <p:cNvPr id="75" name="PlaceHolder 4"/>
           <p:cNvSpPr>
             <a:spLocks noGrp="1"/>
           </p:cNvSpPr>
@@ -2019,7 +1908,7 @@
         <p:spPr>
           <a:xfrm>
             <a:off x="729360" y="3260160"/>
-            <a:ext cx="3751920" cy="1078200"/>
+            <a:ext cx="3751560" cy="1078200"/>
           </a:xfrm>
           <a:prstGeom prst="rect">
             <a:avLst/>
@@ -2030,18 +1919,15 @@
             <a:normAutofit/>
           </a:bodyPr>
           <a:p>
-            <a:endParaRPr b="0" lang="fr-FR" sz="1400" spc="-1" strike="noStrike">
-              <a:solidFill>
-                <a:srgbClr val="000000"/>
-              </a:solidFill>
-              <a:latin typeface="Arial"/>
-            </a:endParaRPr>
-          </a:p>
-        </p:txBody>
-      </p:sp>
-      <p:sp>
-        <p:nvSpPr>
-          <p:cNvPr id="78" name="PlaceHolder 5"/>
+            <a:endParaRPr b="0" lang="fr-FR" sz="3200" spc="-1" strike="noStrike">
+              <a:latin typeface="Arial"/>
+            </a:endParaRPr>
+          </a:p>
+        </p:txBody>
+      </p:sp>
+      <p:sp>
+        <p:nvSpPr>
+          <p:cNvPr id="76" name="PlaceHolder 5"/>
           <p:cNvSpPr>
             <a:spLocks noGrp="1"/>
           </p:cNvSpPr>
@@ -2051,8 +1937,8 @@
         </p:nvSpPr>
         <p:spPr>
           <a:xfrm>
-            <a:off x="4669200" y="3260160"/>
-            <a:ext cx="3751920" cy="1078200"/>
+            <a:off x="4668840" y="3260160"/>
+            <a:ext cx="3751560" cy="1078200"/>
           </a:xfrm>
           <a:prstGeom prst="rect">
             <a:avLst/>
@@ -2063,10 +1949,7 @@
             <a:normAutofit/>
           </a:bodyPr>
           <a:p>
-            <a:endParaRPr b="0" lang="fr-FR" sz="1400" spc="-1" strike="noStrike">
-              <a:solidFill>
-                <a:srgbClr val="000000"/>
-              </a:solidFill>
+            <a:endParaRPr b="0" lang="fr-FR" sz="3200" spc="-1" strike="noStrike">
               <a:latin typeface="Arial"/>
             </a:endParaRPr>
           </a:p>
@@ -2096,7 +1979,7 @@
       </p:grpSpPr>
       <p:sp>
         <p:nvSpPr>
-          <p:cNvPr id="79" name="PlaceHolder 1"/>
+          <p:cNvPr id="77" name="PlaceHolder 1"/>
           <p:cNvSpPr>
             <a:spLocks noGrp="1"/>
           </p:cNvSpPr>
@@ -2106,8 +1989,8 @@
         </p:nvSpPr>
         <p:spPr>
           <a:xfrm>
-            <a:off x="729360" y="1318680"/>
-            <a:ext cx="7688520" cy="534960"/>
+            <a:off x="729360" y="1273320"/>
+            <a:ext cx="7688160" cy="625320"/>
           </a:xfrm>
           <a:prstGeom prst="rect">
             <a:avLst/>
@@ -2116,18 +1999,16 @@
         <p:txBody>
           <a:bodyPr lIns="0" rIns="0" tIns="0" bIns="0" anchor="ctr"/>
           <a:p>
-            <a:endParaRPr b="0" lang="fr-FR" sz="1400" spc="-1" strike="noStrike">
-              <a:solidFill>
-                <a:srgbClr val="000000"/>
-              </a:solidFill>
-              <a:latin typeface="Arial"/>
-            </a:endParaRPr>
-          </a:p>
-        </p:txBody>
-      </p:sp>
-      <p:sp>
-        <p:nvSpPr>
-          <p:cNvPr id="80" name="PlaceHolder 2"/>
+            <a:pPr algn="ctr"/>
+            <a:endParaRPr b="0" lang="fr-FR" sz="4400" spc="-1" strike="noStrike">
+              <a:latin typeface="Arial"/>
+            </a:endParaRPr>
+          </a:p>
+        </p:txBody>
+      </p:sp>
+      <p:sp>
+        <p:nvSpPr>
+          <p:cNvPr id="78" name="PlaceHolder 2"/>
           <p:cNvSpPr>
             <a:spLocks noGrp="1"/>
           </p:cNvSpPr>
@@ -2149,18 +2030,15 @@
             <a:normAutofit/>
           </a:bodyPr>
           <a:p>
-            <a:endParaRPr b="0" lang="fr-FR" sz="1400" spc="-1" strike="noStrike">
-              <a:solidFill>
-                <a:srgbClr val="000000"/>
-              </a:solidFill>
-              <a:latin typeface="Arial"/>
-            </a:endParaRPr>
-          </a:p>
-        </p:txBody>
-      </p:sp>
-      <p:sp>
-        <p:nvSpPr>
-          <p:cNvPr id="81" name="PlaceHolder 3"/>
+            <a:endParaRPr b="0" lang="fr-FR" sz="3200" spc="-1" strike="noStrike">
+              <a:latin typeface="Arial"/>
+            </a:endParaRPr>
+          </a:p>
+        </p:txBody>
+      </p:sp>
+      <p:sp>
+        <p:nvSpPr>
+          <p:cNvPr id="79" name="PlaceHolder 3"/>
           <p:cNvSpPr>
             <a:spLocks noGrp="1"/>
           </p:cNvSpPr>
@@ -2182,18 +2060,15 @@
             <a:normAutofit/>
           </a:bodyPr>
           <a:p>
-            <a:endParaRPr b="0" lang="fr-FR" sz="1400" spc="-1" strike="noStrike">
-              <a:solidFill>
-                <a:srgbClr val="000000"/>
-              </a:solidFill>
-              <a:latin typeface="Arial"/>
-            </a:endParaRPr>
-          </a:p>
-        </p:txBody>
-      </p:sp>
-      <p:sp>
-        <p:nvSpPr>
-          <p:cNvPr id="82" name="PlaceHolder 4"/>
+            <a:endParaRPr b="0" lang="fr-FR" sz="3200" spc="-1" strike="noStrike">
+              <a:latin typeface="Arial"/>
+            </a:endParaRPr>
+          </a:p>
+        </p:txBody>
+      </p:sp>
+      <p:sp>
+        <p:nvSpPr>
+          <p:cNvPr id="80" name="PlaceHolder 4"/>
           <p:cNvSpPr>
             <a:spLocks noGrp="1"/>
           </p:cNvSpPr>
@@ -2215,18 +2090,15 @@
             <a:normAutofit/>
           </a:bodyPr>
           <a:p>
-            <a:endParaRPr b="0" lang="fr-FR" sz="1400" spc="-1" strike="noStrike">
-              <a:solidFill>
-                <a:srgbClr val="000000"/>
-              </a:solidFill>
-              <a:latin typeface="Arial"/>
-            </a:endParaRPr>
-          </a:p>
-        </p:txBody>
-      </p:sp>
-      <p:sp>
-        <p:nvSpPr>
-          <p:cNvPr id="83" name="PlaceHolder 5"/>
+            <a:endParaRPr b="0" lang="fr-FR" sz="3200" spc="-1" strike="noStrike">
+              <a:latin typeface="Arial"/>
+            </a:endParaRPr>
+          </a:p>
+        </p:txBody>
+      </p:sp>
+      <p:sp>
+        <p:nvSpPr>
+          <p:cNvPr id="81" name="PlaceHolder 5"/>
           <p:cNvSpPr>
             <a:spLocks noGrp="1"/>
           </p:cNvSpPr>
@@ -2248,18 +2120,15 @@
             <a:normAutofit/>
           </a:bodyPr>
           <a:p>
-            <a:endParaRPr b="0" lang="fr-FR" sz="1400" spc="-1" strike="noStrike">
-              <a:solidFill>
-                <a:srgbClr val="000000"/>
-              </a:solidFill>
-              <a:latin typeface="Arial"/>
-            </a:endParaRPr>
-          </a:p>
-        </p:txBody>
-      </p:sp>
-      <p:sp>
-        <p:nvSpPr>
-          <p:cNvPr id="84" name="PlaceHolder 6"/>
+            <a:endParaRPr b="0" lang="fr-FR" sz="3200" spc="-1" strike="noStrike">
+              <a:latin typeface="Arial"/>
+            </a:endParaRPr>
+          </a:p>
+        </p:txBody>
+      </p:sp>
+      <p:sp>
+        <p:nvSpPr>
+          <p:cNvPr id="82" name="PlaceHolder 6"/>
           <p:cNvSpPr>
             <a:spLocks noGrp="1"/>
           </p:cNvSpPr>
@@ -2281,18 +2150,15 @@
             <a:normAutofit/>
           </a:bodyPr>
           <a:p>
-            <a:endParaRPr b="0" lang="fr-FR" sz="1400" spc="-1" strike="noStrike">
-              <a:solidFill>
-                <a:srgbClr val="000000"/>
-              </a:solidFill>
-              <a:latin typeface="Arial"/>
-            </a:endParaRPr>
-          </a:p>
-        </p:txBody>
-      </p:sp>
-      <p:sp>
-        <p:nvSpPr>
-          <p:cNvPr id="85" name="PlaceHolder 7"/>
+            <a:endParaRPr b="0" lang="fr-FR" sz="3200" spc="-1" strike="noStrike">
+              <a:latin typeface="Arial"/>
+            </a:endParaRPr>
+          </a:p>
+        </p:txBody>
+      </p:sp>
+      <p:sp>
+        <p:nvSpPr>
+          <p:cNvPr id="83" name="PlaceHolder 7"/>
           <p:cNvSpPr>
             <a:spLocks noGrp="1"/>
           </p:cNvSpPr>
@@ -2314,10 +2180,7 @@
             <a:normAutofit/>
           </a:bodyPr>
           <a:p>
-            <a:endParaRPr b="0" lang="fr-FR" sz="1400" spc="-1" strike="noStrike">
-              <a:solidFill>
-                <a:srgbClr val="000000"/>
-              </a:solidFill>
+            <a:endParaRPr b="0" lang="fr-FR" sz="3200" spc="-1" strike="noStrike">
               <a:latin typeface="Arial"/>
             </a:endParaRPr>
           </a:p>
@@ -2347,7 +2210,7 @@
       </p:grpSpPr>
       <p:sp>
         <p:nvSpPr>
-          <p:cNvPr id="9" name="PlaceHolder 1"/>
+          <p:cNvPr id="8" name="PlaceHolder 1"/>
           <p:cNvSpPr>
             <a:spLocks noGrp="1"/>
           </p:cNvSpPr>
@@ -2357,8 +2220,8 @@
         </p:nvSpPr>
         <p:spPr>
           <a:xfrm>
-            <a:off x="729360" y="1318680"/>
-            <a:ext cx="7688520" cy="534960"/>
+            <a:off x="729360" y="1273320"/>
+            <a:ext cx="7688160" cy="625320"/>
           </a:xfrm>
           <a:prstGeom prst="rect">
             <a:avLst/>
@@ -2367,18 +2230,16 @@
         <p:txBody>
           <a:bodyPr lIns="0" rIns="0" tIns="0" bIns="0" anchor="ctr"/>
           <a:p>
-            <a:endParaRPr b="0" lang="fr-FR" sz="1400" spc="-1" strike="noStrike">
-              <a:solidFill>
-                <a:srgbClr val="000000"/>
-              </a:solidFill>
-              <a:latin typeface="Arial"/>
-            </a:endParaRPr>
-          </a:p>
-        </p:txBody>
-      </p:sp>
-      <p:sp>
-        <p:nvSpPr>
-          <p:cNvPr id="10" name="PlaceHolder 2"/>
+            <a:pPr algn="ctr"/>
+            <a:endParaRPr b="0" lang="fr-FR" sz="4400" spc="-1" strike="noStrike">
+              <a:latin typeface="Arial"/>
+            </a:endParaRPr>
+          </a:p>
+        </p:txBody>
+      </p:sp>
+      <p:sp>
+        <p:nvSpPr>
+          <p:cNvPr id="9" name="PlaceHolder 2"/>
           <p:cNvSpPr>
             <a:spLocks noGrp="1"/>
           </p:cNvSpPr>
@@ -2389,7 +2250,7 @@
         <p:spPr>
           <a:xfrm>
             <a:off x="729360" y="2079000"/>
-            <a:ext cx="7688520" cy="2260800"/>
+            <a:ext cx="7688160" cy="2260440"/>
           </a:xfrm>
           <a:prstGeom prst="rect">
             <a:avLst/>
@@ -2400,10 +2261,7 @@
             <a:normAutofit/>
           </a:bodyPr>
           <a:p>
-            <a:endParaRPr b="0" lang="fr-FR" sz="1400" spc="-1" strike="noStrike">
-              <a:solidFill>
-                <a:srgbClr val="000000"/>
-              </a:solidFill>
+            <a:endParaRPr b="0" lang="fr-FR" sz="3200" spc="-1" strike="noStrike">
               <a:latin typeface="Arial"/>
             </a:endParaRPr>
           </a:p>
@@ -2433,7 +2291,7 @@
       </p:grpSpPr>
       <p:sp>
         <p:nvSpPr>
-          <p:cNvPr id="11" name="PlaceHolder 1"/>
+          <p:cNvPr id="10" name="PlaceHolder 1"/>
           <p:cNvSpPr>
             <a:spLocks noGrp="1"/>
           </p:cNvSpPr>
@@ -2443,8 +2301,8 @@
         </p:nvSpPr>
         <p:spPr>
           <a:xfrm>
-            <a:off x="729360" y="1318680"/>
-            <a:ext cx="7688520" cy="534960"/>
+            <a:off x="729360" y="1273320"/>
+            <a:ext cx="7688160" cy="625320"/>
           </a:xfrm>
           <a:prstGeom prst="rect">
             <a:avLst/>
@@ -2453,18 +2311,16 @@
         <p:txBody>
           <a:bodyPr lIns="0" rIns="0" tIns="0" bIns="0" anchor="ctr"/>
           <a:p>
-            <a:endParaRPr b="0" lang="fr-FR" sz="1400" spc="-1" strike="noStrike">
-              <a:solidFill>
-                <a:srgbClr val="000000"/>
-              </a:solidFill>
-              <a:latin typeface="Arial"/>
-            </a:endParaRPr>
-          </a:p>
-        </p:txBody>
-      </p:sp>
-      <p:sp>
-        <p:nvSpPr>
-          <p:cNvPr id="12" name="PlaceHolder 2"/>
+            <a:pPr algn="ctr"/>
+            <a:endParaRPr b="0" lang="fr-FR" sz="4400" spc="-1" strike="noStrike">
+              <a:latin typeface="Arial"/>
+            </a:endParaRPr>
+          </a:p>
+        </p:txBody>
+      </p:sp>
+      <p:sp>
+        <p:nvSpPr>
+          <p:cNvPr id="11" name="PlaceHolder 2"/>
           <p:cNvSpPr>
             <a:spLocks noGrp="1"/>
           </p:cNvSpPr>
@@ -2475,7 +2331,7 @@
         <p:spPr>
           <a:xfrm>
             <a:off x="729360" y="2079000"/>
-            <a:ext cx="3751920" cy="2260800"/>
+            <a:ext cx="3751560" cy="2260440"/>
           </a:xfrm>
           <a:prstGeom prst="rect">
             <a:avLst/>
@@ -2486,18 +2342,15 @@
             <a:normAutofit/>
           </a:bodyPr>
           <a:p>
-            <a:endParaRPr b="0" lang="fr-FR" sz="1400" spc="-1" strike="noStrike">
-              <a:solidFill>
-                <a:srgbClr val="000000"/>
-              </a:solidFill>
-              <a:latin typeface="Arial"/>
-            </a:endParaRPr>
-          </a:p>
-        </p:txBody>
-      </p:sp>
-      <p:sp>
-        <p:nvSpPr>
-          <p:cNvPr id="13" name="PlaceHolder 3"/>
+            <a:endParaRPr b="0" lang="fr-FR" sz="3200" spc="-1" strike="noStrike">
+              <a:latin typeface="Arial"/>
+            </a:endParaRPr>
+          </a:p>
+        </p:txBody>
+      </p:sp>
+      <p:sp>
+        <p:nvSpPr>
+          <p:cNvPr id="12" name="PlaceHolder 3"/>
           <p:cNvSpPr>
             <a:spLocks noGrp="1"/>
           </p:cNvSpPr>
@@ -2507,8 +2360,8 @@
         </p:nvSpPr>
         <p:spPr>
           <a:xfrm>
-            <a:off x="4669200" y="2079000"/>
-            <a:ext cx="3751920" cy="2260800"/>
+            <a:off x="4668840" y="2079000"/>
+            <a:ext cx="3751560" cy="2260440"/>
           </a:xfrm>
           <a:prstGeom prst="rect">
             <a:avLst/>
@@ -2519,10 +2372,7 @@
             <a:normAutofit/>
           </a:bodyPr>
           <a:p>
-            <a:endParaRPr b="0" lang="fr-FR" sz="1400" spc="-1" strike="noStrike">
-              <a:solidFill>
-                <a:srgbClr val="000000"/>
-              </a:solidFill>
+            <a:endParaRPr b="0" lang="fr-FR" sz="3200" spc="-1" strike="noStrike">
               <a:latin typeface="Arial"/>
             </a:endParaRPr>
           </a:p>
@@ -2552,7 +2402,7 @@
       </p:grpSpPr>
       <p:sp>
         <p:nvSpPr>
-          <p:cNvPr id="14" name="PlaceHolder 1"/>
+          <p:cNvPr id="13" name="PlaceHolder 1"/>
           <p:cNvSpPr>
             <a:spLocks noGrp="1"/>
           </p:cNvSpPr>
@@ -2562,8 +2412,8 @@
         </p:nvSpPr>
         <p:spPr>
           <a:xfrm>
-            <a:off x="729360" y="1318680"/>
-            <a:ext cx="7688520" cy="534960"/>
+            <a:off x="729360" y="1273320"/>
+            <a:ext cx="7688160" cy="625320"/>
           </a:xfrm>
           <a:prstGeom prst="rect">
             <a:avLst/>
@@ -2572,10 +2422,8 @@
         <p:txBody>
           <a:bodyPr lIns="0" rIns="0" tIns="0" bIns="0" anchor="ctr"/>
           <a:p>
-            <a:endParaRPr b="0" lang="fr-FR" sz="1400" spc="-1" strike="noStrike">
-              <a:solidFill>
-                <a:srgbClr val="000000"/>
-              </a:solidFill>
+            <a:pPr algn="ctr"/>
+            <a:endParaRPr b="0" lang="fr-FR" sz="4400" spc="-1" strike="noStrike">
               <a:latin typeface="Arial"/>
             </a:endParaRPr>
           </a:p>
@@ -2605,7 +2453,7 @@
       </p:grpSpPr>
       <p:sp>
         <p:nvSpPr>
-          <p:cNvPr id="15" name="PlaceHolder 1"/>
+          <p:cNvPr id="14" name="PlaceHolder 1"/>
           <p:cNvSpPr>
             <a:spLocks noGrp="1"/>
           </p:cNvSpPr>
@@ -2616,7 +2464,7 @@
         <p:spPr>
           <a:xfrm>
             <a:off x="729360" y="1318680"/>
-            <a:ext cx="7688520" cy="2481120"/>
+            <a:ext cx="7688160" cy="2479320"/>
           </a:xfrm>
           <a:prstGeom prst="rect">
             <a:avLst/>
@@ -2656,7 +2504,7 @@
       </p:grpSpPr>
       <p:sp>
         <p:nvSpPr>
-          <p:cNvPr id="16" name="PlaceHolder 1"/>
+          <p:cNvPr id="15" name="PlaceHolder 1"/>
           <p:cNvSpPr>
             <a:spLocks noGrp="1"/>
           </p:cNvSpPr>
@@ -2666,8 +2514,8 @@
         </p:nvSpPr>
         <p:spPr>
           <a:xfrm>
-            <a:off x="729360" y="1318680"/>
-            <a:ext cx="7688520" cy="534960"/>
+            <a:off x="729360" y="1273320"/>
+            <a:ext cx="7688160" cy="625320"/>
           </a:xfrm>
           <a:prstGeom prst="rect">
             <a:avLst/>
@@ -2676,18 +2524,16 @@
         <p:txBody>
           <a:bodyPr lIns="0" rIns="0" tIns="0" bIns="0" anchor="ctr"/>
           <a:p>
-            <a:endParaRPr b="0" lang="fr-FR" sz="1400" spc="-1" strike="noStrike">
-              <a:solidFill>
-                <a:srgbClr val="000000"/>
-              </a:solidFill>
-              <a:latin typeface="Arial"/>
-            </a:endParaRPr>
-          </a:p>
-        </p:txBody>
-      </p:sp>
-      <p:sp>
-        <p:nvSpPr>
-          <p:cNvPr id="17" name="PlaceHolder 2"/>
+            <a:pPr algn="ctr"/>
+            <a:endParaRPr b="0" lang="fr-FR" sz="4400" spc="-1" strike="noStrike">
+              <a:latin typeface="Arial"/>
+            </a:endParaRPr>
+          </a:p>
+        </p:txBody>
+      </p:sp>
+      <p:sp>
+        <p:nvSpPr>
+          <p:cNvPr id="16" name="PlaceHolder 2"/>
           <p:cNvSpPr>
             <a:spLocks noGrp="1"/>
           </p:cNvSpPr>
@@ -2698,7 +2544,7 @@
         <p:spPr>
           <a:xfrm>
             <a:off x="729360" y="2079000"/>
-            <a:ext cx="3751920" cy="1078200"/>
+            <a:ext cx="3751560" cy="1078200"/>
           </a:xfrm>
           <a:prstGeom prst="rect">
             <a:avLst/>
@@ -2709,18 +2555,15 @@
             <a:normAutofit/>
           </a:bodyPr>
           <a:p>
-            <a:endParaRPr b="0" lang="fr-FR" sz="1400" spc="-1" strike="noStrike">
-              <a:solidFill>
-                <a:srgbClr val="000000"/>
-              </a:solidFill>
-              <a:latin typeface="Arial"/>
-            </a:endParaRPr>
-          </a:p>
-        </p:txBody>
-      </p:sp>
-      <p:sp>
-        <p:nvSpPr>
-          <p:cNvPr id="18" name="PlaceHolder 3"/>
+            <a:endParaRPr b="0" lang="fr-FR" sz="3200" spc="-1" strike="noStrike">
+              <a:latin typeface="Arial"/>
+            </a:endParaRPr>
+          </a:p>
+        </p:txBody>
+      </p:sp>
+      <p:sp>
+        <p:nvSpPr>
+          <p:cNvPr id="17" name="PlaceHolder 3"/>
           <p:cNvSpPr>
             <a:spLocks noGrp="1"/>
           </p:cNvSpPr>
@@ -2730,8 +2573,8 @@
         </p:nvSpPr>
         <p:spPr>
           <a:xfrm>
-            <a:off x="4669200" y="2079000"/>
-            <a:ext cx="3751920" cy="2260800"/>
+            <a:off x="4668840" y="2079000"/>
+            <a:ext cx="3751560" cy="2260440"/>
           </a:xfrm>
           <a:prstGeom prst="rect">
             <a:avLst/>
@@ -2742,18 +2585,15 @@
             <a:normAutofit/>
           </a:bodyPr>
           <a:p>
-            <a:endParaRPr b="0" lang="fr-FR" sz="1400" spc="-1" strike="noStrike">
-              <a:solidFill>
-                <a:srgbClr val="000000"/>
-              </a:solidFill>
-              <a:latin typeface="Arial"/>
-            </a:endParaRPr>
-          </a:p>
-        </p:txBody>
-      </p:sp>
-      <p:sp>
-        <p:nvSpPr>
-          <p:cNvPr id="19" name="PlaceHolder 4"/>
+            <a:endParaRPr b="0" lang="fr-FR" sz="3200" spc="-1" strike="noStrike">
+              <a:latin typeface="Arial"/>
+            </a:endParaRPr>
+          </a:p>
+        </p:txBody>
+      </p:sp>
+      <p:sp>
+        <p:nvSpPr>
+          <p:cNvPr id="18" name="PlaceHolder 4"/>
           <p:cNvSpPr>
             <a:spLocks noGrp="1"/>
           </p:cNvSpPr>
@@ -2764,7 +2604,7 @@
         <p:spPr>
           <a:xfrm>
             <a:off x="729360" y="3260160"/>
-            <a:ext cx="3751920" cy="1078200"/>
+            <a:ext cx="3751560" cy="1078200"/>
           </a:xfrm>
           <a:prstGeom prst="rect">
             <a:avLst/>
@@ -2775,10 +2615,7 @@
             <a:normAutofit/>
           </a:bodyPr>
           <a:p>
-            <a:endParaRPr b="0" lang="fr-FR" sz="1400" spc="-1" strike="noStrike">
-              <a:solidFill>
-                <a:srgbClr val="000000"/>
-              </a:solidFill>
+            <a:endParaRPr b="0" lang="fr-FR" sz="3200" spc="-1" strike="noStrike">
               <a:latin typeface="Arial"/>
             </a:endParaRPr>
           </a:p>
@@ -2808,7 +2645,7 @@
       </p:grpSpPr>
       <p:sp>
         <p:nvSpPr>
-          <p:cNvPr id="20" name="PlaceHolder 1"/>
+          <p:cNvPr id="19" name="PlaceHolder 1"/>
           <p:cNvSpPr>
             <a:spLocks noGrp="1"/>
           </p:cNvSpPr>
@@ -2818,8 +2655,8 @@
         </p:nvSpPr>
         <p:spPr>
           <a:xfrm>
-            <a:off x="729360" y="1318680"/>
-            <a:ext cx="7688520" cy="534960"/>
+            <a:off x="729360" y="1273320"/>
+            <a:ext cx="7688160" cy="625320"/>
           </a:xfrm>
           <a:prstGeom prst="rect">
             <a:avLst/>
@@ -2828,18 +2665,16 @@
         <p:txBody>
           <a:bodyPr lIns="0" rIns="0" tIns="0" bIns="0" anchor="ctr"/>
           <a:p>
-            <a:endParaRPr b="0" lang="fr-FR" sz="1400" spc="-1" strike="noStrike">
-              <a:solidFill>
-                <a:srgbClr val="000000"/>
-              </a:solidFill>
-              <a:latin typeface="Arial"/>
-            </a:endParaRPr>
-          </a:p>
-        </p:txBody>
-      </p:sp>
-      <p:sp>
-        <p:nvSpPr>
-          <p:cNvPr id="21" name="PlaceHolder 2"/>
+            <a:pPr algn="ctr"/>
+            <a:endParaRPr b="0" lang="fr-FR" sz="4400" spc="-1" strike="noStrike">
+              <a:latin typeface="Arial"/>
+            </a:endParaRPr>
+          </a:p>
+        </p:txBody>
+      </p:sp>
+      <p:sp>
+        <p:nvSpPr>
+          <p:cNvPr id="20" name="PlaceHolder 2"/>
           <p:cNvSpPr>
             <a:spLocks noGrp="1"/>
           </p:cNvSpPr>
@@ -2850,7 +2685,7 @@
         <p:spPr>
           <a:xfrm>
             <a:off x="729360" y="2079000"/>
-            <a:ext cx="3751920" cy="2260800"/>
+            <a:ext cx="3751560" cy="2260440"/>
           </a:xfrm>
           <a:prstGeom prst="rect">
             <a:avLst/>
@@ -2861,18 +2696,15 @@
             <a:normAutofit/>
           </a:bodyPr>
           <a:p>
-            <a:endParaRPr b="0" lang="fr-FR" sz="1400" spc="-1" strike="noStrike">
-              <a:solidFill>
-                <a:srgbClr val="000000"/>
-              </a:solidFill>
-              <a:latin typeface="Arial"/>
-            </a:endParaRPr>
-          </a:p>
-        </p:txBody>
-      </p:sp>
-      <p:sp>
-        <p:nvSpPr>
-          <p:cNvPr id="22" name="PlaceHolder 3"/>
+            <a:endParaRPr b="0" lang="fr-FR" sz="3200" spc="-1" strike="noStrike">
+              <a:latin typeface="Arial"/>
+            </a:endParaRPr>
+          </a:p>
+        </p:txBody>
+      </p:sp>
+      <p:sp>
+        <p:nvSpPr>
+          <p:cNvPr id="21" name="PlaceHolder 3"/>
           <p:cNvSpPr>
             <a:spLocks noGrp="1"/>
           </p:cNvSpPr>
@@ -2882,8 +2714,8 @@
         </p:nvSpPr>
         <p:spPr>
           <a:xfrm>
-            <a:off x="4669200" y="2079000"/>
-            <a:ext cx="3751920" cy="1078200"/>
+            <a:off x="4668840" y="2079000"/>
+            <a:ext cx="3751560" cy="1078200"/>
           </a:xfrm>
           <a:prstGeom prst="rect">
             <a:avLst/>
@@ -2894,18 +2726,15 @@
             <a:normAutofit/>
           </a:bodyPr>
           <a:p>
-            <a:endParaRPr b="0" lang="fr-FR" sz="1400" spc="-1" strike="noStrike">
-              <a:solidFill>
-                <a:srgbClr val="000000"/>
-              </a:solidFill>
-              <a:latin typeface="Arial"/>
-            </a:endParaRPr>
-          </a:p>
-        </p:txBody>
-      </p:sp>
-      <p:sp>
-        <p:nvSpPr>
-          <p:cNvPr id="23" name="PlaceHolder 4"/>
+            <a:endParaRPr b="0" lang="fr-FR" sz="3200" spc="-1" strike="noStrike">
+              <a:latin typeface="Arial"/>
+            </a:endParaRPr>
+          </a:p>
+        </p:txBody>
+      </p:sp>
+      <p:sp>
+        <p:nvSpPr>
+          <p:cNvPr id="22" name="PlaceHolder 4"/>
           <p:cNvSpPr>
             <a:spLocks noGrp="1"/>
           </p:cNvSpPr>
@@ -2915,8 +2744,8 @@
         </p:nvSpPr>
         <p:spPr>
           <a:xfrm>
-            <a:off x="4669200" y="3260160"/>
-            <a:ext cx="3751920" cy="1078200"/>
+            <a:off x="4668840" y="3260160"/>
+            <a:ext cx="3751560" cy="1078200"/>
           </a:xfrm>
           <a:prstGeom prst="rect">
             <a:avLst/>
@@ -2927,10 +2756,7 @@
             <a:normAutofit/>
           </a:bodyPr>
           <a:p>
-            <a:endParaRPr b="0" lang="fr-FR" sz="1400" spc="-1" strike="noStrike">
-              <a:solidFill>
-                <a:srgbClr val="000000"/>
-              </a:solidFill>
+            <a:endParaRPr b="0" lang="fr-FR" sz="3200" spc="-1" strike="noStrike">
               <a:latin typeface="Arial"/>
             </a:endParaRPr>
           </a:p>
@@ -2960,7 +2786,7 @@
       </p:grpSpPr>
       <p:sp>
         <p:nvSpPr>
-          <p:cNvPr id="24" name="PlaceHolder 1"/>
+          <p:cNvPr id="23" name="PlaceHolder 1"/>
           <p:cNvSpPr>
             <a:spLocks noGrp="1"/>
           </p:cNvSpPr>
@@ -2970,8 +2796,8 @@
         </p:nvSpPr>
         <p:spPr>
           <a:xfrm>
-            <a:off x="729360" y="1318680"/>
-            <a:ext cx="7688520" cy="534960"/>
+            <a:off x="729360" y="1273320"/>
+            <a:ext cx="7688160" cy="625320"/>
           </a:xfrm>
           <a:prstGeom prst="rect">
             <a:avLst/>
@@ -2980,18 +2806,16 @@
         <p:txBody>
           <a:bodyPr lIns="0" rIns="0" tIns="0" bIns="0" anchor="ctr"/>
           <a:p>
-            <a:endParaRPr b="0" lang="fr-FR" sz="1400" spc="-1" strike="noStrike">
-              <a:solidFill>
-                <a:srgbClr val="000000"/>
-              </a:solidFill>
-              <a:latin typeface="Arial"/>
-            </a:endParaRPr>
-          </a:p>
-        </p:txBody>
-      </p:sp>
-      <p:sp>
-        <p:nvSpPr>
-          <p:cNvPr id="25" name="PlaceHolder 2"/>
+            <a:pPr algn="ctr"/>
+            <a:endParaRPr b="0" lang="fr-FR" sz="4400" spc="-1" strike="noStrike">
+              <a:latin typeface="Arial"/>
+            </a:endParaRPr>
+          </a:p>
+        </p:txBody>
+      </p:sp>
+      <p:sp>
+        <p:nvSpPr>
+          <p:cNvPr id="24" name="PlaceHolder 2"/>
           <p:cNvSpPr>
             <a:spLocks noGrp="1"/>
           </p:cNvSpPr>
@@ -3002,7 +2826,7 @@
         <p:spPr>
           <a:xfrm>
             <a:off x="729360" y="2079000"/>
-            <a:ext cx="3751920" cy="1078200"/>
+            <a:ext cx="3751560" cy="1078200"/>
           </a:xfrm>
           <a:prstGeom prst="rect">
             <a:avLst/>
@@ -3013,18 +2837,15 @@
             <a:normAutofit/>
           </a:bodyPr>
           <a:p>
-            <a:endParaRPr b="0" lang="fr-FR" sz="1400" spc="-1" strike="noStrike">
-              <a:solidFill>
-                <a:srgbClr val="000000"/>
-              </a:solidFill>
-              <a:latin typeface="Arial"/>
-            </a:endParaRPr>
-          </a:p>
-        </p:txBody>
-      </p:sp>
-      <p:sp>
-        <p:nvSpPr>
-          <p:cNvPr id="26" name="PlaceHolder 3"/>
+            <a:endParaRPr b="0" lang="fr-FR" sz="3200" spc="-1" strike="noStrike">
+              <a:latin typeface="Arial"/>
+            </a:endParaRPr>
+          </a:p>
+        </p:txBody>
+      </p:sp>
+      <p:sp>
+        <p:nvSpPr>
+          <p:cNvPr id="25" name="PlaceHolder 3"/>
           <p:cNvSpPr>
             <a:spLocks noGrp="1"/>
           </p:cNvSpPr>
@@ -3034,8 +2855,8 @@
         </p:nvSpPr>
         <p:spPr>
           <a:xfrm>
-            <a:off x="4669200" y="2079000"/>
-            <a:ext cx="3751920" cy="1078200"/>
+            <a:off x="4668840" y="2079000"/>
+            <a:ext cx="3751560" cy="1078200"/>
           </a:xfrm>
           <a:prstGeom prst="rect">
             <a:avLst/>
@@ -3046,18 +2867,15 @@
             <a:normAutofit/>
           </a:bodyPr>
           <a:p>
-            <a:endParaRPr b="0" lang="fr-FR" sz="1400" spc="-1" strike="noStrike">
-              <a:solidFill>
-                <a:srgbClr val="000000"/>
-              </a:solidFill>
-              <a:latin typeface="Arial"/>
-            </a:endParaRPr>
-          </a:p>
-        </p:txBody>
-      </p:sp>
-      <p:sp>
-        <p:nvSpPr>
-          <p:cNvPr id="27" name="PlaceHolder 4"/>
+            <a:endParaRPr b="0" lang="fr-FR" sz="3200" spc="-1" strike="noStrike">
+              <a:latin typeface="Arial"/>
+            </a:endParaRPr>
+          </a:p>
+        </p:txBody>
+      </p:sp>
+      <p:sp>
+        <p:nvSpPr>
+          <p:cNvPr id="26" name="PlaceHolder 4"/>
           <p:cNvSpPr>
             <a:spLocks noGrp="1"/>
           </p:cNvSpPr>
@@ -3068,7 +2886,7 @@
         <p:spPr>
           <a:xfrm>
             <a:off x="729360" y="3260160"/>
-            <a:ext cx="7688520" cy="1078200"/>
+            <a:ext cx="7688160" cy="1078200"/>
           </a:xfrm>
           <a:prstGeom prst="rect">
             <a:avLst/>
@@ -3079,10 +2897,7 @@
             <a:normAutofit/>
           </a:bodyPr>
           <a:p>
-            <a:endParaRPr b="0" lang="fr-FR" sz="1400" spc="-1" strike="noStrike">
-              <a:solidFill>
-                <a:srgbClr val="000000"/>
-              </a:solidFill>
+            <a:endParaRPr b="0" lang="fr-FR" sz="3200" spc="-1" strike="noStrike">
               <a:latin typeface="Arial"/>
             </a:endParaRPr>
           </a:p>
@@ -3126,7 +2941,7 @@
         <p:spPr>
           <a:xfrm>
             <a:off x="0" y="0"/>
-            <a:ext cx="9143640" cy="487440"/>
+            <a:ext cx="9143280" cy="487080"/>
           </a:xfrm>
           <a:prstGeom prst="rect">
             <a:avLst/>
@@ -3154,9 +2969,9 @@
         <p:grpSpPr>
           <a:xfrm>
             <a:off x="830520" y="1191600"/>
-            <a:ext cx="745200" cy="45360"/>
+            <a:ext cx="744840" cy="45000"/>
             <a:chOff x="830520" y="1191600"/>
-            <a:chExt cx="745200" cy="45360"/>
+            <a:chExt cx="744840" cy="45000"/>
           </a:xfrm>
         </p:grpSpPr>
         <p:sp>
@@ -3168,7 +2983,7 @@
           <p:spPr>
             <a:xfrm rot="16200000">
               <a:off x="1366560" y="1027800"/>
-              <a:ext cx="45360" cy="372600"/>
+              <a:ext cx="45000" cy="372240"/>
             </a:xfrm>
             <a:prstGeom prst="rect">
               <a:avLst/>
@@ -3196,7 +3011,7 @@
           <p:spPr>
             <a:xfrm rot="16200000">
               <a:off x="995400" y="1026360"/>
-              <a:ext cx="45360" cy="375480"/>
+              <a:ext cx="45000" cy="375120"/>
             </a:xfrm>
             <a:prstGeom prst="rect">
               <a:avLst/>
@@ -3228,29 +3043,23 @@
         </p:nvSpPr>
         <p:spPr>
           <a:xfrm>
-            <a:off x="729360" y="1322280"/>
-            <a:ext cx="7687800" cy="1664280"/>
-          </a:xfrm>
-          <a:prstGeom prst="rect">
-            <a:avLst/>
-          </a:prstGeom>
-        </p:spPr>
-        <p:txBody>
-          <a:bodyPr tIns="91440" bIns="91440"/>
-          <a:p>
-            <a:r>
-              <a:rPr b="0" lang="fr-FR" sz="4200" spc="-1" strike="noStrike">
-                <a:solidFill>
-                  <a:srgbClr val="000000"/>
-                </a:solidFill>
+            <a:off x="729360" y="1318680"/>
+            <a:ext cx="7688160" cy="534600"/>
+          </a:xfrm>
+          <a:prstGeom prst="rect">
+            <a:avLst/>
+          </a:prstGeom>
+        </p:spPr>
+        <p:txBody>
+          <a:bodyPr lIns="0" rIns="0" tIns="0" bIns="0" anchor="ctr"/>
+          <a:p>
+            <a:r>
+              <a:rPr b="0" lang="fr-FR" sz="1800" spc="-1" strike="noStrike">
                 <a:latin typeface="Arial"/>
               </a:rPr>
               <a:t>Click to edit the title text format</a:t>
             </a:r>
-            <a:endParaRPr b="0" lang="fr-FR" sz="4200" spc="-1" strike="noStrike">
-              <a:solidFill>
-                <a:srgbClr val="000000"/>
-              </a:solidFill>
+            <a:endParaRPr b="0" lang="fr-FR" sz="1800" spc="-1" strike="noStrike">
               <a:latin typeface="Arial"/>
             </a:endParaRPr>
           </a:p>
@@ -3259,49 +3068,6 @@
       <p:sp>
         <p:nvSpPr>
           <p:cNvPr id="5" name="PlaceHolder 6"/>
-          <p:cNvSpPr>
-            <a:spLocks noGrp="1"/>
-          </p:cNvSpPr>
-          <p:nvPr>
-            <p:ph type="sldNum"/>
-          </p:nvPr>
-        </p:nvSpPr>
-        <p:spPr>
-          <a:xfrm>
-            <a:off x="8536320" y="4749840"/>
-            <a:ext cx="548280" cy="393120"/>
-          </a:xfrm>
-          <a:prstGeom prst="rect">
-            <a:avLst/>
-          </a:prstGeom>
-        </p:spPr>
-        <p:txBody>
-          <a:bodyPr tIns="91440" bIns="91440" anchor="ctr"/>
-          <a:p>
-            <a:pPr algn="r">
-              <a:lnSpc>
-                <a:spcPct val="100000"/>
-              </a:lnSpc>
-            </a:pPr>
-            <a:fld id="{8F777DDA-2FBD-43FC-87B0-B1983CC2962E}" type="slidenum">
-              <a:rPr b="0" lang="fr-FR" sz="1000" spc="-1" strike="noStrike">
-                <a:solidFill>
-                  <a:srgbClr val="595959"/>
-                </a:solidFill>
-                <a:latin typeface="Lato"/>
-                <a:ea typeface="Lato"/>
-              </a:rPr>
-              <a:t>&lt;number&gt;</a:t>
-            </a:fld>
-            <a:endParaRPr b="0" lang="fr-FR" sz="1000" spc="-1" strike="noStrike">
-              <a:latin typeface="Times New Roman"/>
-            </a:endParaRPr>
-          </a:p>
-        </p:txBody>
-      </p:sp>
-      <p:sp>
-        <p:nvSpPr>
-          <p:cNvPr id="6" name="PlaceHolder 7"/>
           <p:cNvSpPr>
             <a:spLocks noGrp="1"/>
           </p:cNvSpPr>
@@ -3335,18 +3101,12 @@
               <a:buChar char=""/>
             </a:pPr>
             <a:r>
-              <a:rPr b="0" lang="fr-FR" sz="1400" spc="-1" strike="noStrike">
-                <a:solidFill>
-                  <a:srgbClr val="000000"/>
-                </a:solidFill>
+              <a:rPr b="0" lang="fr-FR" sz="3200" spc="-1" strike="noStrike">
                 <a:latin typeface="Arial"/>
               </a:rPr>
               <a:t>Click to edit the outline text format</a:t>
             </a:r>
-            <a:endParaRPr b="0" lang="fr-FR" sz="1400" spc="-1" strike="noStrike">
-              <a:solidFill>
-                <a:srgbClr val="000000"/>
-              </a:solidFill>
+            <a:endParaRPr b="0" lang="fr-FR" sz="3200" spc="-1" strike="noStrike">
               <a:latin typeface="Arial"/>
             </a:endParaRPr>
           </a:p>
@@ -3363,18 +3123,12 @@
               <a:buChar char=""/>
             </a:pPr>
             <a:r>
-              <a:rPr b="0" lang="fr-FR" sz="1400" spc="-1" strike="noStrike">
-                <a:solidFill>
-                  <a:srgbClr val="000000"/>
-                </a:solidFill>
+              <a:rPr b="0" lang="fr-FR" sz="2800" spc="-1" strike="noStrike">
                 <a:latin typeface="Arial"/>
               </a:rPr>
               <a:t>Second Outline Level</a:t>
             </a:r>
-            <a:endParaRPr b="0" lang="fr-FR" sz="1400" spc="-1" strike="noStrike">
-              <a:solidFill>
-                <a:srgbClr val="000000"/>
-              </a:solidFill>
+            <a:endParaRPr b="0" lang="fr-FR" sz="2800" spc="-1" strike="noStrike">
               <a:latin typeface="Arial"/>
             </a:endParaRPr>
           </a:p>
@@ -3391,18 +3145,12 @@
               <a:buChar char=""/>
             </a:pPr>
             <a:r>
-              <a:rPr b="0" lang="fr-FR" sz="1400" spc="-1" strike="noStrike">
-                <a:solidFill>
-                  <a:srgbClr val="000000"/>
-                </a:solidFill>
+              <a:rPr b="0" lang="fr-FR" sz="2400" spc="-1" strike="noStrike">
                 <a:latin typeface="Arial"/>
               </a:rPr>
               <a:t>Third Outline Level</a:t>
             </a:r>
-            <a:endParaRPr b="0" lang="fr-FR" sz="1400" spc="-1" strike="noStrike">
-              <a:solidFill>
-                <a:srgbClr val="000000"/>
-              </a:solidFill>
+            <a:endParaRPr b="0" lang="fr-FR" sz="2400" spc="-1" strike="noStrike">
               <a:latin typeface="Arial"/>
             </a:endParaRPr>
           </a:p>
@@ -3419,18 +3167,12 @@
               <a:buChar char=""/>
             </a:pPr>
             <a:r>
-              <a:rPr b="0" lang="fr-FR" sz="1400" spc="-1" strike="noStrike">
-                <a:solidFill>
-                  <a:srgbClr val="000000"/>
-                </a:solidFill>
+              <a:rPr b="0" lang="fr-FR" sz="2000" spc="-1" strike="noStrike">
                 <a:latin typeface="Arial"/>
               </a:rPr>
               <a:t>Fourth Outline Level</a:t>
             </a:r>
-            <a:endParaRPr b="0" lang="fr-FR" sz="1400" spc="-1" strike="noStrike">
-              <a:solidFill>
-                <a:srgbClr val="000000"/>
-              </a:solidFill>
+            <a:endParaRPr b="0" lang="fr-FR" sz="2000" spc="-1" strike="noStrike">
               <a:latin typeface="Arial"/>
             </a:endParaRPr>
           </a:p>
@@ -3448,17 +3190,11 @@
             </a:pPr>
             <a:r>
               <a:rPr b="0" lang="fr-FR" sz="2000" spc="-1" strike="noStrike">
-                <a:solidFill>
-                  <a:srgbClr val="000000"/>
-                </a:solidFill>
                 <a:latin typeface="Arial"/>
               </a:rPr>
               <a:t>Fifth Outline Level</a:t>
             </a:r>
             <a:endParaRPr b="0" lang="fr-FR" sz="2000" spc="-1" strike="noStrike">
-              <a:solidFill>
-                <a:srgbClr val="000000"/>
-              </a:solidFill>
               <a:latin typeface="Arial"/>
             </a:endParaRPr>
           </a:p>
@@ -3476,17 +3212,11 @@
             </a:pPr>
             <a:r>
               <a:rPr b="0" lang="fr-FR" sz="2000" spc="-1" strike="noStrike">
-                <a:solidFill>
-                  <a:srgbClr val="000000"/>
-                </a:solidFill>
                 <a:latin typeface="Arial"/>
               </a:rPr>
               <a:t>Sixth Outline Level</a:t>
             </a:r>
             <a:endParaRPr b="0" lang="fr-FR" sz="2000" spc="-1" strike="noStrike">
-              <a:solidFill>
-                <a:srgbClr val="000000"/>
-              </a:solidFill>
               <a:latin typeface="Arial"/>
             </a:endParaRPr>
           </a:p>
@@ -3504,17 +3234,11 @@
             </a:pPr>
             <a:r>
               <a:rPr b="0" lang="fr-FR" sz="2000" spc="-1" strike="noStrike">
-                <a:solidFill>
-                  <a:srgbClr val="000000"/>
-                </a:solidFill>
                 <a:latin typeface="Arial"/>
               </a:rPr>
               <a:t>Seventh Outline Level</a:t>
             </a:r>
             <a:endParaRPr b="0" lang="fr-FR" sz="2000" spc="-1" strike="noStrike">
-              <a:solidFill>
-                <a:srgbClr val="000000"/>
-              </a:solidFill>
               <a:latin typeface="Arial"/>
             </a:endParaRPr>
           </a:p>
@@ -3566,14 +3290,14 @@
       </p:grpSpPr>
       <p:sp>
         <p:nvSpPr>
-          <p:cNvPr id="43" name="CustomShape 1"/>
+          <p:cNvPr id="42" name="CustomShape 1"/>
           <p:cNvSpPr/>
           <p:nvPr/>
         </p:nvSpPr>
         <p:spPr>
           <a:xfrm>
             <a:off x="0" y="0"/>
-            <a:ext cx="9143640" cy="487440"/>
+            <a:ext cx="9143280" cy="487080"/>
           </a:xfrm>
           <a:prstGeom prst="rect">
             <a:avLst/>
@@ -3594,28 +3318,28 @@
       </p:sp>
       <p:grpSp>
         <p:nvGrpSpPr>
-          <p:cNvPr id="44" name="Group 2"/>
+          <p:cNvPr id="43" name="Group 2"/>
           <p:cNvGrpSpPr/>
           <p:nvPr/>
         </p:nvGrpSpPr>
         <p:grpSpPr>
           <a:xfrm>
             <a:off x="830520" y="1191600"/>
-            <a:ext cx="745200" cy="45360"/>
+            <a:ext cx="744840" cy="45000"/>
             <a:chOff x="830520" y="1191600"/>
-            <a:chExt cx="745200" cy="45360"/>
+            <a:chExt cx="744840" cy="45000"/>
           </a:xfrm>
         </p:grpSpPr>
         <p:sp>
           <p:nvSpPr>
-            <p:cNvPr id="45" name="CustomShape 3"/>
+            <p:cNvPr id="44" name="CustomShape 3"/>
             <p:cNvSpPr/>
             <p:nvPr/>
           </p:nvSpPr>
           <p:spPr>
             <a:xfrm rot="16200000">
               <a:off x="1366560" y="1027800"/>
-              <a:ext cx="45360" cy="372600"/>
+              <a:ext cx="45000" cy="372240"/>
             </a:xfrm>
             <a:prstGeom prst="rect">
               <a:avLst/>
@@ -3636,14 +3360,14 @@
         </p:sp>
         <p:sp>
           <p:nvSpPr>
-            <p:cNvPr id="46" name="CustomShape 4"/>
+            <p:cNvPr id="45" name="CustomShape 4"/>
             <p:cNvSpPr/>
             <p:nvPr/>
           </p:nvSpPr>
           <p:spPr>
             <a:xfrm rot="16200000">
               <a:off x="995400" y="1026360"/>
-              <a:ext cx="45360" cy="375480"/>
+              <a:ext cx="45000" cy="375120"/>
             </a:xfrm>
             <a:prstGeom prst="rect">
               <a:avLst/>
@@ -3665,7 +3389,7 @@
       </p:grpSp>
       <p:sp>
         <p:nvSpPr>
-          <p:cNvPr id="47" name="PlaceHolder 5"/>
+          <p:cNvPr id="46" name="PlaceHolder 5"/>
           <p:cNvSpPr>
             <a:spLocks noGrp="1"/>
           </p:cNvSpPr>
@@ -3676,36 +3400,30 @@
         <p:spPr>
           <a:xfrm>
             <a:off x="729360" y="1318680"/>
-            <a:ext cx="7688520" cy="534960"/>
-          </a:xfrm>
-          <a:prstGeom prst="rect">
-            <a:avLst/>
-          </a:prstGeom>
-        </p:spPr>
-        <p:txBody>
-          <a:bodyPr tIns="91440" bIns="91440"/>
-          <a:p>
-            <a:r>
-              <a:rPr b="0" lang="fr-FR" sz="2600" spc="-1" strike="noStrike">
-                <a:solidFill>
-                  <a:srgbClr val="000000"/>
-                </a:solidFill>
+            <a:ext cx="7688160" cy="534600"/>
+          </a:xfrm>
+          <a:prstGeom prst="rect">
+            <a:avLst/>
+          </a:prstGeom>
+        </p:spPr>
+        <p:txBody>
+          <a:bodyPr lIns="0" rIns="0" tIns="0" bIns="0" anchor="ctr"/>
+          <a:p>
+            <a:r>
+              <a:rPr b="0" lang="fr-FR" sz="1800" spc="-1" strike="noStrike">
                 <a:latin typeface="Arial"/>
               </a:rPr>
               <a:t>Click to edit the title text format</a:t>
             </a:r>
-            <a:endParaRPr b="0" lang="fr-FR" sz="2600" spc="-1" strike="noStrike">
-              <a:solidFill>
-                <a:srgbClr val="000000"/>
-              </a:solidFill>
-              <a:latin typeface="Arial"/>
-            </a:endParaRPr>
-          </a:p>
-        </p:txBody>
-      </p:sp>
-      <p:sp>
-        <p:nvSpPr>
-          <p:cNvPr id="48" name="PlaceHolder 6"/>
+            <a:endParaRPr b="0" lang="fr-FR" sz="1800" spc="-1" strike="noStrike">
+              <a:latin typeface="Arial"/>
+            </a:endParaRPr>
+          </a:p>
+        </p:txBody>
+      </p:sp>
+      <p:sp>
+        <p:nvSpPr>
+          <p:cNvPr id="47" name="PlaceHolder 6"/>
           <p:cNvSpPr>
             <a:spLocks noGrp="1"/>
           </p:cNvSpPr>
@@ -3716,14 +3434,16 @@
         <p:spPr>
           <a:xfrm>
             <a:off x="729360" y="2079000"/>
-            <a:ext cx="7688520" cy="2260800"/>
-          </a:xfrm>
-          <a:prstGeom prst="rect">
-            <a:avLst/>
-          </a:prstGeom>
-        </p:spPr>
-        <p:txBody>
-          <a:bodyPr tIns="91440" bIns="91440"/>
+            <a:ext cx="7688160" cy="2260440"/>
+          </a:xfrm>
+          <a:prstGeom prst="rect">
+            <a:avLst/>
+          </a:prstGeom>
+        </p:spPr>
+        <p:txBody>
+          <a:bodyPr lIns="0" rIns="0" tIns="0" bIns="0">
+            <a:normAutofit/>
+          </a:bodyPr>
           <a:p>
             <a:pPr marL="432000" indent="-324000">
               <a:spcBef>
@@ -3737,18 +3457,12 @@
               <a:buChar char=""/>
             </a:pPr>
             <a:r>
-              <a:rPr b="0" lang="fr-FR" sz="1300" spc="-1" strike="noStrike">
-                <a:solidFill>
-                  <a:srgbClr val="000000"/>
-                </a:solidFill>
+              <a:rPr b="0" lang="fr-FR" sz="1800" spc="-1" strike="noStrike">
                 <a:latin typeface="Arial"/>
               </a:rPr>
               <a:t>Click to edit the outline text format</a:t>
             </a:r>
-            <a:endParaRPr b="0" lang="fr-FR" sz="1300" spc="-1" strike="noStrike">
-              <a:solidFill>
-                <a:srgbClr val="000000"/>
-              </a:solidFill>
+            <a:endParaRPr b="0" lang="fr-FR" sz="1800" spc="-1" strike="noStrike">
               <a:latin typeface="Arial"/>
             </a:endParaRPr>
           </a:p>
@@ -3765,18 +3479,12 @@
               <a:buChar char=""/>
             </a:pPr>
             <a:r>
-              <a:rPr b="0" lang="fr-FR" sz="1300" spc="-1" strike="noStrike">
-                <a:solidFill>
-                  <a:srgbClr val="000000"/>
-                </a:solidFill>
+              <a:rPr b="0" lang="fr-FR" sz="1800" spc="-1" strike="noStrike">
                 <a:latin typeface="Arial"/>
               </a:rPr>
               <a:t>Second Outline Level</a:t>
             </a:r>
-            <a:endParaRPr b="0" lang="fr-FR" sz="1300" spc="-1" strike="noStrike">
-              <a:solidFill>
-                <a:srgbClr val="000000"/>
-              </a:solidFill>
+            <a:endParaRPr b="0" lang="fr-FR" sz="1800" spc="-1" strike="noStrike">
               <a:latin typeface="Arial"/>
             </a:endParaRPr>
           </a:p>
@@ -3793,18 +3501,12 @@
               <a:buChar char=""/>
             </a:pPr>
             <a:r>
-              <a:rPr b="0" lang="fr-FR" sz="1300" spc="-1" strike="noStrike">
-                <a:solidFill>
-                  <a:srgbClr val="000000"/>
-                </a:solidFill>
+              <a:rPr b="0" lang="fr-FR" sz="1800" spc="-1" strike="noStrike">
                 <a:latin typeface="Arial"/>
               </a:rPr>
               <a:t>Third Outline Level</a:t>
             </a:r>
-            <a:endParaRPr b="0" lang="fr-FR" sz="1300" spc="-1" strike="noStrike">
-              <a:solidFill>
-                <a:srgbClr val="000000"/>
-              </a:solidFill>
+            <a:endParaRPr b="0" lang="fr-FR" sz="1800" spc="-1" strike="noStrike">
               <a:latin typeface="Arial"/>
             </a:endParaRPr>
           </a:p>
@@ -3821,18 +3523,12 @@
               <a:buChar char=""/>
             </a:pPr>
             <a:r>
-              <a:rPr b="0" lang="fr-FR" sz="1300" spc="-1" strike="noStrike">
-                <a:solidFill>
-                  <a:srgbClr val="000000"/>
-                </a:solidFill>
+              <a:rPr b="0" lang="fr-FR" sz="1800" spc="-1" strike="noStrike">
                 <a:latin typeface="Arial"/>
               </a:rPr>
               <a:t>Fourth Outline Level</a:t>
             </a:r>
-            <a:endParaRPr b="0" lang="fr-FR" sz="1300" spc="-1" strike="noStrike">
-              <a:solidFill>
-                <a:srgbClr val="000000"/>
-              </a:solidFill>
+            <a:endParaRPr b="0" lang="fr-FR" sz="1800" spc="-1" strike="noStrike">
               <a:latin typeface="Arial"/>
             </a:endParaRPr>
           </a:p>
@@ -3849,18 +3545,12 @@
               <a:buChar char=""/>
             </a:pPr>
             <a:r>
-              <a:rPr b="0" lang="fr-FR" sz="1300" spc="-1" strike="noStrike">
-                <a:solidFill>
-                  <a:srgbClr val="000000"/>
-                </a:solidFill>
+              <a:rPr b="0" lang="fr-FR" sz="1800" spc="-1" strike="noStrike">
                 <a:latin typeface="Arial"/>
               </a:rPr>
               <a:t>Fifth Outline Level</a:t>
             </a:r>
-            <a:endParaRPr b="0" lang="fr-FR" sz="1300" spc="-1" strike="noStrike">
-              <a:solidFill>
-                <a:srgbClr val="000000"/>
-              </a:solidFill>
+            <a:endParaRPr b="0" lang="fr-FR" sz="1800" spc="-1" strike="noStrike">
               <a:latin typeface="Arial"/>
             </a:endParaRPr>
           </a:p>
@@ -3877,18 +3567,12 @@
               <a:buChar char=""/>
             </a:pPr>
             <a:r>
-              <a:rPr b="0" lang="fr-FR" sz="1300" spc="-1" strike="noStrike">
-                <a:solidFill>
-                  <a:srgbClr val="000000"/>
-                </a:solidFill>
+              <a:rPr b="0" lang="fr-FR" sz="1800" spc="-1" strike="noStrike">
                 <a:latin typeface="Arial"/>
               </a:rPr>
               <a:t>Sixth Outline Level</a:t>
             </a:r>
-            <a:endParaRPr b="0" lang="fr-FR" sz="1300" spc="-1" strike="noStrike">
-              <a:solidFill>
-                <a:srgbClr val="000000"/>
-              </a:solidFill>
+            <a:endParaRPr b="0" lang="fr-FR" sz="1800" spc="-1" strike="noStrike">
               <a:latin typeface="Arial"/>
             </a:endParaRPr>
           </a:p>
@@ -3905,62 +3589,13 @@
               <a:buChar char=""/>
             </a:pPr>
             <a:r>
-              <a:rPr b="0" lang="fr-FR" sz="1300" spc="-1" strike="noStrike">
-                <a:solidFill>
-                  <a:srgbClr val="000000"/>
-                </a:solidFill>
+              <a:rPr b="0" lang="fr-FR" sz="1800" spc="-1" strike="noStrike">
                 <a:latin typeface="Arial"/>
               </a:rPr>
               <a:t>Seventh Outline Level</a:t>
             </a:r>
-            <a:endParaRPr b="0" lang="fr-FR" sz="1300" spc="-1" strike="noStrike">
-              <a:solidFill>
-                <a:srgbClr val="000000"/>
-              </a:solidFill>
-              <a:latin typeface="Arial"/>
-            </a:endParaRPr>
-          </a:p>
-        </p:txBody>
-      </p:sp>
-      <p:sp>
-        <p:nvSpPr>
-          <p:cNvPr id="49" name="PlaceHolder 7"/>
-          <p:cNvSpPr>
-            <a:spLocks noGrp="1"/>
-          </p:cNvSpPr>
-          <p:nvPr>
-            <p:ph type="sldNum"/>
-          </p:nvPr>
-        </p:nvSpPr>
-        <p:spPr>
-          <a:xfrm>
-            <a:off x="8536320" y="4749840"/>
-            <a:ext cx="548280" cy="393120"/>
-          </a:xfrm>
-          <a:prstGeom prst="rect">
-            <a:avLst/>
-          </a:prstGeom>
-        </p:spPr>
-        <p:txBody>
-          <a:bodyPr tIns="91440" bIns="91440" anchor="ctr"/>
-          <a:p>
-            <a:pPr algn="r">
-              <a:lnSpc>
-                <a:spcPct val="100000"/>
-              </a:lnSpc>
-            </a:pPr>
-            <a:fld id="{6B3FE9BD-3881-42D2-8B46-DAE3149D6407}" type="slidenum">
-              <a:rPr b="0" lang="fr-FR" sz="1000" spc="-1" strike="noStrike">
-                <a:solidFill>
-                  <a:srgbClr val="595959"/>
-                </a:solidFill>
-                <a:latin typeface="Lato"/>
-                <a:ea typeface="Lato"/>
-              </a:rPr>
-              <a:t>1</a:t>
-            </a:fld>
-            <a:endParaRPr b="0" lang="fr-FR" sz="1000" spc="-1" strike="noStrike">
-              <a:latin typeface="Times New Roman"/>
+            <a:endParaRPr b="0" lang="fr-FR" sz="1800" spc="-1" strike="noStrike">
+              <a:latin typeface="Arial"/>
             </a:endParaRPr>
           </a:p>
         </p:txBody>
@@ -4004,14 +3639,14 @@
       </p:grpSpPr>
       <p:sp>
         <p:nvSpPr>
-          <p:cNvPr id="86" name="TextShape 1"/>
-          <p:cNvSpPr txBox="1"/>
+          <p:cNvPr id="84" name="CustomShape 1"/>
+          <p:cNvSpPr/>
           <p:nvPr/>
         </p:nvSpPr>
         <p:spPr>
           <a:xfrm>
             <a:off x="729360" y="1322280"/>
-            <a:ext cx="7687800" cy="1664280"/>
+            <a:ext cx="7687440" cy="1663920"/>
           </a:xfrm>
           <a:prstGeom prst="rect">
             <a:avLst/>
@@ -4021,8 +3656,14 @@
             <a:noFill/>
           </a:ln>
         </p:spPr>
-        <p:txBody>
-          <a:bodyPr tIns="91440" bIns="91440"/>
+        <p:style>
+          <a:lnRef idx="0"/>
+          <a:fillRef idx="0"/>
+          <a:effectRef idx="0"/>
+          <a:fontRef idx="minor"/>
+        </p:style>
+        <p:txBody>
+          <a:bodyPr lIns="90000" rIns="90000" tIns="91440" bIns="91440"/>
           <a:p>
             <a:pPr>
               <a:lnSpc>
@@ -4040,24 +3681,21 @@
               <a:t>Monitoring des parois rocheuses</a:t>
             </a:r>
             <a:endParaRPr b="0" lang="fr-FR" sz="4200" spc="-1" strike="noStrike">
-              <a:solidFill>
-                <a:srgbClr val="000000"/>
-              </a:solidFill>
-              <a:latin typeface="Arial"/>
-            </a:endParaRPr>
-          </a:p>
-        </p:txBody>
-      </p:sp>
-      <p:sp>
-        <p:nvSpPr>
-          <p:cNvPr id="87" name="TextShape 2"/>
-          <p:cNvSpPr txBox="1"/>
+              <a:latin typeface="Arial"/>
+            </a:endParaRPr>
+          </a:p>
+        </p:txBody>
+      </p:sp>
+      <p:sp>
+        <p:nvSpPr>
+          <p:cNvPr id="85" name="CustomShape 2"/>
+          <p:cNvSpPr/>
           <p:nvPr/>
         </p:nvSpPr>
         <p:spPr>
           <a:xfrm>
             <a:off x="729720" y="3173040"/>
-            <a:ext cx="7687800" cy="1664280"/>
+            <a:ext cx="7687440" cy="1663920"/>
           </a:xfrm>
           <a:prstGeom prst="rect">
             <a:avLst/>
@@ -4067,8 +3705,14 @@
             <a:noFill/>
           </a:ln>
         </p:spPr>
-        <p:txBody>
-          <a:bodyPr tIns="91440" bIns="91440"/>
+        <p:style>
+          <a:lnRef idx="0"/>
+          <a:fillRef idx="0"/>
+          <a:effectRef idx="0"/>
+          <a:fontRef idx="minor"/>
+        </p:style>
+        <p:txBody>
+          <a:bodyPr lIns="90000" rIns="90000" tIns="91440" bIns="91440"/>
           <a:p>
             <a:pPr>
               <a:lnSpc>
@@ -4232,7 +3876,7 @@
       </p:grpSpPr>
       <p:pic>
         <p:nvPicPr>
-          <p:cNvPr id="108" name="Google Shape;144;p22" descr=""/>
+          <p:cNvPr id="106" name="Google Shape;144;p22" descr=""/>
           <p:cNvPicPr/>
           <p:nvPr/>
         </p:nvPicPr>
@@ -4243,7 +3887,7 @@
         <p:spPr>
           <a:xfrm>
             <a:off x="4572000" y="1500840"/>
-            <a:ext cx="4571640" cy="3400920"/>
+            <a:ext cx="4571280" cy="3400560"/>
           </a:xfrm>
           <a:prstGeom prst="rect">
             <a:avLst/>
@@ -4255,14 +3899,14 @@
       </p:pic>
       <p:sp>
         <p:nvSpPr>
-          <p:cNvPr id="109" name="CustomShape 1"/>
+          <p:cNvPr id="107" name="CustomShape 1"/>
           <p:cNvSpPr/>
           <p:nvPr/>
         </p:nvSpPr>
         <p:spPr>
           <a:xfrm>
             <a:off x="66960" y="1181160"/>
-            <a:ext cx="4419720" cy="3602520"/>
+            <a:ext cx="4419360" cy="3602160"/>
           </a:xfrm>
           <a:prstGeom prst="rect">
             <a:avLst/>
@@ -4279,9 +3923,9 @@
           <a:fontRef idx="minor"/>
         </p:style>
         <p:txBody>
-          <a:bodyPr tIns="91440" bIns="91440"/>
-          <a:p>
-            <a:pPr marL="457200" indent="-342720">
+          <a:bodyPr lIns="90000" rIns="90000" tIns="91440" bIns="91440"/>
+          <a:p>
+            <a:pPr marL="457200" indent="-342360">
               <a:lnSpc>
                 <a:spcPct val="115000"/>
               </a:lnSpc>
@@ -4316,7 +3960,7 @@
             </a:endParaRPr>
           </a:p>
           <a:p>
-            <a:pPr marL="457200" indent="-342720">
+            <a:pPr marL="457200" indent="-342360">
               <a:lnSpc>
                 <a:spcPct val="115000"/>
               </a:lnSpc>
@@ -4351,7 +3995,7 @@
             </a:endParaRPr>
           </a:p>
           <a:p>
-            <a:pPr marL="457200" indent="-342720">
+            <a:pPr marL="457200" indent="-342360">
               <a:lnSpc>
                 <a:spcPct val="115000"/>
               </a:lnSpc>
@@ -4419,14 +4063,14 @@
       </p:sp>
       <p:sp>
         <p:nvSpPr>
-          <p:cNvPr id="110" name="CustomShape 2"/>
+          <p:cNvPr id="108" name="CustomShape 2"/>
           <p:cNvSpPr/>
           <p:nvPr/>
         </p:nvSpPr>
         <p:spPr>
           <a:xfrm>
             <a:off x="0" y="1204920"/>
-            <a:ext cx="8987400" cy="495720"/>
+            <a:ext cx="8987040" cy="495360"/>
           </a:xfrm>
           <a:prstGeom prst="rect">
             <a:avLst/>
@@ -4445,14 +4089,14 @@
       </p:sp>
       <p:sp>
         <p:nvSpPr>
-          <p:cNvPr id="111" name="CustomShape 3"/>
+          <p:cNvPr id="109" name="CustomShape 3"/>
           <p:cNvSpPr/>
           <p:nvPr/>
         </p:nvSpPr>
         <p:spPr>
           <a:xfrm>
             <a:off x="41040" y="34920"/>
-            <a:ext cx="7459920" cy="396360"/>
+            <a:ext cx="7459560" cy="396000"/>
           </a:xfrm>
           <a:prstGeom prst="rect">
             <a:avLst/>
@@ -4469,7 +4113,7 @@
           <a:fontRef idx="minor"/>
         </p:style>
         <p:txBody>
-          <a:bodyPr tIns="91440" bIns="91440"/>
+          <a:bodyPr lIns="90000" rIns="90000" tIns="91440" bIns="91440"/>
           <a:p>
             <a:pPr>
               <a:lnSpc>
@@ -4504,14 +4148,14 @@
       </p:sp>
       <p:sp>
         <p:nvSpPr>
-          <p:cNvPr id="112" name="TextShape 4"/>
-          <p:cNvSpPr txBox="1"/>
+          <p:cNvPr id="110" name="CustomShape 4"/>
+          <p:cNvSpPr/>
           <p:nvPr/>
         </p:nvSpPr>
         <p:spPr>
           <a:xfrm>
             <a:off x="93600" y="550800"/>
-            <a:ext cx="8800200" cy="534960"/>
+            <a:ext cx="8799840" cy="534600"/>
           </a:xfrm>
           <a:prstGeom prst="rect">
             <a:avLst/>
@@ -4521,8 +4165,14 @@
             <a:noFill/>
           </a:ln>
         </p:spPr>
-        <p:txBody>
-          <a:bodyPr tIns="91440" bIns="91440"/>
+        <p:style>
+          <a:lnRef idx="0"/>
+          <a:fillRef idx="0"/>
+          <a:effectRef idx="0"/>
+          <a:fontRef idx="minor"/>
+        </p:style>
+        <p:txBody>
+          <a:bodyPr lIns="90000" rIns="90000" tIns="91440" bIns="91440"/>
           <a:p>
             <a:pPr>
               <a:lnSpc>
@@ -4603,9 +4253,6 @@
             </a:r>
             <a:br/>
             <a:endParaRPr b="0" lang="fr-FR" sz="1800" spc="-1" strike="noStrike">
-              <a:solidFill>
-                <a:srgbClr val="000000"/>
-              </a:solidFill>
               <a:latin typeface="Arial"/>
             </a:endParaRPr>
           </a:p>
@@ -4662,7 +4309,7 @@
       </p:grpSpPr>
       <p:pic>
         <p:nvPicPr>
-          <p:cNvPr id="113" name="Google Shape;153;p23" descr=""/>
+          <p:cNvPr id="111" name="Google Shape;153;p23" descr=""/>
           <p:cNvPicPr/>
           <p:nvPr/>
         </p:nvPicPr>
@@ -4673,7 +4320,7 @@
         <p:spPr>
           <a:xfrm>
             <a:off x="5532120" y="1446480"/>
-            <a:ext cx="3611520" cy="2571480"/>
+            <a:ext cx="3611160" cy="2571120"/>
           </a:xfrm>
           <a:prstGeom prst="rect">
             <a:avLst/>
@@ -4685,14 +4332,14 @@
       </p:pic>
       <p:sp>
         <p:nvSpPr>
-          <p:cNvPr id="114" name="CustomShape 1"/>
+          <p:cNvPr id="112" name="CustomShape 1"/>
           <p:cNvSpPr/>
           <p:nvPr/>
         </p:nvSpPr>
         <p:spPr>
           <a:xfrm>
             <a:off x="26640" y="1352880"/>
-            <a:ext cx="5116320" cy="3669840"/>
+            <a:ext cx="5115960" cy="3669480"/>
           </a:xfrm>
           <a:prstGeom prst="rect">
             <a:avLst/>
@@ -4709,7 +4356,7 @@
           <a:fontRef idx="minor"/>
         </p:style>
         <p:txBody>
-          <a:bodyPr tIns="91440" bIns="91440"/>
+          <a:bodyPr lIns="90000" rIns="90000" tIns="91440" bIns="91440"/>
           <a:p>
             <a:pPr>
               <a:lnSpc>
@@ -4721,7 +4368,7 @@
             </a:endParaRPr>
           </a:p>
           <a:p>
-            <a:pPr marL="457200" indent="-342720">
+            <a:pPr marL="457200" indent="-342360">
               <a:lnSpc>
                 <a:spcPct val="100000"/>
               </a:lnSpc>
@@ -4756,7 +4403,7 @@
             </a:endParaRPr>
           </a:p>
           <a:p>
-            <a:pPr marL="457200" indent="-342720">
+            <a:pPr marL="457200" indent="-342360">
               <a:lnSpc>
                 <a:spcPct val="100000"/>
               </a:lnSpc>
@@ -4791,7 +4438,7 @@
             </a:endParaRPr>
           </a:p>
           <a:p>
-            <a:pPr marL="457200" indent="-342720">
+            <a:pPr marL="457200" indent="-342360">
               <a:lnSpc>
                 <a:spcPct val="100000"/>
               </a:lnSpc>
@@ -4829,14 +4476,14 @@
       </p:sp>
       <p:sp>
         <p:nvSpPr>
-          <p:cNvPr id="115" name="CustomShape 2"/>
+          <p:cNvPr id="113" name="CustomShape 2"/>
           <p:cNvSpPr/>
           <p:nvPr/>
         </p:nvSpPr>
         <p:spPr>
           <a:xfrm>
             <a:off x="78120" y="647640"/>
-            <a:ext cx="8987400" cy="495720"/>
+            <a:ext cx="8987040" cy="495360"/>
           </a:xfrm>
           <a:prstGeom prst="rect">
             <a:avLst/>
@@ -4853,7 +4500,7 @@
           <a:fontRef idx="minor"/>
         </p:style>
         <p:txBody>
-          <a:bodyPr tIns="91440" bIns="91440"/>
+          <a:bodyPr lIns="90000" rIns="90000" tIns="91440" bIns="91440"/>
           <a:p>
             <a:pPr>
               <a:lnSpc>
@@ -4888,14 +4535,14 @@
       </p:sp>
       <p:sp>
         <p:nvSpPr>
-          <p:cNvPr id="116" name="CustomShape 3"/>
+          <p:cNvPr id="114" name="CustomShape 3"/>
           <p:cNvSpPr/>
           <p:nvPr/>
         </p:nvSpPr>
         <p:spPr>
           <a:xfrm>
             <a:off x="41040" y="34920"/>
-            <a:ext cx="7459920" cy="396360"/>
+            <a:ext cx="7459560" cy="396000"/>
           </a:xfrm>
           <a:prstGeom prst="rect">
             <a:avLst/>
@@ -4912,7 +4559,7 @@
           <a:fontRef idx="minor"/>
         </p:style>
         <p:txBody>
-          <a:bodyPr tIns="91440" bIns="91440"/>
+          <a:bodyPr lIns="90000" rIns="90000" tIns="91440" bIns="91440"/>
           <a:p>
             <a:pPr>
               <a:lnSpc>
@@ -4996,7 +4643,7 @@
       </p:grpSpPr>
       <p:pic>
         <p:nvPicPr>
-          <p:cNvPr id="117" name="Google Shape;161;p24" descr=""/>
+          <p:cNvPr id="115" name="Google Shape;161;p24" descr=""/>
           <p:cNvPicPr/>
           <p:nvPr/>
         </p:nvPicPr>
@@ -5007,7 +4654,7 @@
         <p:spPr>
           <a:xfrm>
             <a:off x="152280" y="1535760"/>
-            <a:ext cx="8838720" cy="3607920"/>
+            <a:ext cx="8838360" cy="3607560"/>
           </a:xfrm>
           <a:prstGeom prst="rect">
             <a:avLst/>
@@ -5019,14 +4666,14 @@
       </p:pic>
       <p:sp>
         <p:nvSpPr>
-          <p:cNvPr id="118" name="CustomShape 1"/>
+          <p:cNvPr id="116" name="CustomShape 1"/>
           <p:cNvSpPr/>
           <p:nvPr/>
         </p:nvSpPr>
         <p:spPr>
           <a:xfrm>
             <a:off x="93600" y="1175760"/>
-            <a:ext cx="4955760" cy="2745720"/>
+            <a:ext cx="4955400" cy="2745360"/>
           </a:xfrm>
           <a:prstGeom prst="rect">
             <a:avLst/>
@@ -5043,9 +4690,9 @@
           <a:fontRef idx="minor"/>
         </p:style>
         <p:txBody>
-          <a:bodyPr tIns="91440" bIns="91440"/>
-          <a:p>
-            <a:pPr marL="457200" indent="-342720">
+          <a:bodyPr lIns="90000" rIns="90000" tIns="91440" bIns="91440"/>
+          <a:p>
+            <a:pPr marL="457200" indent="-342360">
               <a:lnSpc>
                 <a:spcPct val="100000"/>
               </a:lnSpc>
@@ -5080,7 +4727,7 @@
             </a:endParaRPr>
           </a:p>
           <a:p>
-            <a:pPr marL="457200" indent="-342720">
+            <a:pPr marL="457200" indent="-342360">
               <a:lnSpc>
                 <a:spcPct val="100000"/>
               </a:lnSpc>
@@ -5115,7 +4762,7 @@
             </a:endParaRPr>
           </a:p>
           <a:p>
-            <a:pPr marL="457200" indent="-342720">
+            <a:pPr marL="457200" indent="-342360">
               <a:lnSpc>
                 <a:spcPct val="100000"/>
               </a:lnSpc>
@@ -5143,14 +4790,14 @@
       </p:sp>
       <p:sp>
         <p:nvSpPr>
-          <p:cNvPr id="119" name="CustomShape 2"/>
+          <p:cNvPr id="117" name="CustomShape 2"/>
           <p:cNvSpPr/>
           <p:nvPr/>
         </p:nvSpPr>
         <p:spPr>
           <a:xfrm>
             <a:off x="152280" y="643680"/>
-            <a:ext cx="8987400" cy="495720"/>
+            <a:ext cx="8987040" cy="495360"/>
           </a:xfrm>
           <a:prstGeom prst="rect">
             <a:avLst/>
@@ -5167,7 +4814,7 @@
           <a:fontRef idx="minor"/>
         </p:style>
         <p:txBody>
-          <a:bodyPr tIns="91440" bIns="91440"/>
+          <a:bodyPr lIns="90000" rIns="90000" tIns="91440" bIns="91440"/>
           <a:p>
             <a:pPr>
               <a:lnSpc>
@@ -5202,14 +4849,14 @@
       </p:sp>
       <p:sp>
         <p:nvSpPr>
-          <p:cNvPr id="120" name="CustomShape 3"/>
+          <p:cNvPr id="118" name="CustomShape 3"/>
           <p:cNvSpPr/>
           <p:nvPr/>
         </p:nvSpPr>
         <p:spPr>
           <a:xfrm>
             <a:off x="41040" y="34920"/>
-            <a:ext cx="7459920" cy="396360"/>
+            <a:ext cx="7459560" cy="396000"/>
           </a:xfrm>
           <a:prstGeom prst="rect">
             <a:avLst/>
@@ -5226,7 +4873,7 @@
           <a:fontRef idx="minor"/>
         </p:style>
         <p:txBody>
-          <a:bodyPr tIns="91440" bIns="91440"/>
+          <a:bodyPr lIns="90000" rIns="90000" tIns="91440" bIns="91440"/>
           <a:p>
             <a:pPr>
               <a:lnSpc>
@@ -5310,14 +4957,14 @@
       </p:grpSpPr>
       <p:sp>
         <p:nvSpPr>
-          <p:cNvPr id="121" name="TextShape 1"/>
-          <p:cNvSpPr txBox="1"/>
+          <p:cNvPr id="119" name="CustomShape 1"/>
+          <p:cNvSpPr/>
           <p:nvPr/>
         </p:nvSpPr>
         <p:spPr>
           <a:xfrm>
             <a:off x="727560" y="2125800"/>
-            <a:ext cx="7688520" cy="534960"/>
+            <a:ext cx="7688160" cy="534600"/>
           </a:xfrm>
           <a:prstGeom prst="rect">
             <a:avLst/>
@@ -5327,8 +4974,14 @@
             <a:noFill/>
           </a:ln>
         </p:spPr>
-        <p:txBody>
-          <a:bodyPr tIns="91440" bIns="91440"/>
+        <p:style>
+          <a:lnRef idx="0"/>
+          <a:fillRef idx="0"/>
+          <a:effectRef idx="0"/>
+          <a:fontRef idx="minor"/>
+        </p:style>
+        <p:txBody>
+          <a:bodyPr lIns="90000" rIns="90000" tIns="91440" bIns="91440"/>
           <a:p>
             <a:pPr algn="ctr">
               <a:lnSpc>
@@ -5346,9 +4999,6 @@
               <a:t>Architecture</a:t>
             </a:r>
             <a:endParaRPr b="0" lang="fr-FR" sz="3000" spc="-1" strike="noStrike">
-              <a:solidFill>
-                <a:srgbClr val="000000"/>
-              </a:solidFill>
               <a:latin typeface="Arial"/>
             </a:endParaRPr>
           </a:p>
@@ -5405,14 +5055,14 @@
       </p:grpSpPr>
       <p:sp>
         <p:nvSpPr>
-          <p:cNvPr id="122" name="CustomShape 1"/>
+          <p:cNvPr id="120" name="CustomShape 1"/>
           <p:cNvSpPr/>
           <p:nvPr/>
         </p:nvSpPr>
         <p:spPr>
           <a:xfrm>
             <a:off x="54720" y="34920"/>
-            <a:ext cx="2968200" cy="464760"/>
+            <a:ext cx="2967840" cy="464400"/>
           </a:xfrm>
           <a:prstGeom prst="rect">
             <a:avLst/>
@@ -5429,7 +5079,7 @@
           <a:fontRef idx="minor"/>
         </p:style>
         <p:txBody>
-          <a:bodyPr tIns="91440" bIns="91440"/>
+          <a:bodyPr lIns="90000" rIns="90000" tIns="91440" bIns="91440"/>
           <a:p>
             <a:pPr>
               <a:lnSpc>
@@ -5454,14 +5104,14 @@
       </p:sp>
       <p:sp>
         <p:nvSpPr>
-          <p:cNvPr id="123" name="CustomShape 2"/>
+          <p:cNvPr id="121" name="CustomShape 2"/>
           <p:cNvSpPr/>
           <p:nvPr/>
         </p:nvSpPr>
         <p:spPr>
           <a:xfrm>
             <a:off x="38880" y="964440"/>
-            <a:ext cx="2999520" cy="696240"/>
+            <a:ext cx="2999160" cy="695880"/>
           </a:xfrm>
           <a:prstGeom prst="rect">
             <a:avLst/>
@@ -5478,7 +5128,7 @@
           <a:fontRef idx="minor"/>
         </p:style>
         <p:txBody>
-          <a:bodyPr tIns="91440" bIns="91440"/>
+          <a:bodyPr lIns="90000" rIns="90000" tIns="91440" bIns="91440"/>
           <a:p>
             <a:pPr>
               <a:lnSpc>
@@ -5503,7 +5153,7 @@
       </p:sp>
       <p:pic>
         <p:nvPicPr>
-          <p:cNvPr id="124" name="Google Shape;176;p26" descr=""/>
+          <p:cNvPr id="122" name="Google Shape;176;p26" descr=""/>
           <p:cNvPicPr/>
           <p:nvPr/>
         </p:nvPicPr>
@@ -5514,7 +5164,7 @@
         <p:spPr>
           <a:xfrm>
             <a:off x="5334120" y="795240"/>
-            <a:ext cx="3809520" cy="4066920"/>
+            <a:ext cx="3809160" cy="4066560"/>
           </a:xfrm>
           <a:prstGeom prst="rect">
             <a:avLst/>
@@ -5526,14 +5176,14 @@
       </p:pic>
       <p:sp>
         <p:nvSpPr>
-          <p:cNvPr id="125" name="CustomShape 3"/>
+          <p:cNvPr id="123" name="CustomShape 3"/>
           <p:cNvSpPr/>
           <p:nvPr/>
         </p:nvSpPr>
         <p:spPr>
           <a:xfrm>
             <a:off x="-30960" y="1296000"/>
-            <a:ext cx="5509080" cy="3267360"/>
+            <a:ext cx="5508720" cy="3267000"/>
           </a:xfrm>
           <a:prstGeom prst="rect">
             <a:avLst/>
@@ -5550,9 +5200,9 @@
           <a:fontRef idx="minor"/>
         </p:style>
         <p:txBody>
-          <a:bodyPr tIns="91440" bIns="91440"/>
-          <a:p>
-            <a:pPr marL="457200" indent="-317160">
+          <a:bodyPr lIns="90000" rIns="90000" tIns="91440" bIns="91440"/>
+          <a:p>
+            <a:pPr marL="457200" indent="-316800">
               <a:lnSpc>
                 <a:spcPct val="115000"/>
               </a:lnSpc>
@@ -5580,11 +5230,10 @@
             </a:r>
             <a:endParaRPr b="0" lang="fr-FR" sz="1300" spc="-1" strike="noStrike">
               <a:latin typeface="Arial"/>
-              <a:ea typeface="Noto Sans CJK SC"/>
-            </a:endParaRPr>
-          </a:p>
-          <a:p>
-            <a:pPr marL="457200" indent="-317160">
+            </a:endParaRPr>
+          </a:p>
+          <a:p>
+            <a:pPr marL="457200" indent="-316800">
               <a:lnSpc>
                 <a:spcPct val="115000"/>
               </a:lnSpc>
@@ -5612,11 +5261,10 @@
             </a:r>
             <a:endParaRPr b="0" lang="fr-FR" sz="1300" spc="-1" strike="noStrike">
               <a:latin typeface="Arial"/>
-              <a:ea typeface="Noto Sans CJK SC"/>
-            </a:endParaRPr>
-          </a:p>
-          <a:p>
-            <a:pPr marL="457200" indent="-317160">
+            </a:endParaRPr>
+          </a:p>
+          <a:p>
+            <a:pPr marL="457200" indent="-316800">
               <a:lnSpc>
                 <a:spcPct val="115000"/>
               </a:lnSpc>
@@ -5644,11 +5292,10 @@
             </a:r>
             <a:endParaRPr b="0" lang="fr-FR" sz="1300" spc="-1" strike="noStrike">
               <a:latin typeface="Arial"/>
-              <a:ea typeface="Noto Sans CJK SC"/>
-            </a:endParaRPr>
-          </a:p>
-          <a:p>
-            <a:pPr marL="457200" indent="-317160">
+            </a:endParaRPr>
+          </a:p>
+          <a:p>
+            <a:pPr marL="457200" indent="-316800">
               <a:lnSpc>
                 <a:spcPct val="115000"/>
               </a:lnSpc>
@@ -5676,11 +5323,10 @@
             </a:r>
             <a:endParaRPr b="0" lang="fr-FR" sz="1300" spc="-1" strike="noStrike">
               <a:latin typeface="Arial"/>
-              <a:ea typeface="Noto Sans CJK SC"/>
-            </a:endParaRPr>
-          </a:p>
-          <a:p>
-            <a:pPr marL="457200" indent="-317160">
+            </a:endParaRPr>
+          </a:p>
+          <a:p>
+            <a:pPr marL="457200" indent="-316800">
               <a:lnSpc>
                 <a:spcPct val="115000"/>
               </a:lnSpc>
@@ -5708,11 +5354,10 @@
             </a:r>
             <a:endParaRPr b="0" lang="fr-FR" sz="1300" spc="-1" strike="noStrike">
               <a:latin typeface="Arial"/>
-              <a:ea typeface="Noto Sans CJK SC"/>
-            </a:endParaRPr>
-          </a:p>
-          <a:p>
-            <a:pPr marL="457200" indent="-317160">
+            </a:endParaRPr>
+          </a:p>
+          <a:p>
+            <a:pPr marL="457200" indent="-316800">
               <a:lnSpc>
                 <a:spcPct val="115000"/>
               </a:lnSpc>
@@ -5740,11 +5385,10 @@
             </a:r>
             <a:endParaRPr b="0" lang="fr-FR" sz="1300" spc="-1" strike="noStrike">
               <a:latin typeface="Arial"/>
-              <a:ea typeface="Noto Sans CJK SC"/>
-            </a:endParaRPr>
-          </a:p>
-          <a:p>
-            <a:pPr marL="457200" indent="-317160">
+            </a:endParaRPr>
+          </a:p>
+          <a:p>
+            <a:pPr marL="457200" indent="-316800">
               <a:lnSpc>
                 <a:spcPct val="115000"/>
               </a:lnSpc>
@@ -5772,7 +5416,6 @@
             </a:r>
             <a:endParaRPr b="0" lang="fr-FR" sz="1300" spc="-1" strike="noStrike">
               <a:latin typeface="Arial"/>
-              <a:ea typeface="Noto Sans CJK SC"/>
             </a:endParaRPr>
           </a:p>
           <a:p>
@@ -5838,14 +5481,14 @@
       </p:grpSpPr>
       <p:sp>
         <p:nvSpPr>
-          <p:cNvPr id="126" name="TextShape 1"/>
-          <p:cNvSpPr txBox="1"/>
+          <p:cNvPr id="124" name="CustomShape 1"/>
+          <p:cNvSpPr/>
           <p:nvPr/>
         </p:nvSpPr>
         <p:spPr>
           <a:xfrm>
             <a:off x="727560" y="2125800"/>
-            <a:ext cx="7688520" cy="1475640"/>
+            <a:ext cx="7688160" cy="1475280"/>
           </a:xfrm>
           <a:prstGeom prst="rect">
             <a:avLst/>
@@ -5855,8 +5498,14 @@
             <a:noFill/>
           </a:ln>
         </p:spPr>
-        <p:txBody>
-          <a:bodyPr tIns="91440" bIns="91440"/>
+        <p:style>
+          <a:lnRef idx="0"/>
+          <a:fillRef idx="0"/>
+          <a:effectRef idx="0"/>
+          <a:fontRef idx="minor"/>
+        </p:style>
+        <p:txBody>
+          <a:bodyPr lIns="90000" rIns="90000" tIns="91440" bIns="91440"/>
           <a:p>
             <a:pPr algn="ctr">
               <a:lnSpc>
@@ -5874,9 +5523,6 @@
               <a:t>Les problèmes rencontrés et les solutions élaborées</a:t>
             </a:r>
             <a:endParaRPr b="0" lang="fr-FR" sz="3000" spc="-1" strike="noStrike">
-              <a:solidFill>
-                <a:srgbClr val="000000"/>
-              </a:solidFill>
               <a:latin typeface="Arial"/>
             </a:endParaRPr>
           </a:p>
@@ -5933,14 +5579,14 @@
       </p:grpSpPr>
       <p:sp>
         <p:nvSpPr>
-          <p:cNvPr id="127" name="TextShape 1"/>
-          <p:cNvSpPr txBox="1"/>
+          <p:cNvPr id="125" name="CustomShape 1"/>
+          <p:cNvSpPr/>
           <p:nvPr/>
         </p:nvSpPr>
         <p:spPr>
           <a:xfrm>
             <a:off x="727560" y="2125800"/>
-            <a:ext cx="7688520" cy="1475640"/>
+            <a:ext cx="7688160" cy="1475280"/>
           </a:xfrm>
           <a:prstGeom prst="rect">
             <a:avLst/>
@@ -5950,8 +5596,14 @@
             <a:noFill/>
           </a:ln>
         </p:spPr>
-        <p:txBody>
-          <a:bodyPr tIns="91440" bIns="91440"/>
+        <p:style>
+          <a:lnRef idx="0"/>
+          <a:fillRef idx="0"/>
+          <a:effectRef idx="0"/>
+          <a:fontRef idx="minor"/>
+        </p:style>
+        <p:txBody>
+          <a:bodyPr lIns="90000" rIns="90000" tIns="91440" bIns="91440"/>
           <a:p>
             <a:pPr algn="ctr">
               <a:lnSpc>
@@ -5969,9 +5621,6 @@
               <a:t>Les perspectives possibles</a:t>
             </a:r>
             <a:endParaRPr b="0" lang="fr-FR" sz="3000" spc="-1" strike="noStrike">
-              <a:solidFill>
-                <a:srgbClr val="000000"/>
-              </a:solidFill>
               <a:latin typeface="Arial"/>
             </a:endParaRPr>
           </a:p>
@@ -6028,14 +5677,14 @@
       </p:grpSpPr>
       <p:sp>
         <p:nvSpPr>
-          <p:cNvPr id="128" name="CustomShape 1"/>
+          <p:cNvPr id="126" name="CustomShape 1"/>
           <p:cNvSpPr/>
           <p:nvPr/>
         </p:nvSpPr>
         <p:spPr>
           <a:xfrm>
             <a:off x="207360" y="2202480"/>
-            <a:ext cx="8641080" cy="2671920"/>
+            <a:ext cx="8640720" cy="2671560"/>
           </a:xfrm>
           <a:prstGeom prst="rect">
             <a:avLst/>
@@ -6052,9 +5701,9 @@
           <a:fontRef idx="minor"/>
         </p:style>
         <p:txBody>
-          <a:bodyPr tIns="91440" bIns="91440"/>
-          <a:p>
-            <a:pPr marL="457200" indent="-342720">
+          <a:bodyPr lIns="90000" rIns="90000" tIns="91440" bIns="91440"/>
+          <a:p>
+            <a:pPr marL="457200" indent="-342360">
               <a:lnSpc>
                 <a:spcPct val="150000"/>
               </a:lnSpc>
@@ -6079,7 +5728,7 @@
             </a:endParaRPr>
           </a:p>
           <a:p>
-            <a:pPr marL="457200" indent="-342720">
+            <a:pPr marL="457200" indent="-342360">
               <a:lnSpc>
                 <a:spcPct val="150000"/>
               </a:lnSpc>
@@ -6104,7 +5753,7 @@
             </a:endParaRPr>
           </a:p>
           <a:p>
-            <a:pPr marL="457200" indent="-342720">
+            <a:pPr marL="457200" indent="-342360">
               <a:lnSpc>
                 <a:spcPct val="150000"/>
               </a:lnSpc>
@@ -6132,14 +5781,14 @@
       </p:sp>
       <p:sp>
         <p:nvSpPr>
-          <p:cNvPr id="129" name="CustomShape 2"/>
+          <p:cNvPr id="127" name="CustomShape 2"/>
           <p:cNvSpPr/>
           <p:nvPr/>
         </p:nvSpPr>
         <p:spPr>
           <a:xfrm>
             <a:off x="0" y="0"/>
-            <a:ext cx="9055800" cy="712080"/>
+            <a:ext cx="9055440" cy="711720"/>
           </a:xfrm>
           <a:prstGeom prst="rect">
             <a:avLst/>
@@ -6156,7 +5805,7 @@
           <a:fontRef idx="minor"/>
         </p:style>
         <p:txBody>
-          <a:bodyPr tIns="91440" bIns="91440"/>
+          <a:bodyPr lIns="90000" rIns="90000" tIns="91440" bIns="91440"/>
           <a:p>
             <a:pPr>
               <a:lnSpc>
@@ -6230,14 +5879,14 @@
       </p:grpSpPr>
       <p:sp>
         <p:nvSpPr>
-          <p:cNvPr id="130" name="CustomShape 1"/>
+          <p:cNvPr id="128" name="CustomShape 1"/>
           <p:cNvSpPr/>
           <p:nvPr/>
         </p:nvSpPr>
         <p:spPr>
           <a:xfrm>
             <a:off x="1425240" y="1360440"/>
-            <a:ext cx="7337880" cy="855720"/>
+            <a:ext cx="7337520" cy="855360"/>
           </a:xfrm>
           <a:prstGeom prst="rect">
             <a:avLst/>
@@ -6256,14 +5905,14 @@
       </p:sp>
       <p:sp>
         <p:nvSpPr>
-          <p:cNvPr id="131" name="CustomShape 2"/>
+          <p:cNvPr id="129" name="CustomShape 2"/>
           <p:cNvSpPr/>
           <p:nvPr/>
         </p:nvSpPr>
         <p:spPr>
           <a:xfrm>
             <a:off x="401760" y="1217880"/>
-            <a:ext cx="8421120" cy="3730680"/>
+            <a:ext cx="8420760" cy="3730320"/>
           </a:xfrm>
           <a:prstGeom prst="rect">
             <a:avLst/>
@@ -6280,7 +5929,7 @@
           <a:fontRef idx="minor"/>
         </p:style>
         <p:txBody>
-          <a:bodyPr tIns="91440" bIns="91440"/>
+          <a:bodyPr lIns="90000" rIns="90000" tIns="91440" bIns="91440"/>
           <a:p>
             <a:pPr>
               <a:lnSpc>
@@ -6292,7 +5941,7 @@
             </a:endParaRPr>
           </a:p>
           <a:p>
-            <a:pPr marL="457200" indent="-342720">
+            <a:pPr marL="457200" indent="-342360">
               <a:lnSpc>
                 <a:spcPct val="200000"/>
               </a:lnSpc>
@@ -6317,7 +5966,7 @@
             </a:endParaRPr>
           </a:p>
           <a:p>
-            <a:pPr marL="457200" indent="-317160">
+            <a:pPr marL="457200" indent="-316800">
               <a:lnSpc>
                 <a:spcPct val="150000"/>
               </a:lnSpc>
@@ -6342,7 +5991,7 @@
             </a:endParaRPr>
           </a:p>
           <a:p>
-            <a:pPr marL="457200" indent="-317160">
+            <a:pPr marL="457200" indent="-316800">
               <a:lnSpc>
                 <a:spcPct val="150000"/>
               </a:lnSpc>
@@ -6367,7 +6016,7 @@
             </a:endParaRPr>
           </a:p>
           <a:p>
-            <a:pPr marL="457200" indent="-317160">
+            <a:pPr marL="457200" indent="-316800">
               <a:lnSpc>
                 <a:spcPct val="150000"/>
               </a:lnSpc>
@@ -6392,7 +6041,7 @@
             </a:endParaRPr>
           </a:p>
           <a:p>
-            <a:pPr marL="457200" indent="-317160">
+            <a:pPr marL="457200" indent="-316800">
               <a:lnSpc>
                 <a:spcPct val="150000"/>
               </a:lnSpc>
@@ -6417,7 +6066,7 @@
             </a:endParaRPr>
           </a:p>
           <a:p>
-            <a:pPr marL="457200" indent="-342720">
+            <a:pPr marL="457200" indent="-342360">
               <a:lnSpc>
                 <a:spcPct val="200000"/>
               </a:lnSpc>
@@ -6442,7 +6091,7 @@
             </a:endParaRPr>
           </a:p>
           <a:p>
-            <a:pPr marL="457200" indent="-317160">
+            <a:pPr marL="457200" indent="-316800">
               <a:lnSpc>
                 <a:spcPct val="200000"/>
               </a:lnSpc>
@@ -6467,7 +6116,7 @@
             </a:endParaRPr>
           </a:p>
           <a:p>
-            <a:pPr marL="457200" indent="-317160">
+            <a:pPr marL="457200" indent="-316800">
               <a:lnSpc>
                 <a:spcPct val="200000"/>
               </a:lnSpc>
@@ -6525,14 +6174,14 @@
       </p:sp>
       <p:sp>
         <p:nvSpPr>
-          <p:cNvPr id="132" name="CustomShape 3"/>
+          <p:cNvPr id="130" name="CustomShape 3"/>
           <p:cNvSpPr/>
           <p:nvPr/>
         </p:nvSpPr>
         <p:spPr>
           <a:xfrm>
             <a:off x="0" y="0"/>
-            <a:ext cx="9055800" cy="712080"/>
+            <a:ext cx="9055440" cy="711720"/>
           </a:xfrm>
           <a:prstGeom prst="rect">
             <a:avLst/>
@@ -6549,7 +6198,7 @@
           <a:fontRef idx="minor"/>
         </p:style>
         <p:txBody>
-          <a:bodyPr tIns="91440" bIns="91440"/>
+          <a:bodyPr lIns="90000" rIns="90000" tIns="91440" bIns="91440"/>
           <a:p>
             <a:pPr>
               <a:lnSpc>
@@ -6623,14 +6272,14 @@
       </p:grpSpPr>
       <p:sp>
         <p:nvSpPr>
-          <p:cNvPr id="133" name="TextShape 1"/>
-          <p:cNvSpPr txBox="1"/>
+          <p:cNvPr id="131" name="CustomShape 1"/>
+          <p:cNvSpPr/>
           <p:nvPr/>
         </p:nvSpPr>
         <p:spPr>
           <a:xfrm>
             <a:off x="727560" y="2125800"/>
-            <a:ext cx="7688520" cy="1475640"/>
+            <a:ext cx="7688160" cy="1475280"/>
           </a:xfrm>
           <a:prstGeom prst="rect">
             <a:avLst/>
@@ -6640,8 +6289,14 @@
             <a:noFill/>
           </a:ln>
         </p:spPr>
-        <p:txBody>
-          <a:bodyPr tIns="91440" bIns="91440"/>
+        <p:style>
+          <a:lnRef idx="0"/>
+          <a:fillRef idx="0"/>
+          <a:effectRef idx="0"/>
+          <a:fontRef idx="minor"/>
+        </p:style>
+        <p:txBody>
+          <a:bodyPr lIns="90000" rIns="90000" tIns="91440" bIns="91440"/>
           <a:p>
             <a:pPr algn="ctr">
               <a:lnSpc>
@@ -6659,9 +6314,46 @@
               <a:t>Conclusion</a:t>
             </a:r>
             <a:endParaRPr b="0" lang="fr-FR" sz="3000" spc="-1" strike="noStrike">
-              <a:solidFill>
-                <a:srgbClr val="000000"/>
-              </a:solidFill>
+              <a:latin typeface="Arial"/>
+            </a:endParaRPr>
+          </a:p>
+          <a:p>
+            <a:pPr algn="ctr">
+              <a:lnSpc>
+                <a:spcPct val="150000"/>
+              </a:lnSpc>
+            </a:pPr>
+            <a:r>
+              <a:rPr b="0" lang="fr-FR" sz="3000" spc="-1" strike="noStrike">
+                <a:solidFill>
+                  <a:srgbClr val="000000"/>
+                </a:solidFill>
+                <a:latin typeface="Arial"/>
+                <a:ea typeface="Arial"/>
+              </a:rPr>
+              <a:t>Lien Présentation :</a:t>
+            </a:r>
+            <a:endParaRPr b="0" lang="fr-FR" sz="3000" spc="-1" strike="noStrike">
+              <a:latin typeface="Arial"/>
+            </a:endParaRPr>
+          </a:p>
+          <a:p>
+            <a:pPr algn="ctr">
+              <a:lnSpc>
+                <a:spcPct val="150000"/>
+              </a:lnSpc>
+            </a:pPr>
+            <a:r>
+              <a:rPr b="0" lang="fr-FR" sz="3000" spc="-1" strike="noStrike">
+                <a:solidFill>
+                  <a:srgbClr val="000000"/>
+                </a:solidFill>
+                <a:latin typeface="Arial"/>
+                <a:ea typeface="Arial"/>
+              </a:rPr>
+              <a:t>https://www.youtube.com/watch?v=hQCbZv1q7qw&amp;feature=youtu.be</a:t>
+            </a:r>
+            <a:endParaRPr b="0" lang="fr-FR" sz="3000" spc="-1" strike="noStrike">
               <a:latin typeface="Arial"/>
             </a:endParaRPr>
           </a:p>
@@ -6718,14 +6410,14 @@
       </p:grpSpPr>
       <p:sp>
         <p:nvSpPr>
-          <p:cNvPr id="88" name="TextShape 1"/>
-          <p:cNvSpPr txBox="1"/>
+          <p:cNvPr id="86" name="CustomShape 1"/>
+          <p:cNvSpPr/>
           <p:nvPr/>
         </p:nvSpPr>
         <p:spPr>
           <a:xfrm>
             <a:off x="0" y="437760"/>
-            <a:ext cx="7688520" cy="534960"/>
+            <a:ext cx="7688160" cy="534600"/>
           </a:xfrm>
           <a:prstGeom prst="rect">
             <a:avLst/>
@@ -6735,8 +6427,14 @@
             <a:noFill/>
           </a:ln>
         </p:spPr>
-        <p:txBody>
-          <a:bodyPr tIns="91440" bIns="91440"/>
+        <p:style>
+          <a:lnRef idx="0"/>
+          <a:fillRef idx="0"/>
+          <a:effectRef idx="0"/>
+          <a:fontRef idx="minor"/>
+        </p:style>
+        <p:txBody>
+          <a:bodyPr lIns="90000" rIns="90000" tIns="91440" bIns="91440"/>
           <a:p>
             <a:pPr>
               <a:lnSpc>
@@ -6755,24 +6453,21 @@
             </a:r>
             <a:br/>
             <a:endParaRPr b="0" lang="fr-FR" sz="4200" spc="-1" strike="noStrike">
-              <a:solidFill>
-                <a:srgbClr val="000000"/>
-              </a:solidFill>
-              <a:latin typeface="Arial"/>
-            </a:endParaRPr>
-          </a:p>
-        </p:txBody>
-      </p:sp>
-      <p:sp>
-        <p:nvSpPr>
-          <p:cNvPr id="89" name="CustomShape 2"/>
+              <a:latin typeface="Arial"/>
+            </a:endParaRPr>
+          </a:p>
+        </p:txBody>
+      </p:sp>
+      <p:sp>
+        <p:nvSpPr>
+          <p:cNvPr id="87" name="CustomShape 2"/>
           <p:cNvSpPr/>
           <p:nvPr/>
         </p:nvSpPr>
         <p:spPr>
           <a:xfrm>
             <a:off x="242640" y="1348200"/>
-            <a:ext cx="8768160" cy="3672000"/>
+            <a:ext cx="8767800" cy="3671640"/>
           </a:xfrm>
           <a:prstGeom prst="rect">
             <a:avLst/>
@@ -6794,9 +6489,9 @@
           <a:fontRef idx="minor"/>
         </p:style>
         <p:txBody>
-          <a:bodyPr tIns="91440" bIns="91440"/>
-          <a:p>
-            <a:pPr marL="457200" indent="-342720">
+          <a:bodyPr lIns="90000" rIns="90000" tIns="91440" bIns="91440"/>
+          <a:p>
+            <a:pPr marL="457200" indent="-342360">
               <a:lnSpc>
                 <a:spcPct val="150000"/>
               </a:lnSpc>
@@ -6821,7 +6516,7 @@
             </a:endParaRPr>
           </a:p>
           <a:p>
-            <a:pPr marL="457200" indent="-342720">
+            <a:pPr marL="457200" indent="-342360">
               <a:lnSpc>
                 <a:spcPct val="150000"/>
               </a:lnSpc>
@@ -6846,7 +6541,7 @@
             </a:endParaRPr>
           </a:p>
           <a:p>
-            <a:pPr marL="457200" indent="-342720">
+            <a:pPr marL="457200" indent="-342360">
               <a:lnSpc>
                 <a:spcPct val="150000"/>
               </a:lnSpc>
@@ -6871,7 +6566,7 @@
             </a:endParaRPr>
           </a:p>
           <a:p>
-            <a:pPr marL="457200" indent="-342720">
+            <a:pPr marL="457200" indent="-342360">
               <a:lnSpc>
                 <a:spcPct val="150000"/>
               </a:lnSpc>
@@ -6896,7 +6591,7 @@
             </a:endParaRPr>
           </a:p>
           <a:p>
-            <a:pPr marL="457200" indent="-342720">
+            <a:pPr marL="457200" indent="-342360">
               <a:lnSpc>
                 <a:spcPct val="150000"/>
               </a:lnSpc>
@@ -6921,7 +6616,7 @@
             </a:endParaRPr>
           </a:p>
           <a:p>
-            <a:pPr marL="457200" indent="-342720">
+            <a:pPr marL="457200" indent="-342360">
               <a:lnSpc>
                 <a:spcPct val="150000"/>
               </a:lnSpc>
@@ -6946,7 +6641,7 @@
             </a:endParaRPr>
           </a:p>
           <a:p>
-            <a:pPr marL="457200" indent="-342720">
+            <a:pPr marL="457200" indent="-342360">
               <a:lnSpc>
                 <a:spcPct val="150000"/>
               </a:lnSpc>
@@ -7033,14 +6728,14 @@
       </p:grpSpPr>
       <p:sp>
         <p:nvSpPr>
-          <p:cNvPr id="90" name="TextShape 1"/>
-          <p:cNvSpPr txBox="1"/>
+          <p:cNvPr id="88" name="CustomShape 1"/>
+          <p:cNvSpPr/>
           <p:nvPr/>
         </p:nvSpPr>
         <p:spPr>
           <a:xfrm>
             <a:off x="727560" y="2304000"/>
-            <a:ext cx="7688520" cy="534960"/>
+            <a:ext cx="7688160" cy="534600"/>
           </a:xfrm>
           <a:prstGeom prst="rect">
             <a:avLst/>
@@ -7050,8 +6745,14 @@
             <a:noFill/>
           </a:ln>
         </p:spPr>
-        <p:txBody>
-          <a:bodyPr tIns="91440" bIns="91440"/>
+        <p:style>
+          <a:lnRef idx="0"/>
+          <a:fillRef idx="0"/>
+          <a:effectRef idx="0"/>
+          <a:fontRef idx="minor"/>
+        </p:style>
+        <p:txBody>
+          <a:bodyPr lIns="90000" rIns="90000" tIns="91440" bIns="91440"/>
           <a:p>
             <a:pPr marL="457200" algn="ctr">
               <a:lnSpc>
@@ -7069,9 +6770,6 @@
               <a:t>Introduction</a:t>
             </a:r>
             <a:endParaRPr b="0" lang="fr-FR" sz="3000" spc="-1" strike="noStrike">
-              <a:solidFill>
-                <a:srgbClr val="000000"/>
-              </a:solidFill>
               <a:latin typeface="Arial"/>
             </a:endParaRPr>
           </a:p>
@@ -7128,265 +6826,14 @@
       </p:grpSpPr>
       <p:sp>
         <p:nvSpPr>
-          <p:cNvPr id="91" name="TextShape 1"/>
-          <p:cNvSpPr txBox="1"/>
-          <p:nvPr/>
-        </p:nvSpPr>
-        <p:spPr>
-          <a:xfrm>
-            <a:off x="100080" y="579960"/>
-            <a:ext cx="7688520" cy="534960"/>
-          </a:xfrm>
-          <a:prstGeom prst="rect">
-            <a:avLst/>
-          </a:prstGeom>
-          <a:noFill/>
-          <a:ln>
-            <a:noFill/>
-          </a:ln>
-        </p:spPr>
-        <p:txBody>
-          <a:bodyPr tIns="91440" bIns="91440"/>
-          <a:p>
-            <a:pPr>
-              <a:lnSpc>
-                <a:spcPct val="100000"/>
-              </a:lnSpc>
-            </a:pPr>
-            <a:r>
-              <a:rPr b="0" lang="fr-FR" sz="3000" spc="-1" strike="noStrike">
-                <a:solidFill>
-                  <a:srgbClr val="1a1a1a"/>
-                </a:solidFill>
-                <a:latin typeface="Arial"/>
-                <a:ea typeface="Arial"/>
-              </a:rPr>
-              <a:t>Objectif</a:t>
-            </a:r>
-            <a:r>
-              <a:rPr b="0" lang="fr-FR" sz="1800" spc="-1" strike="noStrike">
-                <a:solidFill>
-                  <a:srgbClr val="1a1a1a"/>
-                </a:solidFill>
-                <a:latin typeface="Arial"/>
-                <a:ea typeface="Arial"/>
-              </a:rPr>
-              <a:t> :  </a:t>
-            </a:r>
-            <a:br/>
-            <a:br/>
-            <a:endParaRPr b="0" lang="fr-FR" sz="1800" spc="-1" strike="noStrike">
-              <a:solidFill>
-                <a:srgbClr val="000000"/>
-              </a:solidFill>
-              <a:latin typeface="Arial"/>
-            </a:endParaRPr>
-          </a:p>
-        </p:txBody>
-      </p:sp>
-      <p:sp>
-        <p:nvSpPr>
-          <p:cNvPr id="92" name="TextShape 2"/>
-          <p:cNvSpPr txBox="1"/>
-          <p:nvPr/>
-        </p:nvSpPr>
-        <p:spPr>
-          <a:xfrm>
-            <a:off x="273600" y="1436400"/>
-            <a:ext cx="8576640" cy="3501720"/>
-          </a:xfrm>
-          <a:prstGeom prst="rect">
-            <a:avLst/>
-          </a:prstGeom>
-          <a:noFill/>
-          <a:ln>
-            <a:noFill/>
-          </a:ln>
-        </p:spPr>
-        <p:txBody>
-          <a:bodyPr tIns="91440" bIns="91440"/>
-          <a:p>
-            <a:pPr marL="457200" indent="-380520">
-              <a:lnSpc>
-                <a:spcPct val="150000"/>
-              </a:lnSpc>
-              <a:buClr>
-                <a:srgbClr val="000000"/>
-              </a:buClr>
-              <a:buFont typeface="Arial"/>
-              <a:buChar char="➢"/>
-            </a:pPr>
-            <a:r>
-              <a:rPr b="0" lang="fr-FR" sz="2400" spc="-1" strike="noStrike">
-                <a:solidFill>
-                  <a:srgbClr val="000000"/>
-                </a:solidFill>
-                <a:latin typeface="Arial"/>
-                <a:ea typeface="Arial"/>
-              </a:rPr>
-              <a:t>Connecter des capteurs (de distance, température et humidité)</a:t>
-            </a:r>
-            <a:endParaRPr b="0" lang="fr-FR" sz="2400" spc="-1" strike="noStrike">
-              <a:solidFill>
-                <a:srgbClr val="000000"/>
-              </a:solidFill>
-              <a:latin typeface="Arial"/>
-            </a:endParaRPr>
-          </a:p>
-          <a:p>
-            <a:pPr marL="457200" indent="-380520">
-              <a:lnSpc>
-                <a:spcPct val="150000"/>
-              </a:lnSpc>
-              <a:buClr>
-                <a:srgbClr val="000000"/>
-              </a:buClr>
-              <a:buFont typeface="Arial"/>
-              <a:buChar char="➢"/>
-            </a:pPr>
-            <a:r>
-              <a:rPr b="0" lang="fr-FR" sz="2400" spc="-1" strike="noStrike">
-                <a:solidFill>
-                  <a:srgbClr val="000000"/>
-                </a:solidFill>
-                <a:latin typeface="Arial"/>
-                <a:ea typeface="Arial"/>
-              </a:rPr>
-              <a:t>Envoyer les mesures via réseau LoRa</a:t>
-            </a:r>
-            <a:endParaRPr b="0" lang="fr-FR" sz="2400" spc="-1" strike="noStrike">
-              <a:solidFill>
-                <a:srgbClr val="000000"/>
-              </a:solidFill>
-              <a:latin typeface="Arial"/>
-            </a:endParaRPr>
-          </a:p>
-          <a:p>
-            <a:pPr marL="457200" indent="-380520">
-              <a:lnSpc>
-                <a:spcPct val="150000"/>
-              </a:lnSpc>
-              <a:buClr>
-                <a:srgbClr val="000000"/>
-              </a:buClr>
-              <a:buFont typeface="Arial"/>
-              <a:buChar char="➢"/>
-            </a:pPr>
-            <a:r>
-              <a:rPr b="0" lang="fr-FR" sz="2400" spc="-1" strike="noStrike">
-                <a:solidFill>
-                  <a:srgbClr val="000000"/>
-                </a:solidFill>
-                <a:latin typeface="Arial"/>
-                <a:ea typeface="Arial"/>
-              </a:rPr>
-              <a:t>Récupérer les mesures des capteurs avec </a:t>
-            </a:r>
-            <a:r>
-              <a:rPr b="1" lang="fr-FR" sz="2400" spc="-1" strike="noStrike">
-                <a:solidFill>
-                  <a:srgbClr val="000000"/>
-                </a:solidFill>
-                <a:latin typeface="Arial"/>
-                <a:ea typeface="Arial"/>
-              </a:rPr>
-              <a:t>NodeRed</a:t>
-            </a:r>
-            <a:endParaRPr b="0" lang="fr-FR" sz="2400" spc="-1" strike="noStrike">
-              <a:solidFill>
-                <a:srgbClr val="000000"/>
-              </a:solidFill>
-              <a:latin typeface="Arial"/>
-            </a:endParaRPr>
-          </a:p>
-          <a:p>
-            <a:pPr marL="457200" indent="-380520">
-              <a:lnSpc>
-                <a:spcPct val="150000"/>
-              </a:lnSpc>
-              <a:buClr>
-                <a:srgbClr val="000000"/>
-              </a:buClr>
-              <a:buFont typeface="Arial"/>
-              <a:buChar char="➢"/>
-            </a:pPr>
-            <a:r>
-              <a:rPr b="0" lang="fr-FR" sz="2400" spc="-1" strike="noStrike">
-                <a:solidFill>
-                  <a:srgbClr val="000000"/>
-                </a:solidFill>
-                <a:latin typeface="Arial"/>
-                <a:ea typeface="Arial"/>
-              </a:rPr>
-              <a:t>Stocker les données via </a:t>
-            </a:r>
-            <a:r>
-              <a:rPr b="1" lang="fr-FR" sz="2400" spc="-1" strike="noStrike">
-                <a:solidFill>
-                  <a:srgbClr val="000000"/>
-                </a:solidFill>
-                <a:latin typeface="Arial"/>
-                <a:ea typeface="Arial"/>
-              </a:rPr>
-              <a:t>InfluxDB</a:t>
-            </a:r>
-            <a:endParaRPr b="0" lang="fr-FR" sz="2400" spc="-1" strike="noStrike">
-              <a:solidFill>
-                <a:srgbClr val="000000"/>
-              </a:solidFill>
-              <a:latin typeface="Arial"/>
-            </a:endParaRPr>
-          </a:p>
-          <a:p>
-            <a:pPr marL="457200" indent="-380520">
-              <a:lnSpc>
-                <a:spcPct val="150000"/>
-              </a:lnSpc>
-              <a:buClr>
-                <a:srgbClr val="000000"/>
-              </a:buClr>
-              <a:buFont typeface="Arial"/>
-              <a:buChar char="➢"/>
-            </a:pPr>
-            <a:r>
-              <a:rPr b="0" lang="fr-FR" sz="2400" spc="-1" strike="noStrike">
-                <a:solidFill>
-                  <a:srgbClr val="000000"/>
-                </a:solidFill>
-                <a:latin typeface="Arial"/>
-                <a:ea typeface="Arial"/>
-              </a:rPr>
-              <a:t>Visualiser les résultats en temps réel avec </a:t>
-            </a:r>
-            <a:r>
-              <a:rPr b="1" lang="fr-FR" sz="2400" spc="-1" strike="noStrike">
-                <a:solidFill>
-                  <a:srgbClr val="000000"/>
-                </a:solidFill>
-                <a:latin typeface="Arial"/>
-                <a:ea typeface="Arial"/>
-              </a:rPr>
-              <a:t>Grafana</a:t>
-            </a:r>
-            <a:endParaRPr b="0" lang="fr-FR" sz="2400" spc="-1" strike="noStrike">
-              <a:solidFill>
-                <a:srgbClr val="000000"/>
-              </a:solidFill>
-              <a:latin typeface="Arial"/>
-            </a:endParaRPr>
-          </a:p>
-        </p:txBody>
-      </p:sp>
-      <p:sp>
-        <p:nvSpPr>
-          <p:cNvPr id="93" name="CustomShape 3"/>
+          <p:cNvPr id="89" name="CustomShape 1"/>
           <p:cNvSpPr/>
           <p:nvPr/>
         </p:nvSpPr>
         <p:spPr>
           <a:xfrm>
-            <a:off x="41040" y="34920"/>
-            <a:ext cx="2858760" cy="396360"/>
+            <a:off x="100080" y="579960"/>
+            <a:ext cx="7688160" cy="534600"/>
           </a:xfrm>
           <a:prstGeom prst="rect">
             <a:avLst/>
@@ -7403,7 +6850,252 @@
           <a:fontRef idx="minor"/>
         </p:style>
         <p:txBody>
-          <a:bodyPr tIns="91440" bIns="91440"/>
+          <a:bodyPr lIns="90000" rIns="90000" tIns="91440" bIns="91440"/>
+          <a:p>
+            <a:pPr>
+              <a:lnSpc>
+                <a:spcPct val="100000"/>
+              </a:lnSpc>
+            </a:pPr>
+            <a:r>
+              <a:rPr b="0" lang="fr-FR" sz="3000" spc="-1" strike="noStrike">
+                <a:solidFill>
+                  <a:srgbClr val="1a1a1a"/>
+                </a:solidFill>
+                <a:latin typeface="Arial"/>
+                <a:ea typeface="Arial"/>
+              </a:rPr>
+              <a:t>Objectif</a:t>
+            </a:r>
+            <a:r>
+              <a:rPr b="0" lang="fr-FR" sz="1800" spc="-1" strike="noStrike">
+                <a:solidFill>
+                  <a:srgbClr val="1a1a1a"/>
+                </a:solidFill>
+                <a:latin typeface="Arial"/>
+                <a:ea typeface="Arial"/>
+              </a:rPr>
+              <a:t> :  </a:t>
+            </a:r>
+            <a:br/>
+            <a:br/>
+            <a:endParaRPr b="0" lang="fr-FR" sz="1800" spc="-1" strike="noStrike">
+              <a:latin typeface="Arial"/>
+            </a:endParaRPr>
+          </a:p>
+        </p:txBody>
+      </p:sp>
+      <p:sp>
+        <p:nvSpPr>
+          <p:cNvPr id="90" name="CustomShape 2"/>
+          <p:cNvSpPr/>
+          <p:nvPr/>
+        </p:nvSpPr>
+        <p:spPr>
+          <a:xfrm>
+            <a:off x="273600" y="1436400"/>
+            <a:ext cx="8576280" cy="3501360"/>
+          </a:xfrm>
+          <a:prstGeom prst="rect">
+            <a:avLst/>
+          </a:prstGeom>
+          <a:noFill/>
+          <a:ln>
+            <a:noFill/>
+          </a:ln>
+        </p:spPr>
+        <p:style>
+          <a:lnRef idx="0"/>
+          <a:fillRef idx="0"/>
+          <a:effectRef idx="0"/>
+          <a:fontRef idx="minor"/>
+        </p:style>
+        <p:txBody>
+          <a:bodyPr lIns="90000" rIns="90000" tIns="91440" bIns="91440"/>
+          <a:p>
+            <a:pPr marL="457200" indent="-380160">
+              <a:lnSpc>
+                <a:spcPct val="150000"/>
+              </a:lnSpc>
+              <a:buClr>
+                <a:srgbClr val="000000"/>
+              </a:buClr>
+              <a:buFont typeface="Arial"/>
+              <a:buChar char="➢"/>
+            </a:pPr>
+            <a:r>
+              <a:rPr b="0" lang="fr-FR" sz="2400" spc="-1" strike="noStrike">
+                <a:solidFill>
+                  <a:srgbClr val="000000"/>
+                </a:solidFill>
+                <a:latin typeface="Arial"/>
+                <a:ea typeface="Arial"/>
+              </a:rPr>
+              <a:t>Connecter des capteurs (de distance, température et humidité)</a:t>
+            </a:r>
+            <a:endParaRPr b="0" lang="fr-FR" sz="2400" spc="-1" strike="noStrike">
+              <a:latin typeface="Arial"/>
+            </a:endParaRPr>
+          </a:p>
+          <a:p>
+            <a:pPr marL="457200" indent="-380160">
+              <a:lnSpc>
+                <a:spcPct val="150000"/>
+              </a:lnSpc>
+              <a:buClr>
+                <a:srgbClr val="000000"/>
+              </a:buClr>
+              <a:buFont typeface="Arial"/>
+              <a:buChar char="➢"/>
+            </a:pPr>
+            <a:r>
+              <a:rPr b="0" lang="fr-FR" sz="2400" spc="-1" strike="noStrike">
+                <a:solidFill>
+                  <a:srgbClr val="000000"/>
+                </a:solidFill>
+                <a:latin typeface="Arial"/>
+                <a:ea typeface="Arial"/>
+              </a:rPr>
+              <a:t>Envoyer les mesures via réseau LoRa</a:t>
+            </a:r>
+            <a:endParaRPr b="0" lang="fr-FR" sz="2400" spc="-1" strike="noStrike">
+              <a:latin typeface="Arial"/>
+            </a:endParaRPr>
+          </a:p>
+          <a:p>
+            <a:pPr marL="457200" indent="-380160">
+              <a:lnSpc>
+                <a:spcPct val="150000"/>
+              </a:lnSpc>
+              <a:buClr>
+                <a:srgbClr val="000000"/>
+              </a:buClr>
+              <a:buFont typeface="Arial"/>
+              <a:buChar char="➢"/>
+            </a:pPr>
+            <a:r>
+              <a:rPr b="0" lang="fr-FR" sz="2400" spc="-1" strike="noStrike">
+                <a:solidFill>
+                  <a:srgbClr val="000000"/>
+                </a:solidFill>
+                <a:latin typeface="Arial"/>
+                <a:ea typeface="Arial"/>
+              </a:rPr>
+              <a:t>Récupérer les mesures des capteurs avec </a:t>
+            </a:r>
+            <a:r>
+              <a:rPr b="1" lang="fr-FR" sz="2400" spc="-1" strike="noStrike">
+                <a:solidFill>
+                  <a:srgbClr val="000000"/>
+                </a:solidFill>
+                <a:latin typeface="Arial"/>
+                <a:ea typeface="Arial"/>
+              </a:rPr>
+              <a:t>NodeRed</a:t>
+            </a:r>
+            <a:endParaRPr b="0" lang="fr-FR" sz="2400" spc="-1" strike="noStrike">
+              <a:latin typeface="Arial"/>
+            </a:endParaRPr>
+          </a:p>
+          <a:p>
+            <a:pPr marL="457200" indent="-380160">
+              <a:lnSpc>
+                <a:spcPct val="150000"/>
+              </a:lnSpc>
+              <a:buClr>
+                <a:srgbClr val="000000"/>
+              </a:buClr>
+              <a:buFont typeface="Arial"/>
+              <a:buChar char="➢"/>
+            </a:pPr>
+            <a:r>
+              <a:rPr b="0" lang="fr-FR" sz="2400" spc="-1" strike="noStrike">
+                <a:solidFill>
+                  <a:srgbClr val="000000"/>
+                </a:solidFill>
+                <a:latin typeface="Arial"/>
+                <a:ea typeface="Arial"/>
+              </a:rPr>
+              <a:t>Stocker les données via </a:t>
+            </a:r>
+            <a:r>
+              <a:rPr b="1" lang="fr-FR" sz="2400" spc="-1" strike="noStrike">
+                <a:solidFill>
+                  <a:srgbClr val="000000"/>
+                </a:solidFill>
+                <a:latin typeface="Arial"/>
+                <a:ea typeface="Arial"/>
+              </a:rPr>
+              <a:t>InfluxDB</a:t>
+            </a:r>
+            <a:endParaRPr b="0" lang="fr-FR" sz="2400" spc="-1" strike="noStrike">
+              <a:latin typeface="Arial"/>
+            </a:endParaRPr>
+          </a:p>
+          <a:p>
+            <a:pPr marL="457200" indent="-380160">
+              <a:lnSpc>
+                <a:spcPct val="150000"/>
+              </a:lnSpc>
+              <a:buClr>
+                <a:srgbClr val="000000"/>
+              </a:buClr>
+              <a:buFont typeface="Arial"/>
+              <a:buChar char="➢"/>
+            </a:pPr>
+            <a:r>
+              <a:rPr b="0" lang="fr-FR" sz="2400" spc="-1" strike="noStrike">
+                <a:solidFill>
+                  <a:srgbClr val="000000"/>
+                </a:solidFill>
+                <a:latin typeface="Arial"/>
+                <a:ea typeface="Arial"/>
+              </a:rPr>
+              <a:t>Visualiser les résultats en temps réel avec </a:t>
+            </a:r>
+            <a:r>
+              <a:rPr b="1" lang="fr-FR" sz="2400" spc="-1" strike="noStrike">
+                <a:solidFill>
+                  <a:srgbClr val="000000"/>
+                </a:solidFill>
+                <a:latin typeface="Arial"/>
+                <a:ea typeface="Arial"/>
+              </a:rPr>
+              <a:t>Grafana</a:t>
+            </a:r>
+            <a:endParaRPr b="0" lang="fr-FR" sz="2400" spc="-1" strike="noStrike">
+              <a:latin typeface="Arial"/>
+            </a:endParaRPr>
+          </a:p>
+        </p:txBody>
+      </p:sp>
+      <p:sp>
+        <p:nvSpPr>
+          <p:cNvPr id="91" name="CustomShape 3"/>
+          <p:cNvSpPr/>
+          <p:nvPr/>
+        </p:nvSpPr>
+        <p:spPr>
+          <a:xfrm>
+            <a:off x="41040" y="34920"/>
+            <a:ext cx="2858400" cy="396000"/>
+          </a:xfrm>
+          <a:prstGeom prst="rect">
+            <a:avLst/>
+          </a:prstGeom>
+          <a:noFill/>
+          <a:ln>
+            <a:noFill/>
+          </a:ln>
+        </p:spPr>
+        <p:style>
+          <a:lnRef idx="0"/>
+          <a:fillRef idx="0"/>
+          <a:effectRef idx="0"/>
+          <a:fontRef idx="minor"/>
+        </p:style>
+        <p:txBody>
+          <a:bodyPr lIns="90000" rIns="90000" tIns="91440" bIns="91440"/>
           <a:p>
             <a:pPr>
               <a:lnSpc>
@@ -7487,14 +7179,14 @@
       </p:grpSpPr>
       <p:sp>
         <p:nvSpPr>
-          <p:cNvPr id="94" name="TextShape 1"/>
-          <p:cNvSpPr txBox="1"/>
+          <p:cNvPr id="92" name="CustomShape 1"/>
+          <p:cNvSpPr/>
           <p:nvPr/>
         </p:nvSpPr>
         <p:spPr>
           <a:xfrm>
             <a:off x="727560" y="2125800"/>
-            <a:ext cx="7688520" cy="1410840"/>
+            <a:ext cx="7688160" cy="1410480"/>
           </a:xfrm>
           <a:prstGeom prst="rect">
             <a:avLst/>
@@ -7504,8 +7196,14 @@
             <a:noFill/>
           </a:ln>
         </p:spPr>
-        <p:txBody>
-          <a:bodyPr tIns="91440" bIns="91440"/>
+        <p:style>
+          <a:lnRef idx="0"/>
+          <a:fillRef idx="0"/>
+          <a:effectRef idx="0"/>
+          <a:fontRef idx="minor"/>
+        </p:style>
+        <p:txBody>
+          <a:bodyPr lIns="90000" rIns="90000" tIns="91440" bIns="91440"/>
           <a:p>
             <a:pPr algn="ctr">
               <a:lnSpc>
@@ -7520,42 +7218,9 @@
                 <a:latin typeface="Arial"/>
                 <a:ea typeface="Arial"/>
               </a:rPr>
-              <a:t>Les composants </a:t>
-            </a:r>
-            <a:r>
-              <a:rPr b="0" lang="fr-FR" sz="3000" spc="-1" strike="noStrike">
-                <a:solidFill>
-                  <a:srgbClr val="000000"/>
-                </a:solidFill>
-                <a:latin typeface="Arial"/>
-                <a:ea typeface="Arial"/>
-              </a:rPr>
-              <a:t>logiciels et </a:t>
-            </a:r>
-            <a:r>
-              <a:rPr b="0" lang="fr-FR" sz="3000" spc="-1" strike="noStrike">
-                <a:solidFill>
-                  <a:srgbClr val="000000"/>
-                </a:solidFill>
-                <a:latin typeface="Arial"/>
-                <a:ea typeface="Arial"/>
-              </a:rPr>
-              <a:t>matériels </a:t>
-            </a:r>
-            <a:r>
-              <a:rPr b="0" lang="fr-FR" sz="3000" spc="-1" strike="noStrike">
-                <a:solidFill>
-                  <a:srgbClr val="000000"/>
-                </a:solidFill>
-                <a:latin typeface="Arial"/>
-                <a:ea typeface="Arial"/>
-              </a:rPr>
-              <a:t>utilisés</a:t>
+              <a:t>Les composants logiciels et matériels utilisés</a:t>
             </a:r>
             <a:endParaRPr b="0" lang="fr-FR" sz="3000" spc="-1" strike="noStrike">
-              <a:solidFill>
-                <a:srgbClr val="000000"/>
-              </a:solidFill>
               <a:latin typeface="Arial"/>
             </a:endParaRPr>
           </a:p>
@@ -7612,14 +7277,14 @@
       </p:grpSpPr>
       <p:sp>
         <p:nvSpPr>
-          <p:cNvPr id="95" name="TextShape 1"/>
-          <p:cNvSpPr txBox="1"/>
+          <p:cNvPr id="93" name="CustomShape 1"/>
+          <p:cNvSpPr/>
           <p:nvPr/>
         </p:nvSpPr>
         <p:spPr>
           <a:xfrm>
             <a:off x="118800" y="1755360"/>
-            <a:ext cx="9102600" cy="3483720"/>
+            <a:ext cx="9102240" cy="3483360"/>
           </a:xfrm>
           <a:prstGeom prst="rect">
             <a:avLst/>
@@ -7629,10 +7294,16 @@
             <a:noFill/>
           </a:ln>
         </p:spPr>
-        <p:txBody>
-          <a:bodyPr tIns="91440" bIns="91440"/>
-          <a:p>
-            <a:pPr marL="457200" indent="-380520">
+        <p:style>
+          <a:lnRef idx="0"/>
+          <a:fillRef idx="0"/>
+          <a:effectRef idx="0"/>
+          <a:fontRef idx="minor"/>
+        </p:style>
+        <p:txBody>
+          <a:bodyPr lIns="90000" rIns="90000" tIns="91440" bIns="91440"/>
+          <a:p>
+            <a:pPr marL="457200" indent="-380160">
               <a:lnSpc>
                 <a:spcPct val="200000"/>
               </a:lnSpc>
@@ -7656,14 +7327,11 @@
               <a:t>Un capteur TOF vl53l0x (distance)</a:t>
             </a:r>
             <a:endParaRPr b="0" lang="fr-FR" sz="2400" spc="-1" strike="noStrike">
-              <a:solidFill>
-                <a:srgbClr val="000000"/>
-              </a:solidFill>
-              <a:latin typeface="Arial"/>
-            </a:endParaRPr>
-          </a:p>
-          <a:p>
-            <a:pPr marL="457200" indent="-380520">
+              <a:latin typeface="Arial"/>
+            </a:endParaRPr>
+          </a:p>
+          <a:p>
+            <a:pPr marL="457200" indent="-380160">
               <a:lnSpc>
                 <a:spcPct val="200000"/>
               </a:lnSpc>
@@ -7684,14 +7352,11 @@
               <a:t>Une carte STM32l475</a:t>
             </a:r>
             <a:endParaRPr b="0" lang="fr-FR" sz="2400" spc="-1" strike="noStrike">
-              <a:solidFill>
-                <a:srgbClr val="000000"/>
-              </a:solidFill>
-              <a:latin typeface="Arial"/>
-            </a:endParaRPr>
-          </a:p>
-          <a:p>
-            <a:pPr marL="457200" indent="-380520">
+              <a:latin typeface="Arial"/>
+            </a:endParaRPr>
+          </a:p>
+          <a:p>
+            <a:pPr marL="457200" indent="-380160">
               <a:lnSpc>
                 <a:spcPct val="200000"/>
               </a:lnSpc>
@@ -7722,9 +7387,6 @@
               <a:t>ST B-l072z-lrwan1 Stm32l0 pour la carte STM32</a:t>
             </a:r>
             <a:endParaRPr b="0" lang="fr-FR" sz="2400" spc="-1" strike="noStrike">
-              <a:solidFill>
-                <a:srgbClr val="000000"/>
-              </a:solidFill>
               <a:latin typeface="Arial"/>
             </a:endParaRPr>
           </a:p>
@@ -7738,14 +7400,11 @@
               </a:spcBef>
             </a:pPr>
             <a:endParaRPr b="0" lang="fr-FR" sz="2400" spc="-1" strike="noStrike">
-              <a:solidFill>
-                <a:srgbClr val="000000"/>
-              </a:solidFill>
-              <a:latin typeface="Arial"/>
-            </a:endParaRPr>
-          </a:p>
-          <a:p>
-            <a:pPr>
+              <a:latin typeface="Arial"/>
+            </a:endParaRPr>
+          </a:p>
+          <a:p>
+            <a:pPr marL="457200">
               <a:lnSpc>
                 <a:spcPct val="150000"/>
               </a:lnSpc>
@@ -7757,24 +7416,21 @@
               </a:spcAft>
             </a:pPr>
             <a:endParaRPr b="0" lang="fr-FR" sz="2400" spc="-1" strike="noStrike">
-              <a:solidFill>
-                <a:srgbClr val="000000"/>
-              </a:solidFill>
-              <a:latin typeface="Arial"/>
-            </a:endParaRPr>
-          </a:p>
-        </p:txBody>
-      </p:sp>
-      <p:sp>
-        <p:nvSpPr>
-          <p:cNvPr id="96" name="CustomShape 2"/>
+              <a:latin typeface="Arial"/>
+            </a:endParaRPr>
+          </a:p>
+        </p:txBody>
+      </p:sp>
+      <p:sp>
+        <p:nvSpPr>
+          <p:cNvPr id="94" name="CustomShape 2"/>
           <p:cNvSpPr/>
           <p:nvPr/>
         </p:nvSpPr>
         <p:spPr>
           <a:xfrm>
             <a:off x="41040" y="34920"/>
-            <a:ext cx="8483760" cy="396360"/>
+            <a:ext cx="8483400" cy="396000"/>
           </a:xfrm>
           <a:prstGeom prst="rect">
             <a:avLst/>
@@ -7791,7 +7447,7 @@
           <a:fontRef idx="minor"/>
         </p:style>
         <p:txBody>
-          <a:bodyPr tIns="91440" bIns="91440"/>
+          <a:bodyPr lIns="90000" rIns="90000" tIns="91440" bIns="91440"/>
           <a:p>
             <a:pPr>
               <a:lnSpc>
@@ -7875,235 +7531,14 @@
       </p:grpSpPr>
       <p:sp>
         <p:nvSpPr>
-          <p:cNvPr id="97" name="TextShape 1"/>
-          <p:cNvSpPr txBox="1"/>
-          <p:nvPr/>
-        </p:nvSpPr>
-        <p:spPr>
-          <a:xfrm>
-            <a:off x="273600" y="1436400"/>
-            <a:ext cx="8576640" cy="3501720"/>
-          </a:xfrm>
-          <a:prstGeom prst="rect">
-            <a:avLst/>
-          </a:prstGeom>
-          <a:noFill/>
-          <a:ln>
-            <a:noFill/>
-          </a:ln>
-        </p:spPr>
-        <p:txBody>
-          <a:bodyPr tIns="91440" bIns="91440"/>
-          <a:p>
-            <a:pPr marL="457200" indent="-380520">
-              <a:lnSpc>
-                <a:spcPct val="150000"/>
-              </a:lnSpc>
-              <a:buClr>
-                <a:srgbClr val="000000"/>
-              </a:buClr>
-              <a:buFont typeface="Arial"/>
-              <a:buChar char="●"/>
-            </a:pPr>
-            <a:r>
-              <a:rPr b="0" lang="fr-FR" sz="2400" spc="-1" strike="noStrike">
-                <a:solidFill>
-                  <a:srgbClr val="000000"/>
-                </a:solidFill>
-                <a:latin typeface="Arial"/>
-                <a:ea typeface="Arial"/>
-              </a:rPr>
-              <a:t>Protocole LoRaWAN</a:t>
-            </a:r>
-            <a:endParaRPr b="0" lang="fr-FR" sz="2400" spc="-1" strike="noStrike">
-              <a:solidFill>
-                <a:srgbClr val="000000"/>
-              </a:solidFill>
-              <a:latin typeface="Arial"/>
-            </a:endParaRPr>
-          </a:p>
-          <a:p>
-            <a:pPr marL="457200" indent="-380520">
-              <a:lnSpc>
-                <a:spcPct val="150000"/>
-              </a:lnSpc>
-              <a:buClr>
-                <a:srgbClr val="000000"/>
-              </a:buClr>
-              <a:buFont typeface="Arial"/>
-              <a:buChar char="●"/>
-            </a:pPr>
-            <a:r>
-              <a:rPr b="0" lang="fr-FR" sz="2400" spc="-1" strike="noStrike">
-                <a:solidFill>
-                  <a:srgbClr val="000000"/>
-                </a:solidFill>
-                <a:latin typeface="Arial"/>
-                <a:ea typeface="Arial"/>
-              </a:rPr>
-              <a:t>LoRaServer</a:t>
-            </a:r>
-            <a:endParaRPr b="0" lang="fr-FR" sz="2400" spc="-1" strike="noStrike">
-              <a:solidFill>
-                <a:srgbClr val="000000"/>
-              </a:solidFill>
-              <a:latin typeface="Arial"/>
-            </a:endParaRPr>
-          </a:p>
-          <a:p>
-            <a:pPr marL="457200" indent="-380520">
-              <a:lnSpc>
-                <a:spcPct val="150000"/>
-              </a:lnSpc>
-              <a:buClr>
-                <a:srgbClr val="000000"/>
-              </a:buClr>
-              <a:buFont typeface="Arial"/>
-              <a:buChar char="●"/>
-            </a:pPr>
-            <a:r>
-              <a:rPr b="1" lang="fr-FR" sz="2400" spc="-1" strike="noStrike">
-                <a:solidFill>
-                  <a:srgbClr val="000000"/>
-                </a:solidFill>
-                <a:latin typeface="Arial"/>
-                <a:ea typeface="Arial"/>
-              </a:rPr>
-              <a:t>NodeRed</a:t>
-            </a:r>
-            <a:r>
-              <a:rPr b="0" lang="fr-FR" sz="2400" spc="-1" strike="noStrike">
-                <a:solidFill>
-                  <a:srgbClr val="000000"/>
-                </a:solidFill>
-                <a:latin typeface="Arial"/>
-                <a:ea typeface="Arial"/>
-              </a:rPr>
-              <a:t> (Récupération les mesures des capteurs)</a:t>
-            </a:r>
-            <a:endParaRPr b="0" lang="fr-FR" sz="2400" spc="-1" strike="noStrike">
-              <a:solidFill>
-                <a:srgbClr val="000000"/>
-              </a:solidFill>
-              <a:latin typeface="Arial"/>
-            </a:endParaRPr>
-          </a:p>
-          <a:p>
-            <a:pPr marL="457200" indent="-380520">
-              <a:lnSpc>
-                <a:spcPct val="150000"/>
-              </a:lnSpc>
-              <a:buClr>
-                <a:srgbClr val="000000"/>
-              </a:buClr>
-              <a:buFont typeface="Arial"/>
-              <a:buChar char="●"/>
-            </a:pPr>
-            <a:r>
-              <a:rPr b="1" lang="fr-FR" sz="2400" spc="-1" strike="noStrike">
-                <a:solidFill>
-                  <a:srgbClr val="000000"/>
-                </a:solidFill>
-                <a:latin typeface="Arial"/>
-                <a:ea typeface="Arial"/>
-              </a:rPr>
-              <a:t>InfluxDB </a:t>
-            </a:r>
-            <a:r>
-              <a:rPr b="0" lang="fr-FR" sz="2400" spc="-1" strike="noStrike">
-                <a:solidFill>
-                  <a:srgbClr val="000000"/>
-                </a:solidFill>
-                <a:latin typeface="Arial"/>
-                <a:ea typeface="Arial"/>
-              </a:rPr>
-              <a:t>(Archivage les données) </a:t>
-            </a:r>
-            <a:endParaRPr b="0" lang="fr-FR" sz="2400" spc="-1" strike="noStrike">
-              <a:solidFill>
-                <a:srgbClr val="000000"/>
-              </a:solidFill>
-              <a:latin typeface="Arial"/>
-            </a:endParaRPr>
-          </a:p>
-          <a:p>
-            <a:pPr marL="457200" indent="-380520">
-              <a:lnSpc>
-                <a:spcPct val="150000"/>
-              </a:lnSpc>
-              <a:buClr>
-                <a:srgbClr val="000000"/>
-              </a:buClr>
-              <a:buFont typeface="Arial"/>
-              <a:buChar char="●"/>
-            </a:pPr>
-            <a:r>
-              <a:rPr b="1" lang="fr-FR" sz="2400" spc="-1" strike="noStrike">
-                <a:solidFill>
-                  <a:srgbClr val="000000"/>
-                </a:solidFill>
-                <a:latin typeface="Arial"/>
-                <a:ea typeface="Arial"/>
-              </a:rPr>
-              <a:t>Grafana </a:t>
-            </a:r>
-            <a:r>
-              <a:rPr b="0" lang="fr-FR" sz="2400" spc="-1" strike="noStrike">
-                <a:solidFill>
-                  <a:srgbClr val="000000"/>
-                </a:solidFill>
-                <a:latin typeface="Arial"/>
-                <a:ea typeface="Arial"/>
-              </a:rPr>
-              <a:t>(Visualisation les résultats en temps réel)</a:t>
-            </a:r>
-            <a:endParaRPr b="0" lang="fr-FR" sz="2400" spc="-1" strike="noStrike">
-              <a:solidFill>
-                <a:srgbClr val="000000"/>
-              </a:solidFill>
-              <a:latin typeface="Arial"/>
-            </a:endParaRPr>
-          </a:p>
-          <a:p>
-            <a:pPr marL="457200" indent="-380520">
-              <a:lnSpc>
-                <a:spcPct val="150000"/>
-              </a:lnSpc>
-              <a:buClr>
-                <a:srgbClr val="000000"/>
-              </a:buClr>
-              <a:buFont typeface="Arial"/>
-              <a:buChar char="●"/>
-            </a:pPr>
-            <a:r>
-              <a:rPr b="0" lang="fr-FR" sz="2400" spc="-1" strike="noStrike">
-                <a:solidFill>
-                  <a:srgbClr val="000000"/>
-                </a:solidFill>
-                <a:latin typeface="Arial"/>
-                <a:ea typeface="Arial"/>
-              </a:rPr>
-              <a:t>Arduino ( Pour programmer la carte) </a:t>
-            </a:r>
-            <a:endParaRPr b="0" lang="fr-FR" sz="2400" spc="-1" strike="noStrike">
-              <a:solidFill>
-                <a:srgbClr val="000000"/>
-              </a:solidFill>
-              <a:latin typeface="Arial"/>
-            </a:endParaRPr>
-          </a:p>
-        </p:txBody>
-      </p:sp>
-      <p:sp>
-        <p:nvSpPr>
-          <p:cNvPr id="98" name="CustomShape 2"/>
+          <p:cNvPr id="95" name="CustomShape 1"/>
           <p:cNvSpPr/>
           <p:nvPr/>
         </p:nvSpPr>
         <p:spPr>
           <a:xfrm>
-            <a:off x="41040" y="34920"/>
-            <a:ext cx="8483760" cy="396360"/>
+            <a:off x="273600" y="1436400"/>
+            <a:ext cx="8576280" cy="3501360"/>
           </a:xfrm>
           <a:prstGeom prst="rect">
             <a:avLst/>
@@ -8120,7 +7555,216 @@
           <a:fontRef idx="minor"/>
         </p:style>
         <p:txBody>
-          <a:bodyPr tIns="91440" bIns="91440"/>
+          <a:bodyPr lIns="90000" rIns="90000" tIns="91440" bIns="91440"/>
+          <a:p>
+            <a:pPr marL="457200" indent="-380160">
+              <a:lnSpc>
+                <a:spcPct val="150000"/>
+              </a:lnSpc>
+              <a:buClr>
+                <a:srgbClr val="000000"/>
+              </a:buClr>
+              <a:buFont typeface="Arial"/>
+              <a:buChar char="●"/>
+            </a:pPr>
+            <a:r>
+              <a:rPr b="0" lang="fr-FR" sz="2400" spc="-1" strike="noStrike">
+                <a:solidFill>
+                  <a:srgbClr val="000000"/>
+                </a:solidFill>
+                <a:latin typeface="Arial"/>
+                <a:ea typeface="Arial"/>
+              </a:rPr>
+              <a:t>Protocole LoRaWAN</a:t>
+            </a:r>
+            <a:endParaRPr b="0" lang="fr-FR" sz="2400" spc="-1" strike="noStrike">
+              <a:latin typeface="Arial"/>
+            </a:endParaRPr>
+          </a:p>
+          <a:p>
+            <a:pPr marL="457200" indent="-380160">
+              <a:lnSpc>
+                <a:spcPct val="150000"/>
+              </a:lnSpc>
+              <a:buClr>
+                <a:srgbClr val="000000"/>
+              </a:buClr>
+              <a:buFont typeface="Arial"/>
+              <a:buChar char="●"/>
+            </a:pPr>
+            <a:r>
+              <a:rPr b="0" lang="fr-FR" sz="2400" spc="-1" strike="noStrike">
+                <a:solidFill>
+                  <a:srgbClr val="000000"/>
+                </a:solidFill>
+                <a:latin typeface="Arial"/>
+                <a:ea typeface="Arial"/>
+              </a:rPr>
+              <a:t>LoRaServer</a:t>
+            </a:r>
+            <a:endParaRPr b="0" lang="fr-FR" sz="2400" spc="-1" strike="noStrike">
+              <a:latin typeface="Arial"/>
+            </a:endParaRPr>
+          </a:p>
+          <a:p>
+            <a:pPr marL="457200" indent="-380160">
+              <a:lnSpc>
+                <a:spcPct val="150000"/>
+              </a:lnSpc>
+              <a:buClr>
+                <a:srgbClr val="000000"/>
+              </a:buClr>
+              <a:buFont typeface="Arial"/>
+              <a:buChar char="●"/>
+            </a:pPr>
+            <a:r>
+              <a:rPr b="1" lang="fr-FR" sz="2400" spc="-1" strike="noStrike">
+                <a:solidFill>
+                  <a:srgbClr val="000000"/>
+                </a:solidFill>
+                <a:latin typeface="Arial"/>
+                <a:ea typeface="Arial"/>
+              </a:rPr>
+              <a:t>NodeRed</a:t>
+            </a:r>
+            <a:r>
+              <a:rPr b="0" lang="fr-FR" sz="2400" spc="-1" strike="noStrike">
+                <a:solidFill>
+                  <a:srgbClr val="000000"/>
+                </a:solidFill>
+                <a:latin typeface="Arial"/>
+                <a:ea typeface="Arial"/>
+              </a:rPr>
+              <a:t> (Récupération les mesures des capteurs)</a:t>
+            </a:r>
+            <a:endParaRPr b="0" lang="fr-FR" sz="2400" spc="-1" strike="noStrike">
+              <a:latin typeface="Arial"/>
+            </a:endParaRPr>
+          </a:p>
+          <a:p>
+            <a:pPr marL="457200" indent="-380160">
+              <a:lnSpc>
+                <a:spcPct val="150000"/>
+              </a:lnSpc>
+              <a:buClr>
+                <a:srgbClr val="000000"/>
+              </a:buClr>
+              <a:buFont typeface="Arial"/>
+              <a:buChar char="●"/>
+            </a:pPr>
+            <a:r>
+              <a:rPr b="1" lang="fr-FR" sz="2400" spc="-1" strike="noStrike">
+                <a:solidFill>
+                  <a:srgbClr val="000000"/>
+                </a:solidFill>
+                <a:latin typeface="Arial"/>
+                <a:ea typeface="Arial"/>
+              </a:rPr>
+              <a:t>InfluxDB </a:t>
+            </a:r>
+            <a:r>
+              <a:rPr b="0" lang="fr-FR" sz="2400" spc="-1" strike="noStrike">
+                <a:solidFill>
+                  <a:srgbClr val="000000"/>
+                </a:solidFill>
+                <a:latin typeface="Arial"/>
+                <a:ea typeface="Arial"/>
+              </a:rPr>
+              <a:t>(Archivage les données) </a:t>
+            </a:r>
+            <a:endParaRPr b="0" lang="fr-FR" sz="2400" spc="-1" strike="noStrike">
+              <a:latin typeface="Arial"/>
+            </a:endParaRPr>
+          </a:p>
+          <a:p>
+            <a:pPr marL="457200" indent="-380160">
+              <a:lnSpc>
+                <a:spcPct val="150000"/>
+              </a:lnSpc>
+              <a:buClr>
+                <a:srgbClr val="000000"/>
+              </a:buClr>
+              <a:buFont typeface="Arial"/>
+              <a:buChar char="●"/>
+            </a:pPr>
+            <a:r>
+              <a:rPr b="1" lang="fr-FR" sz="2400" spc="-1" strike="noStrike">
+                <a:solidFill>
+                  <a:srgbClr val="000000"/>
+                </a:solidFill>
+                <a:latin typeface="Arial"/>
+                <a:ea typeface="Arial"/>
+              </a:rPr>
+              <a:t>Grafana </a:t>
+            </a:r>
+            <a:r>
+              <a:rPr b="0" lang="fr-FR" sz="2400" spc="-1" strike="noStrike">
+                <a:solidFill>
+                  <a:srgbClr val="000000"/>
+                </a:solidFill>
+                <a:latin typeface="Arial"/>
+                <a:ea typeface="Arial"/>
+              </a:rPr>
+              <a:t>(Visualisation les résultats en temps réel)</a:t>
+            </a:r>
+            <a:endParaRPr b="0" lang="fr-FR" sz="2400" spc="-1" strike="noStrike">
+              <a:latin typeface="Arial"/>
+            </a:endParaRPr>
+          </a:p>
+          <a:p>
+            <a:pPr marL="457200" indent="-380160">
+              <a:lnSpc>
+                <a:spcPct val="150000"/>
+              </a:lnSpc>
+              <a:buClr>
+                <a:srgbClr val="000000"/>
+              </a:buClr>
+              <a:buFont typeface="Arial"/>
+              <a:buChar char="●"/>
+            </a:pPr>
+            <a:r>
+              <a:rPr b="0" lang="fr-FR" sz="2400" spc="-1" strike="noStrike">
+                <a:solidFill>
+                  <a:srgbClr val="000000"/>
+                </a:solidFill>
+                <a:latin typeface="Arial"/>
+                <a:ea typeface="Arial"/>
+              </a:rPr>
+              <a:t>Arduino ( Pour programmer la carte) </a:t>
+            </a:r>
+            <a:endParaRPr b="0" lang="fr-FR" sz="2400" spc="-1" strike="noStrike">
+              <a:latin typeface="Arial"/>
+            </a:endParaRPr>
+          </a:p>
+        </p:txBody>
+      </p:sp>
+      <p:sp>
+        <p:nvSpPr>
+          <p:cNvPr id="96" name="CustomShape 2"/>
+          <p:cNvSpPr/>
+          <p:nvPr/>
+        </p:nvSpPr>
+        <p:spPr>
+          <a:xfrm>
+            <a:off x="41040" y="34920"/>
+            <a:ext cx="8483400" cy="396000"/>
+          </a:xfrm>
+          <a:prstGeom prst="rect">
+            <a:avLst/>
+          </a:prstGeom>
+          <a:noFill/>
+          <a:ln>
+            <a:noFill/>
+          </a:ln>
+        </p:spPr>
+        <p:style>
+          <a:lnRef idx="0"/>
+          <a:fillRef idx="0"/>
+          <a:effectRef idx="0"/>
+          <a:fontRef idx="minor"/>
+        </p:style>
+        <p:txBody>
+          <a:bodyPr lIns="90000" rIns="90000" tIns="91440" bIns="91440"/>
           <a:p>
             <a:pPr>
               <a:lnSpc>
@@ -8204,14 +7848,14 @@
       </p:grpSpPr>
       <p:sp>
         <p:nvSpPr>
-          <p:cNvPr id="99" name="CustomShape 1"/>
+          <p:cNvPr id="97" name="CustomShape 1"/>
           <p:cNvSpPr/>
           <p:nvPr/>
         </p:nvSpPr>
         <p:spPr>
           <a:xfrm>
             <a:off x="41040" y="34920"/>
-            <a:ext cx="7459920" cy="396360"/>
+            <a:ext cx="7459560" cy="396000"/>
           </a:xfrm>
           <a:prstGeom prst="rect">
             <a:avLst/>
@@ -8228,7 +7872,7 @@
           <a:fontRef idx="minor"/>
         </p:style>
         <p:txBody>
-          <a:bodyPr tIns="91440" bIns="91440"/>
+          <a:bodyPr lIns="90000" rIns="90000" tIns="91440" bIns="91440"/>
           <a:p>
             <a:pPr>
               <a:lnSpc>
@@ -8263,14 +7907,14 @@
       </p:sp>
       <p:sp>
         <p:nvSpPr>
-          <p:cNvPr id="100" name="TextShape 2"/>
-          <p:cNvSpPr txBox="1"/>
+          <p:cNvPr id="98" name="CustomShape 2"/>
+          <p:cNvSpPr/>
           <p:nvPr/>
         </p:nvSpPr>
         <p:spPr>
           <a:xfrm>
             <a:off x="100080" y="515160"/>
-            <a:ext cx="7688520" cy="534960"/>
+            <a:ext cx="7688160" cy="534600"/>
           </a:xfrm>
           <a:prstGeom prst="rect">
             <a:avLst/>
@@ -8280,8 +7924,14 @@
             <a:noFill/>
           </a:ln>
         </p:spPr>
-        <p:txBody>
-          <a:bodyPr tIns="91440" bIns="91440"/>
+        <p:style>
+          <a:lnRef idx="0"/>
+          <a:fillRef idx="0"/>
+          <a:effectRef idx="0"/>
+          <a:fontRef idx="minor"/>
+        </p:style>
+        <p:txBody>
+          <a:bodyPr lIns="90000" rIns="90000" tIns="91440" bIns="91440"/>
           <a:p>
             <a:pPr>
               <a:lnSpc>
@@ -8311,9 +7961,6 @@
             </a:r>
             <a:br/>
             <a:endParaRPr b="0" lang="fr-FR" sz="1800" spc="-1" strike="noStrike">
-              <a:solidFill>
-                <a:srgbClr val="000000"/>
-              </a:solidFill>
               <a:latin typeface="Arial"/>
             </a:endParaRPr>
           </a:p>
@@ -8321,7 +7968,7 @@
       </p:sp>
       <p:pic>
         <p:nvPicPr>
-          <p:cNvPr id="101" name="Google Shape;129;p20" descr=""/>
+          <p:cNvPr id="99" name="Google Shape;129;p20" descr=""/>
           <p:cNvPicPr/>
           <p:nvPr/>
         </p:nvPicPr>
@@ -8332,7 +7979,7 @@
         <p:spPr>
           <a:xfrm>
             <a:off x="5181840" y="1639080"/>
-            <a:ext cx="3961800" cy="2779200"/>
+            <a:ext cx="3961440" cy="2778840"/>
           </a:xfrm>
           <a:prstGeom prst="rect">
             <a:avLst/>
@@ -8344,14 +7991,14 @@
       </p:pic>
       <p:sp>
         <p:nvSpPr>
-          <p:cNvPr id="102" name="CustomShape 3"/>
+          <p:cNvPr id="100" name="CustomShape 3"/>
           <p:cNvSpPr/>
           <p:nvPr/>
         </p:nvSpPr>
         <p:spPr>
           <a:xfrm>
             <a:off x="100080" y="2189880"/>
-            <a:ext cx="4624920" cy="1677600"/>
+            <a:ext cx="4624560" cy="1677240"/>
           </a:xfrm>
           <a:prstGeom prst="rect">
             <a:avLst/>
@@ -8368,7 +8015,7 @@
           <a:fontRef idx="minor"/>
         </p:style>
         <p:txBody>
-          <a:bodyPr tIns="91440" bIns="91440"/>
+          <a:bodyPr lIns="90000" rIns="90000" tIns="91440" bIns="91440"/>
           <a:p>
             <a:pPr marL="457200">
               <a:lnSpc>
@@ -8442,7 +8089,7 @@
       </p:grpSpPr>
       <p:pic>
         <p:nvPicPr>
-          <p:cNvPr id="103" name="Google Shape;135;p21" descr=""/>
+          <p:cNvPr id="101" name="Google Shape;135;p21" descr=""/>
           <p:cNvPicPr/>
           <p:nvPr/>
         </p:nvPicPr>
@@ -8453,7 +8100,7 @@
         <p:spPr>
           <a:xfrm>
             <a:off x="4648320" y="1386360"/>
-            <a:ext cx="4356000" cy="3565440"/>
+            <a:ext cx="4355640" cy="3565080"/>
           </a:xfrm>
           <a:prstGeom prst="rect">
             <a:avLst/>
@@ -8465,14 +8112,14 @@
       </p:pic>
       <p:sp>
         <p:nvSpPr>
-          <p:cNvPr id="104" name="CustomShape 1"/>
+          <p:cNvPr id="102" name="CustomShape 1"/>
           <p:cNvSpPr/>
           <p:nvPr/>
         </p:nvSpPr>
         <p:spPr>
           <a:xfrm>
             <a:off x="168480" y="1399320"/>
-            <a:ext cx="4479480" cy="3565440"/>
+            <a:ext cx="4479120" cy="3565080"/>
           </a:xfrm>
           <a:prstGeom prst="rect">
             <a:avLst/>
@@ -8491,14 +8138,14 @@
       </p:sp>
       <p:sp>
         <p:nvSpPr>
-          <p:cNvPr id="105" name="CustomShape 2"/>
+          <p:cNvPr id="103" name="CustomShape 2"/>
           <p:cNvSpPr/>
           <p:nvPr/>
         </p:nvSpPr>
         <p:spPr>
           <a:xfrm>
             <a:off x="12960" y="1334520"/>
-            <a:ext cx="5311440" cy="3744000"/>
+            <a:ext cx="5311080" cy="3743640"/>
           </a:xfrm>
           <a:prstGeom prst="rect">
             <a:avLst/>
@@ -8515,9 +8162,9 @@
           <a:fontRef idx="minor"/>
         </p:style>
         <p:txBody>
-          <a:bodyPr tIns="91440" bIns="91440"/>
-          <a:p>
-            <a:pPr marL="457200" indent="-380520">
+          <a:bodyPr lIns="90000" rIns="90000" tIns="91440" bIns="91440"/>
+          <a:p>
+            <a:pPr marL="457200" indent="-380160">
               <a:lnSpc>
                 <a:spcPct val="100000"/>
               </a:lnSpc>
@@ -8542,7 +8189,7 @@
             </a:endParaRPr>
           </a:p>
           <a:p>
-            <a:pPr marL="457200" indent="-380520">
+            <a:pPr marL="457200" indent="-380160">
               <a:lnSpc>
                 <a:spcPct val="100000"/>
               </a:lnSpc>
@@ -8567,7 +8214,7 @@
             </a:endParaRPr>
           </a:p>
           <a:p>
-            <a:pPr marL="457200" indent="-380520">
+            <a:pPr marL="457200" indent="-380160">
               <a:lnSpc>
                 <a:spcPct val="100000"/>
               </a:lnSpc>
@@ -8615,14 +8262,14 @@
       </p:sp>
       <p:sp>
         <p:nvSpPr>
-          <p:cNvPr id="106" name="CustomShape 3"/>
+          <p:cNvPr id="104" name="CustomShape 3"/>
           <p:cNvSpPr/>
           <p:nvPr/>
         </p:nvSpPr>
         <p:spPr>
           <a:xfrm>
             <a:off x="41040" y="34920"/>
-            <a:ext cx="7459920" cy="396360"/>
+            <a:ext cx="7459560" cy="396000"/>
           </a:xfrm>
           <a:prstGeom prst="rect">
             <a:avLst/>
@@ -8639,7 +8286,7 @@
           <a:fontRef idx="minor"/>
         </p:style>
         <p:txBody>
-          <a:bodyPr tIns="91440" bIns="91440"/>
+          <a:bodyPr lIns="90000" rIns="90000" tIns="91440" bIns="91440"/>
           <a:p>
             <a:pPr>
               <a:lnSpc>
@@ -8674,14 +8321,14 @@
       </p:sp>
       <p:sp>
         <p:nvSpPr>
-          <p:cNvPr id="107" name="TextShape 4"/>
-          <p:cNvSpPr txBox="1"/>
+          <p:cNvPr id="105" name="CustomShape 4"/>
+          <p:cNvSpPr/>
           <p:nvPr/>
         </p:nvSpPr>
         <p:spPr>
           <a:xfrm>
             <a:off x="41040" y="537840"/>
-            <a:ext cx="7688520" cy="534960"/>
+            <a:ext cx="7688160" cy="534600"/>
           </a:xfrm>
           <a:prstGeom prst="rect">
             <a:avLst/>
@@ -8691,8 +8338,14 @@
             <a:noFill/>
           </a:ln>
         </p:spPr>
-        <p:txBody>
-          <a:bodyPr tIns="91440" bIns="91440"/>
+        <p:style>
+          <a:lnRef idx="0"/>
+          <a:fillRef idx="0"/>
+          <a:effectRef idx="0"/>
+          <a:fontRef idx="minor"/>
+        </p:style>
+        <p:txBody>
+          <a:bodyPr lIns="90000" rIns="90000" tIns="91440" bIns="91440"/>
           <a:p>
             <a:pPr>
               <a:lnSpc>
@@ -8722,9 +8375,6 @@
             </a:r>
             <a:br/>
             <a:endParaRPr b="0" lang="fr-FR" sz="1800" spc="-1" strike="noStrike">
-              <a:solidFill>
-                <a:srgbClr val="000000"/>
-              </a:solidFill>
               <a:latin typeface="Arial"/>
             </a:endParaRPr>
           </a:p>
